--- a/Prac2/Part 2/Presentation.pptx
+++ b/Prac2/Part 2/Presentation.pptx
@@ -8,12 +8,14 @@
     <p:sldId id="256" r:id="rId2"/>
     <p:sldId id="257" r:id="rId3"/>
     <p:sldId id="258" r:id="rId4"/>
-    <p:sldId id="260" r:id="rId5"/>
-    <p:sldId id="261" r:id="rId6"/>
-    <p:sldId id="265" r:id="rId7"/>
-    <p:sldId id="262" r:id="rId8"/>
-    <p:sldId id="263" r:id="rId9"/>
-    <p:sldId id="264" r:id="rId10"/>
+    <p:sldId id="266" r:id="rId5"/>
+    <p:sldId id="260" r:id="rId6"/>
+    <p:sldId id="261" r:id="rId7"/>
+    <p:sldId id="265" r:id="rId8"/>
+    <p:sldId id="262" r:id="rId9"/>
+    <p:sldId id="267" r:id="rId10"/>
+    <p:sldId id="263" r:id="rId11"/>
+    <p:sldId id="264" r:id="rId12"/>
   </p:sldIdLst>
   <p:sldSz cx="12192000" cy="6858000"/>
   <p:notesSz cx="6858000" cy="9144000"/>
@@ -308,7 +310,7 @@
           <a:p>
             <a:fld id="{F1A8E312-5357-423D-9805-2C398908D092}" type="datetimeFigureOut">
               <a:rPr lang="en-ZA" smtClean="0"/>
-              <a:t>2019/09/16</a:t>
+              <a:t>2019/09/17</a:t>
             </a:fld>
             <a:endParaRPr lang="en-ZA"/>
           </a:p>
@@ -646,7 +648,7 @@
           <a:p>
             <a:fld id="{F1A8E312-5357-423D-9805-2C398908D092}" type="datetimeFigureOut">
               <a:rPr lang="en-ZA" smtClean="0"/>
-              <a:t>2019/09/16</a:t>
+              <a:t>2019/09/17</a:t>
             </a:fld>
             <a:endParaRPr lang="en-ZA"/>
           </a:p>
@@ -1047,7 +1049,7 @@
           <a:p>
             <a:fld id="{F1A8E312-5357-423D-9805-2C398908D092}" type="datetimeFigureOut">
               <a:rPr lang="en-ZA" smtClean="0"/>
-              <a:t>2019/09/16</a:t>
+              <a:t>2019/09/17</a:t>
             </a:fld>
             <a:endParaRPr lang="en-ZA"/>
           </a:p>
@@ -1383,7 +1385,7 @@
           <a:p>
             <a:fld id="{F1A8E312-5357-423D-9805-2C398908D092}" type="datetimeFigureOut">
               <a:rPr lang="en-ZA" smtClean="0"/>
-              <a:t>2019/09/16</a:t>
+              <a:t>2019/09/17</a:t>
             </a:fld>
             <a:endParaRPr lang="en-ZA"/>
           </a:p>
@@ -1703,7 +1705,7 @@
           <a:p>
             <a:fld id="{F1A8E312-5357-423D-9805-2C398908D092}" type="datetimeFigureOut">
               <a:rPr lang="en-ZA" smtClean="0"/>
-              <a:t>2019/09/16</a:t>
+              <a:t>2019/09/17</a:t>
             </a:fld>
             <a:endParaRPr lang="en-ZA"/>
           </a:p>
@@ -2099,7 +2101,7 @@
           <a:p>
             <a:fld id="{F1A8E312-5357-423D-9805-2C398908D092}" type="datetimeFigureOut">
               <a:rPr lang="en-ZA" smtClean="0"/>
-              <a:t>2019/09/16</a:t>
+              <a:t>2019/09/17</a:t>
             </a:fld>
             <a:endParaRPr lang="en-ZA"/>
           </a:p>
@@ -2356,7 +2358,7 @@
           <a:p>
             <a:fld id="{F1A8E312-5357-423D-9805-2C398908D092}" type="datetimeFigureOut">
               <a:rPr lang="en-ZA" smtClean="0"/>
-              <a:t>2019/09/16</a:t>
+              <a:t>2019/09/17</a:t>
             </a:fld>
             <a:endParaRPr lang="en-ZA"/>
           </a:p>
@@ -2618,7 +2620,7 @@
           <a:p>
             <a:fld id="{F1A8E312-5357-423D-9805-2C398908D092}" type="datetimeFigureOut">
               <a:rPr lang="en-ZA" smtClean="0"/>
-              <a:t>2019/09/16</a:t>
+              <a:t>2019/09/17</a:t>
             </a:fld>
             <a:endParaRPr lang="en-ZA"/>
           </a:p>
@@ -2880,7 +2882,7 @@
           <a:p>
             <a:fld id="{F1A8E312-5357-423D-9805-2C398908D092}" type="datetimeFigureOut">
               <a:rPr lang="en-ZA" smtClean="0"/>
-              <a:t>2019/09/16</a:t>
+              <a:t>2019/09/17</a:t>
             </a:fld>
             <a:endParaRPr lang="en-ZA"/>
           </a:p>
@@ -3209,7 +3211,7 @@
           <a:p>
             <a:fld id="{F1A8E312-5357-423D-9805-2C398908D092}" type="datetimeFigureOut">
               <a:rPr lang="en-ZA" smtClean="0"/>
-              <a:t>2019/09/16</a:t>
+              <a:t>2019/09/17</a:t>
             </a:fld>
             <a:endParaRPr lang="en-ZA"/>
           </a:p>
@@ -3532,7 +3534,7 @@
           <a:p>
             <a:fld id="{F1A8E312-5357-423D-9805-2C398908D092}" type="datetimeFigureOut">
               <a:rPr lang="en-ZA" smtClean="0"/>
-              <a:t>2019/09/16</a:t>
+              <a:t>2019/09/17</a:t>
             </a:fld>
             <a:endParaRPr lang="en-ZA"/>
           </a:p>
@@ -3989,7 +3991,7 @@
           <a:p>
             <a:fld id="{F1A8E312-5357-423D-9805-2C398908D092}" type="datetimeFigureOut">
               <a:rPr lang="en-ZA" smtClean="0"/>
-              <a:t>2019/09/16</a:t>
+              <a:t>2019/09/17</a:t>
             </a:fld>
             <a:endParaRPr lang="en-ZA"/>
           </a:p>
@@ -4194,7 +4196,7 @@
           <a:p>
             <a:fld id="{F1A8E312-5357-423D-9805-2C398908D092}" type="datetimeFigureOut">
               <a:rPr lang="en-ZA" smtClean="0"/>
-              <a:t>2019/09/16</a:t>
+              <a:t>2019/09/17</a:t>
             </a:fld>
             <a:endParaRPr lang="en-ZA"/>
           </a:p>
@@ -4371,7 +4373,7 @@
           <a:p>
             <a:fld id="{F1A8E312-5357-423D-9805-2C398908D092}" type="datetimeFigureOut">
               <a:rPr lang="en-ZA" smtClean="0"/>
-              <a:t>2019/09/16</a:t>
+              <a:t>2019/09/17</a:t>
             </a:fld>
             <a:endParaRPr lang="en-ZA"/>
           </a:p>
@@ -4704,7 +4706,7 @@
           <a:p>
             <a:fld id="{F1A8E312-5357-423D-9805-2C398908D092}" type="datetimeFigureOut">
               <a:rPr lang="en-ZA" smtClean="0"/>
-              <a:t>2019/09/16</a:t>
+              <a:t>2019/09/17</a:t>
             </a:fld>
             <a:endParaRPr lang="en-ZA"/>
           </a:p>
@@ -5049,7 +5051,7 @@
           <a:p>
             <a:fld id="{F1A8E312-5357-423D-9805-2C398908D092}" type="datetimeFigureOut">
               <a:rPr lang="en-ZA" smtClean="0"/>
-              <a:t>2019/09/16</a:t>
+              <a:t>2019/09/17</a:t>
             </a:fld>
             <a:endParaRPr lang="en-ZA"/>
           </a:p>
@@ -7166,7 +7168,7 @@
           <a:p>
             <a:fld id="{F1A8E312-5357-423D-9805-2C398908D092}" type="datetimeFigureOut">
               <a:rPr lang="en-ZA" smtClean="0"/>
-              <a:t>2019/09/16</a:t>
+              <a:t>2019/09/17</a:t>
             </a:fld>
             <a:endParaRPr lang="en-ZA"/>
           </a:p>
@@ -7771,6 +7773,164 @@
 </p:sld>
 </file>
 
+<file path=ppt/slides/slide10.xml><?xml version="1.0" encoding="utf-8"?>
+<p:sld xmlns:a="http://schemas.openxmlformats.org/drawingml/2006/main" xmlns:r="http://schemas.openxmlformats.org/officeDocument/2006/relationships" xmlns:p="http://schemas.openxmlformats.org/presentationml/2006/main">
+  <p:cSld>
+    <p:spTree>
+      <p:nvGrpSpPr>
+        <p:cNvPr id="1" name=""/>
+        <p:cNvGrpSpPr/>
+        <p:nvPr/>
+      </p:nvGrpSpPr>
+      <p:grpSpPr>
+        <a:xfrm>
+          <a:off x="0" y="0"/>
+          <a:ext cx="0" cy="0"/>
+          <a:chOff x="0" y="0"/>
+          <a:chExt cx="0" cy="0"/>
+        </a:xfrm>
+      </p:grpSpPr>
+      <p:sp>
+        <p:nvSpPr>
+          <p:cNvPr id="2" name="Title 1"/>
+          <p:cNvSpPr>
+            <a:spLocks noGrp="1"/>
+          </p:cNvSpPr>
+          <p:nvPr>
+            <p:ph type="title"/>
+          </p:nvPr>
+        </p:nvSpPr>
+        <p:spPr/>
+        <p:txBody>
+          <a:bodyPr/>
+          <a:lstStyle/>
+          <a:p>
+            <a:r>
+              <a:rPr lang="en-ZA" dirty="0" smtClean="0"/>
+              <a:t>Quality of Service</a:t>
+            </a:r>
+            <a:endParaRPr lang="en-ZA" dirty="0"/>
+          </a:p>
+        </p:txBody>
+      </p:sp>
+      <p:sp>
+        <p:nvSpPr>
+          <p:cNvPr id="3" name="Content Placeholder 2"/>
+          <p:cNvSpPr>
+            <a:spLocks noGrp="1"/>
+          </p:cNvSpPr>
+          <p:nvPr>
+            <p:ph idx="1"/>
+          </p:nvPr>
+        </p:nvSpPr>
+        <p:spPr/>
+        <p:txBody>
+          <a:bodyPr/>
+          <a:lstStyle/>
+          <a:p>
+            <a:endParaRPr lang="en-ZA" dirty="0"/>
+          </a:p>
+        </p:txBody>
+      </p:sp>
+    </p:spTree>
+    <p:extLst>
+      <p:ext uri="{BB962C8B-B14F-4D97-AF65-F5344CB8AC3E}">
+        <p14:creationId xmlns:p14="http://schemas.microsoft.com/office/powerpoint/2010/main" val="4154402910"/>
+      </p:ext>
+    </p:extLst>
+  </p:cSld>
+  <p:clrMapOvr>
+    <a:masterClrMapping/>
+  </p:clrMapOvr>
+  <p:timing>
+    <p:tnLst>
+      <p:par>
+        <p:cTn id="1" dur="indefinite" restart="never" nodeType="tmRoot"/>
+      </p:par>
+    </p:tnLst>
+  </p:timing>
+</p:sld>
+</file>
+
+<file path=ppt/slides/slide11.xml><?xml version="1.0" encoding="utf-8"?>
+<p:sld xmlns:a="http://schemas.openxmlformats.org/drawingml/2006/main" xmlns:r="http://schemas.openxmlformats.org/officeDocument/2006/relationships" xmlns:p="http://schemas.openxmlformats.org/presentationml/2006/main">
+  <p:cSld>
+    <p:spTree>
+      <p:nvGrpSpPr>
+        <p:cNvPr id="1" name=""/>
+        <p:cNvGrpSpPr/>
+        <p:nvPr/>
+      </p:nvGrpSpPr>
+      <p:grpSpPr>
+        <a:xfrm>
+          <a:off x="0" y="0"/>
+          <a:ext cx="0" cy="0"/>
+          <a:chOff x="0" y="0"/>
+          <a:chExt cx="0" cy="0"/>
+        </a:xfrm>
+      </p:grpSpPr>
+      <p:sp>
+        <p:nvSpPr>
+          <p:cNvPr id="2" name="Title 1"/>
+          <p:cNvSpPr>
+            <a:spLocks noGrp="1"/>
+          </p:cNvSpPr>
+          <p:nvPr>
+            <p:ph type="title"/>
+          </p:nvPr>
+        </p:nvSpPr>
+        <p:spPr/>
+        <p:txBody>
+          <a:bodyPr/>
+          <a:lstStyle/>
+          <a:p>
+            <a:r>
+              <a:rPr lang="en-ZA" dirty="0" smtClean="0"/>
+              <a:t>FPGA implementation</a:t>
+            </a:r>
+            <a:endParaRPr lang="en-ZA" dirty="0"/>
+          </a:p>
+        </p:txBody>
+      </p:sp>
+      <p:sp>
+        <p:nvSpPr>
+          <p:cNvPr id="3" name="Content Placeholder 2"/>
+          <p:cNvSpPr>
+            <a:spLocks noGrp="1"/>
+          </p:cNvSpPr>
+          <p:nvPr>
+            <p:ph idx="1"/>
+          </p:nvPr>
+        </p:nvSpPr>
+        <p:spPr/>
+        <p:txBody>
+          <a:bodyPr/>
+          <a:lstStyle/>
+          <a:p>
+            <a:endParaRPr lang="en-ZA"/>
+          </a:p>
+        </p:txBody>
+      </p:sp>
+    </p:spTree>
+    <p:extLst>
+      <p:ext uri="{BB962C8B-B14F-4D97-AF65-F5344CB8AC3E}">
+        <p14:creationId xmlns:p14="http://schemas.microsoft.com/office/powerpoint/2010/main" val="3843322359"/>
+      </p:ext>
+    </p:extLst>
+  </p:cSld>
+  <p:clrMapOvr>
+    <a:masterClrMapping/>
+  </p:clrMapOvr>
+  <p:timing>
+    <p:tnLst>
+      <p:par>
+        <p:cTn id="1" dur="indefinite" restart="never" nodeType="tmRoot"/>
+      </p:par>
+    </p:tnLst>
+  </p:timing>
+</p:sld>
+</file>
+
 <file path=ppt/slides/slide2.xml><?xml version="1.0" encoding="utf-8"?>
 <p:sld xmlns:a="http://schemas.openxmlformats.org/drawingml/2006/main" xmlns:r="http://schemas.openxmlformats.org/officeDocument/2006/relationships" xmlns:p="http://schemas.openxmlformats.org/presentationml/2006/main">
   <p:cSld>
@@ -7836,6 +7996,86 @@
           <a:bodyPr/>
           <a:lstStyle/>
           <a:p>
+            <a:r>
+              <a:rPr lang="en-ZA" dirty="0" smtClean="0"/>
+              <a:t>Banks in particular aim to provid</a:t>
+            </a:r>
+            <a:r>
+              <a:rPr lang="en-ZA" dirty="0" smtClean="0"/>
+              <a:t>e the best possible client satisfaction and attempts to improve the client experience in banking systems.</a:t>
+            </a:r>
+            <a:endParaRPr lang="en-ZA" dirty="0" smtClean="0"/>
+          </a:p>
+          <a:p>
+            <a:r>
+              <a:rPr lang="en-ZA" dirty="0" smtClean="0"/>
+              <a:t>Considering </a:t>
+            </a:r>
+            <a:r>
+              <a:rPr lang="en-ZA" dirty="0" smtClean="0"/>
+              <a:t>improving the overall banking system experience:</a:t>
+            </a:r>
+          </a:p>
+          <a:p>
+            <a:pPr lvl="1"/>
+            <a:r>
+              <a:rPr lang="en-ZA" dirty="0" smtClean="0"/>
+              <a:t>Client perspective</a:t>
+            </a:r>
+          </a:p>
+          <a:p>
+            <a:pPr lvl="2"/>
+            <a:r>
+              <a:rPr lang="en-ZA" dirty="0" smtClean="0"/>
+              <a:t>Shorter queues</a:t>
+            </a:r>
+          </a:p>
+          <a:p>
+            <a:pPr lvl="2"/>
+            <a:r>
+              <a:rPr lang="en-ZA" dirty="0" smtClean="0"/>
+              <a:t>Shorter waiting </a:t>
+            </a:r>
+            <a:r>
+              <a:rPr lang="en-ZA" dirty="0" smtClean="0"/>
+              <a:t>times</a:t>
+            </a:r>
+          </a:p>
+          <a:p>
+            <a:pPr lvl="2"/>
+            <a:r>
+              <a:rPr lang="en-ZA" dirty="0" smtClean="0"/>
+              <a:t>Shorter service times.</a:t>
+            </a:r>
+            <a:endParaRPr lang="en-ZA" dirty="0" smtClean="0"/>
+          </a:p>
+          <a:p>
+            <a:pPr lvl="2"/>
+            <a:endParaRPr lang="en-ZA" dirty="0"/>
+          </a:p>
+          <a:p>
+            <a:pPr lvl="1"/>
+            <a:r>
+              <a:rPr lang="en-ZA" dirty="0" smtClean="0"/>
+              <a:t>Banking owner perspective</a:t>
+            </a:r>
+          </a:p>
+          <a:p>
+            <a:pPr lvl="2"/>
+            <a:r>
+              <a:rPr lang="en-ZA" dirty="0" smtClean="0"/>
+              <a:t>Increase </a:t>
+            </a:r>
+            <a:r>
+              <a:rPr lang="en-ZA" dirty="0" smtClean="0"/>
+              <a:t>profit.</a:t>
+            </a:r>
+          </a:p>
+          <a:p>
+            <a:r>
+              <a:rPr lang="en-ZA" dirty="0" smtClean="0"/>
+              <a:t>How can the banking experience be improved by looking at various service strategies such as first-in, first-out (FIFO), shortest-job-first (SJF) and highest-priority-first (HPF)?</a:t>
+            </a:r>
             <a:endParaRPr lang="en-ZA" dirty="0"/>
           </a:p>
         </p:txBody>
@@ -7918,209 +8158,108 @@
         <p:spPr>
           <a:xfrm>
             <a:off x="2589212" y="1418253"/>
-            <a:ext cx="8915400" cy="4492969"/>
+            <a:ext cx="8915400" cy="5113176"/>
           </a:xfrm>
         </p:spPr>
         <p:txBody>
           <a:bodyPr>
-            <a:normAutofit fontScale="77500" lnSpcReduction="20000"/>
+            <a:normAutofit fontScale="92500" lnSpcReduction="20000"/>
           </a:bodyPr>
           <a:lstStyle/>
           <a:p>
             <a:r>
               <a:rPr lang="en-ZA" dirty="0" smtClean="0"/>
-              <a:t>Relates </a:t>
-            </a:r>
-            <a:r>
-              <a:rPr lang="en-ZA" dirty="0"/>
-              <a:t>to the proposal and design of </a:t>
-            </a:r>
+              <a:t>Customers are accepted into the bank between 08:30 and 16:30.</a:t>
+            </a:r>
+          </a:p>
+          <a:p>
             <a:r>
               <a:rPr lang="en-ZA" dirty="0" smtClean="0"/>
-              <a:t>the queuing </a:t>
-            </a:r>
-            <a:r>
-              <a:rPr lang="en-ZA" dirty="0"/>
-              <a:t>scenario</a:t>
-            </a:r>
+              <a:t>At the start of the day, no customer is in the system and customers are refused entrance to the bank after 16:30.</a:t>
+            </a:r>
+          </a:p>
+          <a:p>
             <a:r>
               <a:rPr lang="en-ZA" dirty="0" smtClean="0"/>
-              <a:t>.</a:t>
-            </a:r>
-          </a:p>
-          <a:p>
+              <a:t>Different services are provided</a:t>
+            </a:r>
+          </a:p>
+          <a:p>
+            <a:pPr lvl="1"/>
             <a:r>
               <a:rPr lang="en-ZA" dirty="0" smtClean="0"/>
-              <a:t>Characteristics affecting performance.</a:t>
-            </a:r>
-          </a:p>
-          <a:p>
+              <a:t>Deposits and withdrawals</a:t>
+            </a:r>
+          </a:p>
+          <a:p>
+            <a:pPr lvl="1"/>
             <a:r>
               <a:rPr lang="en-ZA" dirty="0" smtClean="0"/>
-              <a:t>Identify </a:t>
-            </a:r>
-            <a:r>
-              <a:rPr lang="en-ZA" dirty="0"/>
-              <a:t>and </a:t>
-            </a:r>
+              <a:t>Banking statements</a:t>
+            </a:r>
+          </a:p>
+          <a:p>
+            <a:pPr lvl="1"/>
             <a:r>
               <a:rPr lang="en-ZA" dirty="0" smtClean="0"/>
-              <a:t>model every aspect of the scenario</a:t>
-            </a:r>
-          </a:p>
-          <a:p>
+              <a:t>General banking services</a:t>
+            </a:r>
+          </a:p>
+          <a:p>
+            <a:pPr lvl="1"/>
             <a:r>
               <a:rPr lang="en-ZA" dirty="0" smtClean="0"/>
-              <a:t>What </a:t>
-            </a:r>
-            <a:r>
-              <a:rPr lang="en-ZA" dirty="0"/>
-              <a:t>details will help </a:t>
-            </a:r>
+              <a:t>Account opening</a:t>
+            </a:r>
+          </a:p>
+          <a:p>
+            <a:pPr lvl="1"/>
             <a:r>
               <a:rPr lang="en-ZA" dirty="0" smtClean="0"/>
-              <a:t>or promote </a:t>
-            </a:r>
-            <a:r>
-              <a:rPr lang="en-ZA" dirty="0"/>
-              <a:t>the implemented QMS and determine its success</a:t>
-            </a:r>
+              <a:t>Loan or complicated banking service.</a:t>
+            </a:r>
+          </a:p>
+          <a:p>
             <a:r>
               <a:rPr lang="en-ZA" dirty="0" smtClean="0"/>
-              <a:t>.</a:t>
-            </a:r>
-          </a:p>
-          <a:p>
-            <a:pPr>
-              <a:spcBef>
-                <a:spcPts val="450"/>
-              </a:spcBef>
-              <a:buClr>
-                <a:srgbClr val="00308E"/>
-              </a:buClr>
-              <a:buFont typeface="Arial" panose="020B0604020202020204" pitchFamily="34" charset="0"/>
-              <a:buChar char="–"/>
-            </a:pPr>
-            <a:r>
-              <a:rPr lang="en-US" altLang="en-US" sz="2000" dirty="0">
-                <a:solidFill>
-                  <a:srgbClr val="00308E"/>
-                </a:solidFill>
-                <a:latin typeface="Arial" panose="020B0604020202020204" pitchFamily="34" charset="0"/>
-              </a:rPr>
-              <a:t>How do customers arrive in the restaurant? Are customer arrivals more during lunch, dinner time</a:t>
-            </a:r>
-            <a:br>
-              <a:rPr lang="en-US" altLang="en-US" sz="2000" dirty="0">
-                <a:solidFill>
-                  <a:srgbClr val="00308E"/>
-                </a:solidFill>
-                <a:latin typeface="Arial" panose="020B0604020202020204" pitchFamily="34" charset="0"/>
-              </a:rPr>
-            </a:br>
-            <a:r>
-              <a:rPr lang="en-US" altLang="en-US" sz="2000" dirty="0">
-                <a:solidFill>
-                  <a:srgbClr val="00308E"/>
-                </a:solidFill>
-                <a:latin typeface="Arial" panose="020B0604020202020204" pitchFamily="34" charset="0"/>
-              </a:rPr>
-              <a:t>(a regular restaurant)? Or is the customer traffic more uniformly distributed (a café)? </a:t>
-            </a:r>
-          </a:p>
-          <a:p>
-            <a:pPr>
-              <a:spcBef>
-                <a:spcPts val="450"/>
-              </a:spcBef>
-              <a:buClr>
-                <a:srgbClr val="00308E"/>
-              </a:buClr>
-              <a:buFont typeface="Arial" panose="020B0604020202020204" pitchFamily="34" charset="0"/>
-              <a:buChar char="–"/>
-            </a:pPr>
-            <a:r>
-              <a:rPr lang="en-US" altLang="en-US" sz="2000" dirty="0">
-                <a:solidFill>
-                  <a:srgbClr val="00308E"/>
-                </a:solidFill>
-                <a:latin typeface="Arial" panose="020B0604020202020204" pitchFamily="34" charset="0"/>
-              </a:rPr>
-              <a:t>How much time do customers spend in the restaurant? Do customers typically leave the restaurant</a:t>
-            </a:r>
-            <a:br>
-              <a:rPr lang="en-US" altLang="en-US" sz="2000" dirty="0">
-                <a:solidFill>
-                  <a:srgbClr val="00308E"/>
-                </a:solidFill>
-                <a:latin typeface="Arial" panose="020B0604020202020204" pitchFamily="34" charset="0"/>
-              </a:rPr>
-            </a:br>
-            <a:r>
-              <a:rPr lang="en-US" altLang="en-US" sz="2000" dirty="0">
-                <a:solidFill>
-                  <a:srgbClr val="00308E"/>
-                </a:solidFill>
-                <a:latin typeface="Arial" panose="020B0604020202020204" pitchFamily="34" charset="0"/>
-              </a:rPr>
-              <a:t>after a fixed amount of time? Does the customer service vary with the type of customer? </a:t>
-            </a:r>
-          </a:p>
-          <a:p>
-            <a:pPr>
-              <a:spcBef>
-                <a:spcPts val="450"/>
-              </a:spcBef>
-              <a:buClr>
-                <a:srgbClr val="00308E"/>
-              </a:buClr>
-              <a:buFont typeface="Arial" panose="020B0604020202020204" pitchFamily="34" charset="0"/>
-              <a:buChar char="–"/>
-            </a:pPr>
-            <a:r>
-              <a:rPr lang="en-US" altLang="en-US" sz="2000" dirty="0">
-                <a:solidFill>
-                  <a:srgbClr val="00308E"/>
-                </a:solidFill>
-                <a:latin typeface="Arial" panose="020B0604020202020204" pitchFamily="34" charset="0"/>
-              </a:rPr>
-              <a:t>How many tables does the restaurant have for serving customers?</a:t>
-            </a:r>
-            <a:endParaRPr lang="en-ZA" dirty="0" smtClean="0"/>
+              <a:t>The services take different times to complete a service.</a:t>
+            </a:r>
           </a:p>
           <a:p>
             <a:r>
               <a:rPr lang="en-ZA" dirty="0" smtClean="0"/>
-              <a:t>Classification:</a:t>
-            </a:r>
-          </a:p>
-          <a:p>
-            <a:pPr lvl="1"/>
+              <a:t>Customers arrive at different rates during the day.</a:t>
+            </a:r>
+          </a:p>
+          <a:p>
             <a:r>
               <a:rPr lang="en-ZA" dirty="0" smtClean="0"/>
-              <a:t>Arrival Process</a:t>
-            </a:r>
-          </a:p>
-          <a:p>
-            <a:pPr lvl="1"/>
+              <a:t>Customers do not leave the system once entering.</a:t>
+            </a:r>
+          </a:p>
+          <a:p>
             <a:r>
               <a:rPr lang="en-ZA" dirty="0" smtClean="0"/>
-              <a:t>Service Process</a:t>
-            </a:r>
-          </a:p>
-          <a:p>
-            <a:pPr lvl="1"/>
+              <a:t>Once a customer is serviced by a teller, </a:t>
+            </a:r>
             <a:r>
               <a:rPr lang="en-ZA" dirty="0" smtClean="0"/>
-              <a:t>Number of Servers</a:t>
-            </a:r>
-          </a:p>
-          <a:p>
-            <a:pPr lvl="1"/>
+              <a:t>the customer cannot be interrupted.</a:t>
+            </a:r>
+          </a:p>
+          <a:p>
             <a:r>
               <a:rPr lang="en-ZA" dirty="0" smtClean="0"/>
-              <a:t>A/S/n models</a:t>
-            </a:r>
+              <a:t>High quality customers need to be satisfied, which also yields baking profit.</a:t>
+            </a:r>
+          </a:p>
+          <a:p>
+            <a:r>
+              <a:rPr lang="en-ZA" dirty="0" smtClean="0"/>
+              <a:t>Service windows may provide different service rates due to the efficiency of the cashier.</a:t>
+            </a:r>
+          </a:p>
+          <a:p>
             <a:endParaRPr lang="en-ZA" dirty="0"/>
           </a:p>
         </p:txBody>
@@ -8172,65 +8311,123 @@
             <p:ph type="title"/>
           </p:nvPr>
         </p:nvSpPr>
-        <p:spPr/>
+        <p:spPr>
+          <a:xfrm>
+            <a:off x="2592925" y="624110"/>
+            <a:ext cx="8911687" cy="720058"/>
+          </a:xfrm>
+        </p:spPr>
         <p:txBody>
           <a:bodyPr/>
           <a:lstStyle/>
           <a:p>
             <a:r>
+              <a:rPr lang="en-ZA" dirty="0"/>
+              <a:t>System Requirements and classification</a:t>
+            </a:r>
+          </a:p>
+        </p:txBody>
+      </p:sp>
+      <p:sp>
+        <p:nvSpPr>
+          <p:cNvPr id="3" name="Content Placeholder 2"/>
+          <p:cNvSpPr>
+            <a:spLocks noGrp="1"/>
+          </p:cNvSpPr>
+          <p:nvPr>
+            <p:ph idx="1"/>
+          </p:nvPr>
+        </p:nvSpPr>
+        <p:spPr>
+          <a:xfrm>
+            <a:off x="2589212" y="1481328"/>
+            <a:ext cx="8915400" cy="4429894"/>
+          </a:xfrm>
+        </p:spPr>
+        <p:txBody>
+          <a:bodyPr>
+            <a:normAutofit fontScale="92500" lnSpcReduction="20000"/>
+          </a:bodyPr>
+          <a:lstStyle/>
+          <a:p>
+            <a:r>
               <a:rPr lang="en-ZA" dirty="0" smtClean="0"/>
-              <a:t>Queuing Management System Approach	</a:t>
+              <a:t>Arrival Process</a:t>
+            </a:r>
+          </a:p>
+          <a:p>
+            <a:pPr lvl="1"/>
+            <a:r>
+              <a:rPr lang="en-ZA" dirty="0" smtClean="0"/>
+              <a:t>The customers will arrive according to the time of day. At peak hours, the arrival rate will be high.</a:t>
+            </a:r>
+          </a:p>
+          <a:p>
+            <a:pPr lvl="1"/>
+            <a:r>
+              <a:rPr lang="en-ZA" dirty="0" smtClean="0"/>
+              <a:t>Customers types will be determined according to the probability distribution of customers requesting a specific service.</a:t>
+            </a:r>
+          </a:p>
+          <a:p>
+            <a:r>
+              <a:rPr lang="en-ZA" dirty="0" smtClean="0"/>
+              <a:t>Service Process</a:t>
+            </a:r>
+          </a:p>
+          <a:p>
+            <a:pPr lvl="1"/>
+            <a:r>
+              <a:rPr lang="en-ZA" dirty="0" smtClean="0"/>
+              <a:t>The service rate for each type of customer will vary according to the service they require.</a:t>
+            </a:r>
+          </a:p>
+          <a:p>
+            <a:pPr lvl="1"/>
+            <a:r>
+              <a:rPr lang="en-ZA" dirty="0" smtClean="0"/>
+              <a:t>The number of servers will vary according to the varying arrival rate during the day.</a:t>
+            </a:r>
+          </a:p>
+          <a:p>
+            <a:pPr lvl="1"/>
+            <a:r>
+              <a:rPr lang="en-ZA" dirty="0" smtClean="0"/>
+              <a:t>Customers will be serviced according to various service strategies such as FIFO, SJF and HPF.</a:t>
+            </a:r>
+          </a:p>
+          <a:p>
+            <a:pPr lvl="1"/>
+            <a:r>
+              <a:rPr lang="en-ZA" dirty="0" smtClean="0"/>
+              <a:t>Clients will be rejected only when the bank closes, but the servers will service all clients that have arrived before closing hours.</a:t>
             </a:r>
             <a:endParaRPr lang="en-ZA" dirty="0"/>
           </a:p>
-        </p:txBody>
-      </p:sp>
-      <p:sp>
-        <p:nvSpPr>
-          <p:cNvPr id="3" name="Content Placeholder 2"/>
-          <p:cNvSpPr>
-            <a:spLocks noGrp="1"/>
-          </p:cNvSpPr>
-          <p:nvPr>
-            <p:ph idx="1"/>
-          </p:nvPr>
-        </p:nvSpPr>
-        <p:spPr/>
-        <p:txBody>
-          <a:bodyPr/>
-          <a:lstStyle/>
           <a:p>
             <a:r>
               <a:rPr lang="en-ZA" dirty="0" smtClean="0"/>
-              <a:t>Design Factors</a:t>
+              <a:t>The system will take on an M/M/s queuing system when more than one service window is available.</a:t>
             </a:r>
           </a:p>
           <a:p>
             <a:r>
               <a:rPr lang="en-ZA" dirty="0" smtClean="0"/>
-              <a:t>Design Parameters</a:t>
-            </a:r>
-            <a:endParaRPr lang="en-ZA" dirty="0"/>
+              <a:t>The maximum number of service windows that will be available is five.</a:t>
+            </a:r>
           </a:p>
         </p:txBody>
       </p:sp>
     </p:spTree>
     <p:extLst>
       <p:ext uri="{BB962C8B-B14F-4D97-AF65-F5344CB8AC3E}">
-        <p14:creationId xmlns:p14="http://schemas.microsoft.com/office/powerpoint/2010/main" val="4205674831"/>
+        <p14:creationId xmlns:p14="http://schemas.microsoft.com/office/powerpoint/2010/main" val="2269143022"/>
       </p:ext>
     </p:extLst>
   </p:cSld>
   <p:clrMapOvr>
     <a:masterClrMapping/>
   </p:clrMapOvr>
-  <p:timing>
-    <p:tnLst>
-      <p:par>
-        <p:cTn id="1" dur="indefinite" restart="never" nodeType="tmRoot"/>
-      </p:par>
-    </p:tnLst>
-  </p:timing>
 </p:sld>
 </file>
 
@@ -8268,189 +8465,36 @@
           <a:p>
             <a:r>
               <a:rPr lang="en-ZA" dirty="0" smtClean="0"/>
+              <a:t>Queuing Management System Approach	</a:t>
+            </a:r>
+            <a:endParaRPr lang="en-ZA" dirty="0"/>
+          </a:p>
+        </p:txBody>
+      </p:sp>
+      <p:sp>
+        <p:nvSpPr>
+          <p:cNvPr id="3" name="Content Placeholder 2"/>
+          <p:cNvSpPr>
+            <a:spLocks noGrp="1"/>
+          </p:cNvSpPr>
+          <p:nvPr>
+            <p:ph idx="1"/>
+          </p:nvPr>
+        </p:nvSpPr>
+        <p:spPr/>
+        <p:txBody>
+          <a:bodyPr/>
+          <a:lstStyle/>
+          <a:p>
+            <a:r>
+              <a:rPr lang="en-ZA" dirty="0" smtClean="0"/>
               <a:t>Design Factors</a:t>
             </a:r>
-            <a:endParaRPr lang="en-ZA" dirty="0"/>
-          </a:p>
-        </p:txBody>
-      </p:sp>
-      <p:sp>
-        <p:nvSpPr>
-          <p:cNvPr id="3" name="Content Placeholder 2"/>
-          <p:cNvSpPr>
-            <a:spLocks noGrp="1"/>
-          </p:cNvSpPr>
-          <p:nvPr>
-            <p:ph idx="1"/>
-          </p:nvPr>
-        </p:nvSpPr>
-        <p:spPr/>
-        <p:txBody>
-          <a:bodyPr>
-            <a:normAutofit fontScale="47500" lnSpcReduction="20000"/>
-          </a:bodyPr>
-          <a:lstStyle/>
+          </a:p>
           <a:p>
             <a:r>
               <a:rPr lang="en-ZA" dirty="0" smtClean="0"/>
-              <a:t>Relate specifically </a:t>
-            </a:r>
-            <a:r>
-              <a:rPr lang="en-ZA" dirty="0"/>
-              <a:t>to the </a:t>
-            </a:r>
-            <a:r>
-              <a:rPr lang="en-ZA" dirty="0" smtClean="0"/>
-              <a:t>QMS </a:t>
-            </a:r>
-            <a:r>
-              <a:rPr lang="en-ZA" dirty="0"/>
-              <a:t>and are what dene the management structure</a:t>
-            </a:r>
-            <a:r>
-              <a:rPr lang="en-ZA" dirty="0" smtClean="0"/>
-              <a:t>.</a:t>
-            </a:r>
-          </a:p>
-          <a:p>
-            <a:r>
-              <a:rPr lang="en-ZA" dirty="0" smtClean="0"/>
-              <a:t>Arrival </a:t>
-            </a:r>
-            <a:r>
-              <a:rPr lang="en-ZA" dirty="0"/>
-              <a:t>process</a:t>
-            </a:r>
-          </a:p>
-          <a:p>
-            <a:pPr lvl="1"/>
-            <a:r>
-              <a:rPr lang="en-ZA" dirty="0"/>
-              <a:t> Inter-arrival time</a:t>
-            </a:r>
-          </a:p>
-          <a:p>
-            <a:pPr lvl="1"/>
-            <a:r>
-              <a:rPr lang="en-ZA" dirty="0"/>
-              <a:t> Group arrival</a:t>
-            </a:r>
-          </a:p>
-          <a:p>
-            <a:r>
-              <a:rPr lang="en-ZA" dirty="0" smtClean="0"/>
-              <a:t>Service </a:t>
-            </a:r>
-            <a:r>
-              <a:rPr lang="en-ZA" dirty="0"/>
-              <a:t>process</a:t>
-            </a:r>
-          </a:p>
-          <a:p>
-            <a:r>
-              <a:rPr lang="en-ZA" dirty="0" smtClean="0"/>
-              <a:t>Number </a:t>
-            </a:r>
-            <a:r>
-              <a:rPr lang="en-ZA" dirty="0"/>
-              <a:t>of servers</a:t>
-            </a:r>
-          </a:p>
-          <a:p>
-            <a:r>
-              <a:rPr lang="en-ZA" dirty="0" smtClean="0"/>
-              <a:t>Number </a:t>
-            </a:r>
-            <a:r>
-              <a:rPr lang="en-ZA" dirty="0"/>
-              <a:t>of queues</a:t>
-            </a:r>
-          </a:p>
-          <a:p>
-            <a:r>
-              <a:rPr lang="en-ZA" dirty="0" smtClean="0"/>
-              <a:t>Number </a:t>
-            </a:r>
-            <a:r>
-              <a:rPr lang="en-ZA" dirty="0"/>
-              <a:t>of waiting places (queuing areas)</a:t>
-            </a:r>
-          </a:p>
-          <a:p>
-            <a:r>
-              <a:rPr lang="en-ZA" dirty="0" smtClean="0"/>
-              <a:t>Service </a:t>
-            </a:r>
-            <a:r>
-              <a:rPr lang="en-ZA" dirty="0"/>
-              <a:t>disciplines</a:t>
-            </a:r>
-          </a:p>
-          <a:p>
-            <a:pPr lvl="1"/>
-            <a:r>
-              <a:rPr lang="en-ZA" dirty="0"/>
-              <a:t> FIFO</a:t>
-            </a:r>
-          </a:p>
-          <a:p>
-            <a:pPr lvl="1"/>
-            <a:r>
-              <a:rPr lang="en-ZA" dirty="0"/>
-              <a:t> LIFO</a:t>
-            </a:r>
-          </a:p>
-          <a:p>
-            <a:pPr lvl="1"/>
-            <a:r>
-              <a:rPr lang="en-ZA" dirty="0"/>
-              <a:t> Shortest job </a:t>
-            </a:r>
-            <a:r>
-              <a:rPr lang="en-ZA" dirty="0" err="1"/>
-              <a:t>rst</a:t>
-            </a:r>
-            <a:endParaRPr lang="en-ZA" dirty="0"/>
-          </a:p>
-          <a:p>
-            <a:pPr lvl="1"/>
-            <a:r>
-              <a:rPr lang="en-ZA" dirty="0"/>
-              <a:t> Most </a:t>
-            </a:r>
-            <a:r>
-              <a:rPr lang="en-ZA" dirty="0" err="1"/>
-              <a:t>protable</a:t>
-            </a:r>
-            <a:r>
-              <a:rPr lang="en-ZA" dirty="0"/>
-              <a:t> job </a:t>
-            </a:r>
-            <a:r>
-              <a:rPr lang="en-ZA" dirty="0" err="1"/>
-              <a:t>rst</a:t>
-            </a:r>
-            <a:endParaRPr lang="en-ZA" dirty="0"/>
-          </a:p>
-          <a:p>
-            <a:pPr lvl="1"/>
-            <a:r>
-              <a:rPr lang="en-ZA" dirty="0"/>
-              <a:t> Round Robin (RR)</a:t>
-            </a:r>
-          </a:p>
-          <a:p>
-            <a:pPr lvl="1"/>
-            <a:r>
-              <a:rPr lang="en-ZA" dirty="0"/>
-              <a:t> Processor Sharing</a:t>
-            </a:r>
-          </a:p>
-          <a:p>
-            <a:pPr lvl="1"/>
-            <a:r>
-              <a:rPr lang="en-ZA" dirty="0" smtClean="0"/>
-              <a:t> Priorities</a:t>
+              <a:t>Design Parameters</a:t>
             </a:r>
             <a:endParaRPr lang="en-ZA" dirty="0"/>
           </a:p>
@@ -8459,7 +8503,7 @@
     </p:spTree>
     <p:extLst>
       <p:ext uri="{BB962C8B-B14F-4D97-AF65-F5344CB8AC3E}">
-        <p14:creationId xmlns:p14="http://schemas.microsoft.com/office/powerpoint/2010/main" val="637754367"/>
+        <p14:creationId xmlns:p14="http://schemas.microsoft.com/office/powerpoint/2010/main" val="4205674831"/>
       </p:ext>
     </p:extLst>
   </p:cSld>
@@ -8509,9 +8553,10 @@
           <a:lstStyle/>
           <a:p>
             <a:r>
-              <a:rPr lang="en-ZA" dirty="0"/>
+              <a:rPr lang="en-ZA" dirty="0" smtClean="0"/>
               <a:t>Design Factors</a:t>
             </a:r>
+            <a:endParaRPr lang="en-ZA" dirty="0"/>
           </a:p>
         </p:txBody>
       </p:sp>
@@ -8525,82 +8570,26 @@
             <p:ph idx="1"/>
           </p:nvPr>
         </p:nvSpPr>
-        <p:spPr/>
-        <p:txBody>
-          <a:bodyPr/>
+        <p:spPr>
+          <a:xfrm>
+            <a:off x="2369756" y="1380744"/>
+            <a:ext cx="8915400" cy="4974336"/>
+          </a:xfrm>
+        </p:spPr>
+        <p:txBody>
+          <a:bodyPr>
+            <a:normAutofit/>
+          </a:bodyPr>
           <a:lstStyle/>
           <a:p>
-            <a:r>
-              <a:rPr lang="en-ZA" dirty="0" smtClean="0"/>
-              <a:t>Information </a:t>
-            </a:r>
-            <a:r>
-              <a:rPr lang="en-ZA" dirty="0"/>
-              <a:t>available</a:t>
-            </a:r>
-          </a:p>
-          <a:p>
-            <a:pPr lvl="1"/>
-            <a:r>
-              <a:rPr lang="en-ZA" dirty="0"/>
-              <a:t> Upon choice of queue does customer know length of queue and service time?</a:t>
-            </a:r>
-          </a:p>
-          <a:p>
-            <a:r>
-              <a:rPr lang="en-ZA" dirty="0" smtClean="0"/>
-              <a:t>Discrete </a:t>
-            </a:r>
-            <a:r>
-              <a:rPr lang="en-ZA" dirty="0"/>
-              <a:t>/ Continuous time</a:t>
-            </a:r>
-          </a:p>
-          <a:p>
-            <a:r>
-              <a:rPr lang="en-ZA" dirty="0" smtClean="0"/>
-              <a:t>Other </a:t>
-            </a:r>
-            <a:r>
-              <a:rPr lang="en-ZA" dirty="0"/>
-              <a:t>factors</a:t>
-            </a:r>
-          </a:p>
-          <a:p>
-            <a:pPr lvl="1"/>
-            <a:r>
-              <a:rPr lang="en-ZA" dirty="0"/>
-              <a:t> Faults / Malfunctions</a:t>
-            </a:r>
-          </a:p>
-          <a:p>
-            <a:pPr lvl="1"/>
-            <a:r>
-              <a:rPr lang="en-ZA" dirty="0"/>
-              <a:t> Strikes</a:t>
-            </a:r>
-          </a:p>
-          <a:p>
-            <a:pPr lvl="1"/>
-            <a:r>
-              <a:rPr lang="en-ZA" dirty="0"/>
-              <a:t> Real life events </a:t>
-            </a:r>
-            <a:r>
-              <a:rPr lang="en-ZA" dirty="0" err="1"/>
-              <a:t>aecting</a:t>
-            </a:r>
-            <a:r>
-              <a:rPr lang="en-ZA" dirty="0"/>
-              <a:t> the system</a:t>
-            </a:r>
+            <a:endParaRPr lang="en-ZA" dirty="0"/>
           </a:p>
         </p:txBody>
       </p:sp>
     </p:spTree>
     <p:extLst>
       <p:ext uri="{BB962C8B-B14F-4D97-AF65-F5344CB8AC3E}">
-        <p14:creationId xmlns:p14="http://schemas.microsoft.com/office/powerpoint/2010/main" val="1595905196"/>
+        <p14:creationId xmlns:p14="http://schemas.microsoft.com/office/powerpoint/2010/main" val="637754367"/>
       </p:ext>
     </p:extLst>
   </p:cSld>
@@ -8650,126 +8639,35 @@
           <a:lstStyle/>
           <a:p>
             <a:r>
-              <a:rPr lang="en-ZA" dirty="0" smtClean="0"/>
-              <a:t>Design Parameters</a:t>
-            </a:r>
+              <a:rPr lang="en-ZA" dirty="0"/>
+              <a:t>Design Factors</a:t>
+            </a:r>
+          </a:p>
+        </p:txBody>
+      </p:sp>
+      <p:sp>
+        <p:nvSpPr>
+          <p:cNvPr id="3" name="Content Placeholder 2"/>
+          <p:cNvSpPr>
+            <a:spLocks noGrp="1"/>
+          </p:cNvSpPr>
+          <p:nvPr>
+            <p:ph idx="1"/>
+          </p:nvPr>
+        </p:nvSpPr>
+        <p:spPr/>
+        <p:txBody>
+          <a:bodyPr/>
+          <a:lstStyle/>
+          <a:p>
             <a:endParaRPr lang="en-ZA" dirty="0"/>
-          </a:p>
-        </p:txBody>
-      </p:sp>
-      <p:sp>
-        <p:nvSpPr>
-          <p:cNvPr id="3" name="Content Placeholder 2"/>
-          <p:cNvSpPr>
-            <a:spLocks noGrp="1"/>
-          </p:cNvSpPr>
-          <p:nvPr>
-            <p:ph idx="1"/>
-          </p:nvPr>
-        </p:nvSpPr>
-        <p:spPr/>
-        <p:txBody>
-          <a:bodyPr>
-            <a:normAutofit fontScale="85000" lnSpcReduction="20000"/>
-          </a:bodyPr>
-          <a:lstStyle/>
-          <a:p>
-            <a:r>
-              <a:rPr lang="en-ZA" dirty="0"/>
-              <a:t>The parameters used in the analysis of the system queues are as follows:</a:t>
-            </a:r>
-          </a:p>
-          <a:p>
-            <a:pPr lvl="1"/>
-            <a:r>
-              <a:rPr lang="en-ZA" dirty="0"/>
-              <a:t> Service Discipline</a:t>
-            </a:r>
-          </a:p>
-          <a:p>
-            <a:pPr lvl="1"/>
-            <a:r>
-              <a:rPr lang="en-ZA" dirty="0"/>
-              <a:t> Number of servers</a:t>
-            </a:r>
-          </a:p>
-          <a:p>
-            <a:pPr lvl="1"/>
-            <a:r>
-              <a:rPr lang="en-ZA" dirty="0"/>
-              <a:t> Peak time (days/months/year)</a:t>
-            </a:r>
-          </a:p>
-          <a:p>
-            <a:pPr lvl="1"/>
-            <a:r>
-              <a:rPr lang="en-ZA" dirty="0"/>
-              <a:t> Queuing area</a:t>
-            </a:r>
-          </a:p>
-          <a:p>
-            <a:pPr lvl="1"/>
-            <a:r>
-              <a:rPr lang="en-ZA" dirty="0"/>
-              <a:t> Average service time</a:t>
-            </a:r>
-          </a:p>
-          <a:p>
-            <a:pPr lvl="1"/>
-            <a:r>
-              <a:rPr lang="en-ZA" dirty="0"/>
-              <a:t> Average waiting time</a:t>
-            </a:r>
-          </a:p>
-          <a:p>
-            <a:pPr lvl="1"/>
-            <a:r>
-              <a:rPr lang="en-ZA" dirty="0"/>
-              <a:t> Average time between arrivals</a:t>
-            </a:r>
-          </a:p>
-          <a:p>
-            <a:pPr lvl="1"/>
-            <a:r>
-              <a:rPr lang="en-ZA" dirty="0"/>
-              <a:t> Arrival rate</a:t>
-            </a:r>
-          </a:p>
-          <a:p>
-            <a:pPr lvl="1"/>
-            <a:r>
-              <a:rPr lang="en-ZA" dirty="0"/>
-              <a:t> Service rate</a:t>
-            </a:r>
-          </a:p>
-          <a:p>
-            <a:pPr lvl="1"/>
-            <a:r>
-              <a:rPr lang="en-ZA" dirty="0"/>
-              <a:t> Mean time for customers to wait and be served</a:t>
-            </a:r>
-          </a:p>
-          <a:p>
-            <a:pPr lvl="1"/>
-            <a:r>
-              <a:rPr lang="en-ZA" dirty="0"/>
-              <a:t> </a:t>
-            </a:r>
-            <a:r>
-              <a:rPr lang="en-ZA" dirty="0" smtClean="0"/>
-              <a:t>Efficiency </a:t>
-            </a:r>
-            <a:r>
-              <a:rPr lang="en-ZA" dirty="0"/>
-              <a:t>(performance factor)</a:t>
-            </a:r>
           </a:p>
         </p:txBody>
       </p:sp>
     </p:spTree>
     <p:extLst>
       <p:ext uri="{BB962C8B-B14F-4D97-AF65-F5344CB8AC3E}">
-        <p14:creationId xmlns:p14="http://schemas.microsoft.com/office/powerpoint/2010/main" val="1774076650"/>
+        <p14:creationId xmlns:p14="http://schemas.microsoft.com/office/powerpoint/2010/main" val="1595905196"/>
       </p:ext>
     </p:extLst>
   </p:cSld>
@@ -8820,7 +8718,7 @@
           <a:p>
             <a:r>
               <a:rPr lang="en-ZA" dirty="0" smtClean="0"/>
-              <a:t>Quality of Service</a:t>
+              <a:t>Design Parameters</a:t>
             </a:r>
             <a:endParaRPr lang="en-ZA" dirty="0"/>
           </a:p>
@@ -8836,74 +8734,340 @@
             <p:ph idx="1"/>
           </p:nvPr>
         </p:nvSpPr>
-        <p:spPr/>
-        <p:txBody>
-          <a:bodyPr/>
+        <p:spPr>
+          <a:xfrm>
+            <a:off x="2589212" y="1426464"/>
+            <a:ext cx="8915400" cy="4484758"/>
+          </a:xfrm>
+        </p:spPr>
+        <p:txBody>
+          <a:bodyPr>
+            <a:normAutofit fontScale="85000" lnSpcReduction="20000"/>
+          </a:bodyPr>
           <a:lstStyle/>
           <a:p>
             <a:r>
               <a:rPr lang="en-ZA" dirty="0" smtClean="0"/>
-              <a:t>Measure </a:t>
+              <a:t>Service disciplines to be considered</a:t>
+            </a:r>
+          </a:p>
+          <a:p>
+            <a:pPr lvl="1"/>
+            <a:r>
+              <a:rPr lang="en-ZA" dirty="0" smtClean="0"/>
+              <a:t>First-in, first-out (FIFO)</a:t>
+            </a:r>
+          </a:p>
+          <a:p>
+            <a:pPr lvl="1"/>
+            <a:r>
+              <a:rPr lang="en-ZA" dirty="0" smtClean="0"/>
+              <a:t>Shortest-process-first (SPF)</a:t>
+            </a:r>
+          </a:p>
+          <a:p>
+            <a:pPr lvl="1"/>
+            <a:r>
+              <a:rPr lang="en-ZA" dirty="0" smtClean="0"/>
+              <a:t>Highest-priority-first (HPF)</a:t>
+            </a:r>
+            <a:br>
+              <a:rPr lang="en-ZA" dirty="0" smtClean="0"/>
+            </a:br>
+            <a:endParaRPr lang="en-ZA" dirty="0" smtClean="0"/>
+          </a:p>
+          <a:p>
+            <a:r>
+              <a:rPr lang="en-ZA" dirty="0" smtClean="0"/>
+              <a:t>Peak times and off peak times</a:t>
+            </a:r>
+          </a:p>
+          <a:p>
+            <a:endParaRPr lang="en-ZA" dirty="0"/>
+          </a:p>
+          <a:p>
+            <a:endParaRPr lang="en-ZA" dirty="0" smtClean="0"/>
+          </a:p>
+          <a:p>
+            <a:endParaRPr lang="en-ZA" dirty="0"/>
+          </a:p>
+          <a:p>
+            <a:endParaRPr lang="en-ZA" dirty="0" smtClean="0"/>
+          </a:p>
+          <a:p>
+            <a:endParaRPr lang="en-ZA" dirty="0" smtClean="0"/>
+          </a:p>
+          <a:p>
+            <a:endParaRPr lang="en-ZA" dirty="0" smtClean="0"/>
+          </a:p>
+          <a:p>
+            <a:r>
+              <a:rPr lang="en-ZA" dirty="0" smtClean="0"/>
+              <a:t>Number </a:t>
             </a:r>
             <a:r>
               <a:rPr lang="en-ZA" dirty="0"/>
-              <a:t>and evaluate performance</a:t>
-            </a:r>
-            <a:r>
-              <a:rPr lang="en-ZA" dirty="0" smtClean="0"/>
-              <a:t>.</a:t>
-            </a:r>
-          </a:p>
-          <a:p>
-            <a:r>
-              <a:rPr lang="en-ZA" dirty="0" smtClean="0"/>
-              <a:t>Also </a:t>
-            </a:r>
+              <a:t>of servers</a:t>
+            </a:r>
+          </a:p>
+          <a:p>
+            <a:pPr lvl="1"/>
             <a:r>
               <a:rPr lang="en-ZA" dirty="0"/>
-              <a:t>implements mechanisms that allow </a:t>
-            </a:r>
-            <a:r>
-              <a:rPr lang="en-ZA" dirty="0" smtClean="0"/>
-              <a:t>for control </a:t>
-            </a:r>
+              <a:t>5 in peak times</a:t>
+            </a:r>
+          </a:p>
+          <a:p>
+            <a:pPr lvl="1"/>
             <a:r>
               <a:rPr lang="en-ZA" dirty="0"/>
-              <a:t>of certain parameters in the system, such as throughput or prioritising.</a:t>
-            </a:r>
+              <a:t>3 in off-peak times</a:t>
+            </a:r>
+          </a:p>
+          <a:p>
+            <a:endParaRPr lang="en-ZA" dirty="0"/>
+          </a:p>
+          <a:p>
             <a:endParaRPr lang="en-ZA" dirty="0" smtClean="0"/>
           </a:p>
           <a:p>
-            <a:r>
-              <a:rPr lang="en-ZA" dirty="0" smtClean="0"/>
-              <a:t>Error rates</a:t>
-            </a:r>
-          </a:p>
-          <a:p>
-            <a:r>
-              <a:rPr lang="en-ZA" dirty="0" smtClean="0"/>
-              <a:t>Throughput</a:t>
-            </a:r>
-          </a:p>
-          <a:p>
-            <a:r>
-              <a:rPr lang="en-ZA" dirty="0" smtClean="0"/>
-              <a:t>Transmission delay</a:t>
-            </a:r>
-          </a:p>
-          <a:p>
-            <a:r>
-              <a:rPr lang="en-ZA" dirty="0" smtClean="0"/>
-              <a:t>Availability</a:t>
-            </a:r>
             <a:endParaRPr lang="en-ZA" dirty="0"/>
           </a:p>
         </p:txBody>
       </p:sp>
+      <p:graphicFrame>
+        <p:nvGraphicFramePr>
+          <p:cNvPr id="4" name="Table 3"/>
+          <p:cNvGraphicFramePr>
+            <a:graphicFrameLocks noGrp="1"/>
+          </p:cNvGraphicFramePr>
+          <p:nvPr>
+            <p:extLst>
+              <p:ext uri="{D42A27DB-BD31-4B8C-83A1-F6EECF244321}">
+                <p14:modId xmlns:p14="http://schemas.microsoft.com/office/powerpoint/2010/main" val="3538536114"/>
+              </p:ext>
+            </p:extLst>
+          </p:nvPr>
+        </p:nvGraphicFramePr>
+        <p:xfrm>
+          <a:off x="3056128" y="3115631"/>
+          <a:ext cx="5418666" cy="1584960"/>
+        </p:xfrm>
+        <a:graphic>
+          <a:graphicData uri="http://schemas.openxmlformats.org/drawingml/2006/table">
+            <a:tbl>
+              <a:tblPr firstRow="1" bandRow="1">
+                <a:tableStyleId>{5C22544A-7EE6-4342-B048-85BDC9FD1C3A}</a:tableStyleId>
+              </a:tblPr>
+              <a:tblGrid>
+                <a:gridCol w="2709333">
+                  <a:extLst>
+                    <a:ext uri="{9D8B030D-6E8A-4147-A177-3AD203B41FA5}">
+                      <a16:colId xmlns:a16="http://schemas.microsoft.com/office/drawing/2014/main" val="1388929520"/>
+                    </a:ext>
+                  </a:extLst>
+                </a:gridCol>
+                <a:gridCol w="2709333">
+                  <a:extLst>
+                    <a:ext uri="{9D8B030D-6E8A-4147-A177-3AD203B41FA5}">
+                      <a16:colId xmlns:a16="http://schemas.microsoft.com/office/drawing/2014/main" val="1861407739"/>
+                    </a:ext>
+                  </a:extLst>
+                </a:gridCol>
+              </a:tblGrid>
+              <a:tr h="356616">
+                <a:tc>
+                  <a:txBody>
+                    <a:bodyPr/>
+                    <a:lstStyle/>
+                    <a:p>
+                      <a:pPr algn="ctr"/>
+                      <a:r>
+                        <a:rPr lang="en-ZA" dirty="0" smtClean="0"/>
+                        <a:t>Time of the day</a:t>
+                      </a:r>
+                      <a:endParaRPr lang="en-ZA" dirty="0"/>
+                    </a:p>
+                  </a:txBody>
+                  <a:tcPr/>
+                </a:tc>
+                <a:tc>
+                  <a:txBody>
+                    <a:bodyPr/>
+                    <a:lstStyle/>
+                    <a:p>
+                      <a:pPr algn="ctr"/>
+                      <a:r>
+                        <a:rPr lang="en-ZA" dirty="0" smtClean="0"/>
+                        <a:t>Peak/Off-peak</a:t>
+                      </a:r>
+                      <a:endParaRPr lang="en-ZA" dirty="0"/>
+                    </a:p>
+                  </a:txBody>
+                  <a:tcPr/>
+                </a:tc>
+                <a:extLst>
+                  <a:ext uri="{0D108BD9-81ED-4DB2-BD59-A6C34878D82A}">
+                    <a16:rowId xmlns:a16="http://schemas.microsoft.com/office/drawing/2014/main" val="1962668319"/>
+                  </a:ext>
+                </a:extLst>
+              </a:tr>
+              <a:tr h="285835">
+                <a:tc>
+                  <a:txBody>
+                    <a:bodyPr/>
+                    <a:lstStyle/>
+                    <a:p>
+                      <a:pPr algn="ctr"/>
+                      <a:r>
+                        <a:rPr lang="en-ZA" sz="1400" dirty="0" smtClean="0"/>
+                        <a:t>08:30 – 10:00</a:t>
+                      </a:r>
+                      <a:endParaRPr lang="en-ZA" sz="1400" dirty="0"/>
+                    </a:p>
+                  </a:txBody>
+                  <a:tcPr/>
+                </a:tc>
+                <a:tc>
+                  <a:txBody>
+                    <a:bodyPr/>
+                    <a:lstStyle/>
+                    <a:p>
+                      <a:pPr algn="ctr"/>
+                      <a:r>
+                        <a:rPr lang="en-ZA" sz="1400" dirty="0" smtClean="0"/>
+                        <a:t>Peak</a:t>
+                      </a:r>
+                      <a:endParaRPr lang="en-ZA" sz="1400" dirty="0"/>
+                    </a:p>
+                  </a:txBody>
+                  <a:tcPr/>
+                </a:tc>
+                <a:extLst>
+                  <a:ext uri="{0D108BD9-81ED-4DB2-BD59-A6C34878D82A}">
+                    <a16:rowId xmlns:a16="http://schemas.microsoft.com/office/drawing/2014/main" val="2073084233"/>
+                  </a:ext>
+                </a:extLst>
+              </a:tr>
+              <a:tr h="285835">
+                <a:tc>
+                  <a:txBody>
+                    <a:bodyPr/>
+                    <a:lstStyle/>
+                    <a:p>
+                      <a:pPr algn="ctr"/>
+                      <a:r>
+                        <a:rPr lang="en-ZA" sz="1400" dirty="0" smtClean="0"/>
+                        <a:t>10:00 – 11:00</a:t>
+                      </a:r>
+                      <a:endParaRPr lang="en-ZA" sz="1400" dirty="0"/>
+                    </a:p>
+                  </a:txBody>
+                  <a:tcPr/>
+                </a:tc>
+                <a:tc>
+                  <a:txBody>
+                    <a:bodyPr/>
+                    <a:lstStyle/>
+                    <a:p>
+                      <a:pPr algn="ctr"/>
+                      <a:r>
+                        <a:rPr lang="en-ZA" sz="1400" dirty="0" smtClean="0"/>
+                        <a:t>Off-peak</a:t>
+                      </a:r>
+                      <a:endParaRPr lang="en-ZA" sz="1400" dirty="0"/>
+                    </a:p>
+                  </a:txBody>
+                  <a:tcPr/>
+                </a:tc>
+                <a:extLst>
+                  <a:ext uri="{0D108BD9-81ED-4DB2-BD59-A6C34878D82A}">
+                    <a16:rowId xmlns:a16="http://schemas.microsoft.com/office/drawing/2014/main" val="3701838074"/>
+                  </a:ext>
+                </a:extLst>
+              </a:tr>
+              <a:tr h="285835">
+                <a:tc>
+                  <a:txBody>
+                    <a:bodyPr/>
+                    <a:lstStyle/>
+                    <a:p>
+                      <a:pPr algn="ctr"/>
+                      <a:r>
+                        <a:rPr lang="en-ZA" sz="1400" dirty="0" smtClean="0"/>
+                        <a:t>11:00 – 13:30</a:t>
+                      </a:r>
+                      <a:endParaRPr lang="en-ZA" sz="1400" dirty="0"/>
+                    </a:p>
+                  </a:txBody>
+                  <a:tcPr/>
+                </a:tc>
+                <a:tc>
+                  <a:txBody>
+                    <a:bodyPr/>
+                    <a:lstStyle/>
+                    <a:p>
+                      <a:pPr algn="ctr"/>
+                      <a:r>
+                        <a:rPr lang="en-ZA" sz="1400" dirty="0" smtClean="0"/>
+                        <a:t>Peak</a:t>
+                      </a:r>
+                      <a:endParaRPr lang="en-ZA" sz="1400" dirty="0"/>
+                    </a:p>
+                  </a:txBody>
+                  <a:tcPr/>
+                </a:tc>
+                <a:extLst>
+                  <a:ext uri="{0D108BD9-81ED-4DB2-BD59-A6C34878D82A}">
+                    <a16:rowId xmlns:a16="http://schemas.microsoft.com/office/drawing/2014/main" val="2321624831"/>
+                  </a:ext>
+                </a:extLst>
+              </a:tr>
+              <a:tr h="285835">
+                <a:tc>
+                  <a:txBody>
+                    <a:bodyPr/>
+                    <a:lstStyle/>
+                    <a:p>
+                      <a:pPr algn="ctr"/>
+                      <a:r>
+                        <a:rPr lang="en-ZA" sz="1400" dirty="0" smtClean="0"/>
+                        <a:t>13:30 – 16:30</a:t>
+                      </a:r>
+                      <a:endParaRPr lang="en-ZA" sz="1400" dirty="0"/>
+                    </a:p>
+                  </a:txBody>
+                  <a:tcPr/>
+                </a:tc>
+                <a:tc>
+                  <a:txBody>
+                    <a:bodyPr/>
+                    <a:lstStyle/>
+                    <a:p>
+                      <a:pPr algn="ctr"/>
+                      <a:r>
+                        <a:rPr lang="en-ZA" sz="1400" dirty="0" smtClean="0"/>
+                        <a:t>Off-peak</a:t>
+                      </a:r>
+                      <a:endParaRPr lang="en-ZA" sz="1400" dirty="0"/>
+                    </a:p>
+                  </a:txBody>
+                  <a:tcPr/>
+                </a:tc>
+                <a:extLst>
+                  <a:ext uri="{0D108BD9-81ED-4DB2-BD59-A6C34878D82A}">
+                    <a16:rowId xmlns:a16="http://schemas.microsoft.com/office/drawing/2014/main" val="1143963682"/>
+                  </a:ext>
+                </a:extLst>
+              </a:tr>
+            </a:tbl>
+          </a:graphicData>
+        </a:graphic>
+      </p:graphicFrame>
     </p:spTree>
     <p:extLst>
       <p:ext uri="{BB962C8B-B14F-4D97-AF65-F5344CB8AC3E}">
-        <p14:creationId xmlns:p14="http://schemas.microsoft.com/office/powerpoint/2010/main" val="4154402910"/>
+        <p14:creationId xmlns:p14="http://schemas.microsoft.com/office/powerpoint/2010/main" val="1774076650"/>
       </p:ext>
     </p:extLst>
   </p:cSld>
@@ -8947,55 +9111,65 @@
             <p:ph type="title"/>
           </p:nvPr>
         </p:nvSpPr>
-        <p:spPr/>
+        <p:spPr>
+          <a:xfrm>
+            <a:off x="2592925" y="624110"/>
+            <a:ext cx="8911687" cy="628618"/>
+          </a:xfrm>
+        </p:spPr>
+        <p:txBody>
+          <a:bodyPr>
+            <a:normAutofit fontScale="90000"/>
+          </a:bodyPr>
+          <a:lstStyle/>
+          <a:p>
+            <a:r>
+              <a:rPr lang="en-ZA" dirty="0"/>
+              <a:t>Design Parameters</a:t>
+            </a:r>
+          </a:p>
+        </p:txBody>
+      </p:sp>
+      <p:sp>
+        <p:nvSpPr>
+          <p:cNvPr id="3" name="Content Placeholder 2"/>
+          <p:cNvSpPr>
+            <a:spLocks noGrp="1"/>
+          </p:cNvSpPr>
+          <p:nvPr>
+            <p:ph idx="1"/>
+          </p:nvPr>
+        </p:nvSpPr>
+        <p:spPr>
+          <a:xfrm>
+            <a:off x="2589212" y="1252728"/>
+            <a:ext cx="8915400" cy="4658494"/>
+          </a:xfrm>
+        </p:spPr>
         <p:txBody>
           <a:bodyPr/>
           <a:lstStyle/>
           <a:p>
             <a:r>
               <a:rPr lang="en-ZA" dirty="0" smtClean="0"/>
-              <a:t>FPGA implementation</a:t>
-            </a:r>
+              <a:t>It is assumed that there is an infinite amount of waiting space in the system and that no client will be rejected between working hours. </a:t>
+            </a:r>
+          </a:p>
+          <a:p>
             <a:endParaRPr lang="en-ZA" dirty="0"/>
-          </a:p>
-        </p:txBody>
-      </p:sp>
-      <p:sp>
-        <p:nvSpPr>
-          <p:cNvPr id="3" name="Content Placeholder 2"/>
-          <p:cNvSpPr>
-            <a:spLocks noGrp="1"/>
-          </p:cNvSpPr>
-          <p:nvPr>
-            <p:ph idx="1"/>
-          </p:nvPr>
-        </p:nvSpPr>
-        <p:spPr/>
-        <p:txBody>
-          <a:bodyPr/>
-          <a:lstStyle/>
-          <a:p>
-            <a:endParaRPr lang="en-ZA"/>
           </a:p>
         </p:txBody>
       </p:sp>
     </p:spTree>
     <p:extLst>
       <p:ext uri="{BB962C8B-B14F-4D97-AF65-F5344CB8AC3E}">
-        <p14:creationId xmlns:p14="http://schemas.microsoft.com/office/powerpoint/2010/main" val="3843322359"/>
+        <p14:creationId xmlns:p14="http://schemas.microsoft.com/office/powerpoint/2010/main" val="525785799"/>
       </p:ext>
     </p:extLst>
   </p:cSld>
   <p:clrMapOvr>
     <a:masterClrMapping/>
   </p:clrMapOvr>
-  <p:timing>
-    <p:tnLst>
-      <p:par>
-        <p:cTn id="1" dur="indefinite" restart="never" nodeType="tmRoot"/>
-      </p:par>
-    </p:tnLst>
-  </p:timing>
 </p:sld>
 </file>
 

--- a/Prac2/Part 2/Presentation.pptx
+++ b/Prac2/Part 2/Presentation.pptx
@@ -4,18 +4,22 @@
   <p:sldMasterIdLst>
     <p:sldMasterId id="2147483677" r:id="rId1"/>
   </p:sldMasterIdLst>
+  <p:notesMasterIdLst>
+    <p:notesMasterId r:id="rId14"/>
+  </p:notesMasterIdLst>
   <p:sldIdLst>
     <p:sldId id="256" r:id="rId2"/>
     <p:sldId id="257" r:id="rId3"/>
     <p:sldId id="258" r:id="rId4"/>
     <p:sldId id="266" r:id="rId5"/>
-    <p:sldId id="260" r:id="rId6"/>
-    <p:sldId id="261" r:id="rId7"/>
-    <p:sldId id="265" r:id="rId8"/>
-    <p:sldId id="262" r:id="rId9"/>
-    <p:sldId id="267" r:id="rId10"/>
+    <p:sldId id="261" r:id="rId6"/>
+    <p:sldId id="265" r:id="rId7"/>
+    <p:sldId id="269" r:id="rId8"/>
+    <p:sldId id="270" r:id="rId9"/>
+    <p:sldId id="262" r:id="rId10"/>
     <p:sldId id="263" r:id="rId11"/>
     <p:sldId id="264" r:id="rId12"/>
+    <p:sldId id="268" r:id="rId13"/>
   </p:sldIdLst>
   <p:sldSz cx="12192000" cy="6858000"/>
   <p:notesSz cx="6858000" cy="9144000"/>
@@ -122,6 +126,560 @@
 </p:presentation>
 </file>
 
+<file path=ppt/notesMasters/notesMaster1.xml><?xml version="1.0" encoding="utf-8"?>
+<p:notesMaster xmlns:a="http://schemas.openxmlformats.org/drawingml/2006/main" xmlns:r="http://schemas.openxmlformats.org/officeDocument/2006/relationships" xmlns:p="http://schemas.openxmlformats.org/presentationml/2006/main">
+  <p:cSld>
+    <p:bg>
+      <p:bgRef idx="1001">
+        <a:schemeClr val="bg1"/>
+      </p:bgRef>
+    </p:bg>
+    <p:spTree>
+      <p:nvGrpSpPr>
+        <p:cNvPr id="1" name=""/>
+        <p:cNvGrpSpPr/>
+        <p:nvPr/>
+      </p:nvGrpSpPr>
+      <p:grpSpPr>
+        <a:xfrm>
+          <a:off x="0" y="0"/>
+          <a:ext cx="0" cy="0"/>
+          <a:chOff x="0" y="0"/>
+          <a:chExt cx="0" cy="0"/>
+        </a:xfrm>
+      </p:grpSpPr>
+      <p:sp>
+        <p:nvSpPr>
+          <p:cNvPr id="2" name="Header Placeholder 1"/>
+          <p:cNvSpPr>
+            <a:spLocks noGrp="1"/>
+          </p:cNvSpPr>
+          <p:nvPr>
+            <p:ph type="hdr" sz="quarter"/>
+          </p:nvPr>
+        </p:nvSpPr>
+        <p:spPr>
+          <a:xfrm>
+            <a:off x="0" y="0"/>
+            <a:ext cx="2971800" cy="458788"/>
+          </a:xfrm>
+          <a:prstGeom prst="rect">
+            <a:avLst/>
+          </a:prstGeom>
+        </p:spPr>
+        <p:txBody>
+          <a:bodyPr vert="horz" lIns="91440" tIns="45720" rIns="91440" bIns="45720" rtlCol="0"/>
+          <a:lstStyle>
+            <a:lvl1pPr algn="l">
+              <a:defRPr sz="1200"/>
+            </a:lvl1pPr>
+          </a:lstStyle>
+          <a:p>
+            <a:endParaRPr lang="es-NI"/>
+          </a:p>
+        </p:txBody>
+      </p:sp>
+      <p:sp>
+        <p:nvSpPr>
+          <p:cNvPr id="3" name="Date Placeholder 2"/>
+          <p:cNvSpPr>
+            <a:spLocks noGrp="1"/>
+          </p:cNvSpPr>
+          <p:nvPr>
+            <p:ph type="dt" idx="1"/>
+          </p:nvPr>
+        </p:nvSpPr>
+        <p:spPr>
+          <a:xfrm>
+            <a:off x="3884613" y="0"/>
+            <a:ext cx="2971800" cy="458788"/>
+          </a:xfrm>
+          <a:prstGeom prst="rect">
+            <a:avLst/>
+          </a:prstGeom>
+        </p:spPr>
+        <p:txBody>
+          <a:bodyPr vert="horz" lIns="91440" tIns="45720" rIns="91440" bIns="45720" rtlCol="0"/>
+          <a:lstStyle>
+            <a:lvl1pPr algn="r">
+              <a:defRPr sz="1200"/>
+            </a:lvl1pPr>
+          </a:lstStyle>
+          <a:p>
+            <a:fld id="{C2F80297-43EF-4C39-A7B6-3EC643194714}" type="datetimeFigureOut">
+              <a:rPr lang="es-NI" smtClean="0"/>
+              <a:t>19/9/2019</a:t>
+            </a:fld>
+            <a:endParaRPr lang="es-NI"/>
+          </a:p>
+        </p:txBody>
+      </p:sp>
+      <p:sp>
+        <p:nvSpPr>
+          <p:cNvPr id="4" name="Slide Image Placeholder 3"/>
+          <p:cNvSpPr>
+            <a:spLocks noGrp="1" noRot="1" noChangeAspect="1"/>
+          </p:cNvSpPr>
+          <p:nvPr>
+            <p:ph type="sldImg" idx="2"/>
+          </p:nvPr>
+        </p:nvSpPr>
+        <p:spPr>
+          <a:xfrm>
+            <a:off x="685800" y="1143000"/>
+            <a:ext cx="5486400" cy="3086100"/>
+          </a:xfrm>
+          <a:prstGeom prst="rect">
+            <a:avLst/>
+          </a:prstGeom>
+          <a:noFill/>
+          <a:ln w="12700">
+            <a:solidFill>
+              <a:prstClr val="black"/>
+            </a:solidFill>
+          </a:ln>
+        </p:spPr>
+        <p:txBody>
+          <a:bodyPr vert="horz" lIns="91440" tIns="45720" rIns="91440" bIns="45720" rtlCol="0" anchor="ctr"/>
+          <a:lstStyle/>
+          <a:p>
+            <a:endParaRPr lang="es-NI"/>
+          </a:p>
+        </p:txBody>
+      </p:sp>
+      <p:sp>
+        <p:nvSpPr>
+          <p:cNvPr id="5" name="Notes Placeholder 4"/>
+          <p:cNvSpPr>
+            <a:spLocks noGrp="1"/>
+          </p:cNvSpPr>
+          <p:nvPr>
+            <p:ph type="body" sz="quarter" idx="3"/>
+          </p:nvPr>
+        </p:nvSpPr>
+        <p:spPr>
+          <a:xfrm>
+            <a:off x="685800" y="4400550"/>
+            <a:ext cx="5486400" cy="3600450"/>
+          </a:xfrm>
+          <a:prstGeom prst="rect">
+            <a:avLst/>
+          </a:prstGeom>
+        </p:spPr>
+        <p:txBody>
+          <a:bodyPr vert="horz" lIns="91440" tIns="45720" rIns="91440" bIns="45720" rtlCol="0"/>
+          <a:lstStyle/>
+          <a:p>
+            <a:pPr lvl="0"/>
+            <a:r>
+              <a:rPr lang="en-US" smtClean="0"/>
+              <a:t>Edit Master text styles</a:t>
+            </a:r>
+          </a:p>
+          <a:p>
+            <a:pPr lvl="1"/>
+            <a:r>
+              <a:rPr lang="en-US" smtClean="0"/>
+              <a:t>Second level</a:t>
+            </a:r>
+          </a:p>
+          <a:p>
+            <a:pPr lvl="2"/>
+            <a:r>
+              <a:rPr lang="en-US" smtClean="0"/>
+              <a:t>Third level</a:t>
+            </a:r>
+          </a:p>
+          <a:p>
+            <a:pPr lvl="3"/>
+            <a:r>
+              <a:rPr lang="en-US" smtClean="0"/>
+              <a:t>Fourth level</a:t>
+            </a:r>
+          </a:p>
+          <a:p>
+            <a:pPr lvl="4"/>
+            <a:r>
+              <a:rPr lang="en-US" smtClean="0"/>
+              <a:t>Fifth level</a:t>
+            </a:r>
+            <a:endParaRPr lang="es-NI"/>
+          </a:p>
+        </p:txBody>
+      </p:sp>
+      <p:sp>
+        <p:nvSpPr>
+          <p:cNvPr id="6" name="Footer Placeholder 5"/>
+          <p:cNvSpPr>
+            <a:spLocks noGrp="1"/>
+          </p:cNvSpPr>
+          <p:nvPr>
+            <p:ph type="ftr" sz="quarter" idx="4"/>
+          </p:nvPr>
+        </p:nvSpPr>
+        <p:spPr>
+          <a:xfrm>
+            <a:off x="0" y="8685213"/>
+            <a:ext cx="2971800" cy="458787"/>
+          </a:xfrm>
+          <a:prstGeom prst="rect">
+            <a:avLst/>
+          </a:prstGeom>
+        </p:spPr>
+        <p:txBody>
+          <a:bodyPr vert="horz" lIns="91440" tIns="45720" rIns="91440" bIns="45720" rtlCol="0" anchor="b"/>
+          <a:lstStyle>
+            <a:lvl1pPr algn="l">
+              <a:defRPr sz="1200"/>
+            </a:lvl1pPr>
+          </a:lstStyle>
+          <a:p>
+            <a:endParaRPr lang="es-NI"/>
+          </a:p>
+        </p:txBody>
+      </p:sp>
+      <p:sp>
+        <p:nvSpPr>
+          <p:cNvPr id="7" name="Slide Number Placeholder 6"/>
+          <p:cNvSpPr>
+            <a:spLocks noGrp="1"/>
+          </p:cNvSpPr>
+          <p:nvPr>
+            <p:ph type="sldNum" sz="quarter" idx="5"/>
+          </p:nvPr>
+        </p:nvSpPr>
+        <p:spPr>
+          <a:xfrm>
+            <a:off x="3884613" y="8685213"/>
+            <a:ext cx="2971800" cy="458787"/>
+          </a:xfrm>
+          <a:prstGeom prst="rect">
+            <a:avLst/>
+          </a:prstGeom>
+        </p:spPr>
+        <p:txBody>
+          <a:bodyPr vert="horz" lIns="91440" tIns="45720" rIns="91440" bIns="45720" rtlCol="0" anchor="b"/>
+          <a:lstStyle>
+            <a:lvl1pPr algn="r">
+              <a:defRPr sz="1200"/>
+            </a:lvl1pPr>
+          </a:lstStyle>
+          <a:p>
+            <a:fld id="{8D5968C3-3740-4559-AFDF-05DD5851ED3C}" type="slidenum">
+              <a:rPr lang="es-NI" smtClean="0"/>
+              <a:t>‹#›</a:t>
+            </a:fld>
+            <a:endParaRPr lang="es-NI"/>
+          </a:p>
+        </p:txBody>
+      </p:sp>
+    </p:spTree>
+    <p:extLst>
+      <p:ext uri="{BB962C8B-B14F-4D97-AF65-F5344CB8AC3E}">
+        <p14:creationId xmlns:p14="http://schemas.microsoft.com/office/powerpoint/2010/main" val="3409091257"/>
+      </p:ext>
+    </p:extLst>
+  </p:cSld>
+  <p:clrMap bg1="lt1" tx1="dk1" bg2="lt2" tx2="dk2" accent1="accent1" accent2="accent2" accent3="accent3" accent4="accent4" accent5="accent5" accent6="accent6" hlink="hlink" folHlink="folHlink"/>
+  <p:notesStyle>
+    <a:lvl1pPr marL="0" algn="l" defTabSz="914400" rtl="0" eaLnBrk="1" latinLnBrk="0" hangingPunct="1">
+      <a:defRPr sz="1200" kern="1200">
+        <a:solidFill>
+          <a:schemeClr val="tx1"/>
+        </a:solidFill>
+        <a:latin typeface="+mn-lt"/>
+        <a:ea typeface="+mn-ea"/>
+        <a:cs typeface="+mn-cs"/>
+      </a:defRPr>
+    </a:lvl1pPr>
+    <a:lvl2pPr marL="457200" algn="l" defTabSz="914400" rtl="0" eaLnBrk="1" latinLnBrk="0" hangingPunct="1">
+      <a:defRPr sz="1200" kern="1200">
+        <a:solidFill>
+          <a:schemeClr val="tx1"/>
+        </a:solidFill>
+        <a:latin typeface="+mn-lt"/>
+        <a:ea typeface="+mn-ea"/>
+        <a:cs typeface="+mn-cs"/>
+      </a:defRPr>
+    </a:lvl2pPr>
+    <a:lvl3pPr marL="914400" algn="l" defTabSz="914400" rtl="0" eaLnBrk="1" latinLnBrk="0" hangingPunct="1">
+      <a:defRPr sz="1200" kern="1200">
+        <a:solidFill>
+          <a:schemeClr val="tx1"/>
+        </a:solidFill>
+        <a:latin typeface="+mn-lt"/>
+        <a:ea typeface="+mn-ea"/>
+        <a:cs typeface="+mn-cs"/>
+      </a:defRPr>
+    </a:lvl3pPr>
+    <a:lvl4pPr marL="1371600" algn="l" defTabSz="914400" rtl="0" eaLnBrk="1" latinLnBrk="0" hangingPunct="1">
+      <a:defRPr sz="1200" kern="1200">
+        <a:solidFill>
+          <a:schemeClr val="tx1"/>
+        </a:solidFill>
+        <a:latin typeface="+mn-lt"/>
+        <a:ea typeface="+mn-ea"/>
+        <a:cs typeface="+mn-cs"/>
+      </a:defRPr>
+    </a:lvl4pPr>
+    <a:lvl5pPr marL="1828800" algn="l" defTabSz="914400" rtl="0" eaLnBrk="1" latinLnBrk="0" hangingPunct="1">
+      <a:defRPr sz="1200" kern="1200">
+        <a:solidFill>
+          <a:schemeClr val="tx1"/>
+        </a:solidFill>
+        <a:latin typeface="+mn-lt"/>
+        <a:ea typeface="+mn-ea"/>
+        <a:cs typeface="+mn-cs"/>
+      </a:defRPr>
+    </a:lvl5pPr>
+    <a:lvl6pPr marL="2286000" algn="l" defTabSz="914400" rtl="0" eaLnBrk="1" latinLnBrk="0" hangingPunct="1">
+      <a:defRPr sz="1200" kern="1200">
+        <a:solidFill>
+          <a:schemeClr val="tx1"/>
+        </a:solidFill>
+        <a:latin typeface="+mn-lt"/>
+        <a:ea typeface="+mn-ea"/>
+        <a:cs typeface="+mn-cs"/>
+      </a:defRPr>
+    </a:lvl6pPr>
+    <a:lvl7pPr marL="2743200" algn="l" defTabSz="914400" rtl="0" eaLnBrk="1" latinLnBrk="0" hangingPunct="1">
+      <a:defRPr sz="1200" kern="1200">
+        <a:solidFill>
+          <a:schemeClr val="tx1"/>
+        </a:solidFill>
+        <a:latin typeface="+mn-lt"/>
+        <a:ea typeface="+mn-ea"/>
+        <a:cs typeface="+mn-cs"/>
+      </a:defRPr>
+    </a:lvl7pPr>
+    <a:lvl8pPr marL="3200400" algn="l" defTabSz="914400" rtl="0" eaLnBrk="1" latinLnBrk="0" hangingPunct="1">
+      <a:defRPr sz="1200" kern="1200">
+        <a:solidFill>
+          <a:schemeClr val="tx1"/>
+        </a:solidFill>
+        <a:latin typeface="+mn-lt"/>
+        <a:ea typeface="+mn-ea"/>
+        <a:cs typeface="+mn-cs"/>
+      </a:defRPr>
+    </a:lvl8pPr>
+    <a:lvl9pPr marL="3657600" algn="l" defTabSz="914400" rtl="0" eaLnBrk="1" latinLnBrk="0" hangingPunct="1">
+      <a:defRPr sz="1200" kern="1200">
+        <a:solidFill>
+          <a:schemeClr val="tx1"/>
+        </a:solidFill>
+        <a:latin typeface="+mn-lt"/>
+        <a:ea typeface="+mn-ea"/>
+        <a:cs typeface="+mn-cs"/>
+      </a:defRPr>
+    </a:lvl9pPr>
+  </p:notesStyle>
+</p:notesMaster>
+</file>
+
+<file path=ppt/notesSlides/notesSlide1.xml><?xml version="1.0" encoding="utf-8"?>
+<p:notes xmlns:a="http://schemas.openxmlformats.org/drawingml/2006/main" xmlns:r="http://schemas.openxmlformats.org/officeDocument/2006/relationships" xmlns:p="http://schemas.openxmlformats.org/presentationml/2006/main">
+  <p:cSld>
+    <p:spTree>
+      <p:nvGrpSpPr>
+        <p:cNvPr id="1" name=""/>
+        <p:cNvGrpSpPr/>
+        <p:nvPr/>
+      </p:nvGrpSpPr>
+      <p:grpSpPr>
+        <a:xfrm>
+          <a:off x="0" y="0"/>
+          <a:ext cx="0" cy="0"/>
+          <a:chOff x="0" y="0"/>
+          <a:chExt cx="0" cy="0"/>
+        </a:xfrm>
+      </p:grpSpPr>
+      <p:sp>
+        <p:nvSpPr>
+          <p:cNvPr id="2" name="Slide Image Placeholder 1"/>
+          <p:cNvSpPr>
+            <a:spLocks noGrp="1" noRot="1" noChangeAspect="1"/>
+          </p:cNvSpPr>
+          <p:nvPr>
+            <p:ph type="sldImg"/>
+          </p:nvPr>
+        </p:nvSpPr>
+        <p:spPr/>
+      </p:sp>
+      <p:sp>
+        <p:nvSpPr>
+          <p:cNvPr id="3" name="Notes Placeholder 2"/>
+          <p:cNvSpPr>
+            <a:spLocks noGrp="1"/>
+          </p:cNvSpPr>
+          <p:nvPr>
+            <p:ph type="body" idx="1"/>
+          </p:nvPr>
+        </p:nvSpPr>
+        <p:spPr/>
+        <p:txBody>
+          <a:bodyPr/>
+          <a:lstStyle/>
+          <a:p>
+            <a:r>
+              <a:rPr lang="en-US" dirty="0" smtClean="0"/>
+              <a:t>Picture</a:t>
+            </a:r>
+            <a:r>
+              <a:rPr lang="en-US" baseline="0" dirty="0" smtClean="0"/>
+              <a:t> reference [1]</a:t>
+            </a:r>
+            <a:endParaRPr lang="es-NI" dirty="0"/>
+          </a:p>
+        </p:txBody>
+      </p:sp>
+      <p:sp>
+        <p:nvSpPr>
+          <p:cNvPr id="4" name="Slide Number Placeholder 3"/>
+          <p:cNvSpPr>
+            <a:spLocks noGrp="1"/>
+          </p:cNvSpPr>
+          <p:nvPr>
+            <p:ph type="sldNum" sz="quarter" idx="10"/>
+          </p:nvPr>
+        </p:nvSpPr>
+        <p:spPr/>
+        <p:txBody>
+          <a:bodyPr/>
+          <a:lstStyle/>
+          <a:p>
+            <a:fld id="{8D5968C3-3740-4559-AFDF-05DD5851ED3C}" type="slidenum">
+              <a:rPr lang="es-NI" smtClean="0"/>
+              <a:t>2</a:t>
+            </a:fld>
+            <a:endParaRPr lang="es-NI"/>
+          </a:p>
+        </p:txBody>
+      </p:sp>
+    </p:spTree>
+    <p:extLst>
+      <p:ext uri="{BB962C8B-B14F-4D97-AF65-F5344CB8AC3E}">
+        <p14:creationId xmlns:p14="http://schemas.microsoft.com/office/powerpoint/2010/main" val="3241250630"/>
+      </p:ext>
+    </p:extLst>
+  </p:cSld>
+  <p:clrMapOvr>
+    <a:masterClrMapping/>
+  </p:clrMapOvr>
+</p:notes>
+</file>
+
+<file path=ppt/notesSlides/notesSlide2.xml><?xml version="1.0" encoding="utf-8"?>
+<p:notes xmlns:a="http://schemas.openxmlformats.org/drawingml/2006/main" xmlns:r="http://schemas.openxmlformats.org/officeDocument/2006/relationships" xmlns:p="http://schemas.openxmlformats.org/presentationml/2006/main">
+  <p:cSld>
+    <p:spTree>
+      <p:nvGrpSpPr>
+        <p:cNvPr id="1" name=""/>
+        <p:cNvGrpSpPr/>
+        <p:nvPr/>
+      </p:nvGrpSpPr>
+      <p:grpSpPr>
+        <a:xfrm>
+          <a:off x="0" y="0"/>
+          <a:ext cx="0" cy="0"/>
+          <a:chOff x="0" y="0"/>
+          <a:chExt cx="0" cy="0"/>
+        </a:xfrm>
+      </p:grpSpPr>
+      <p:sp>
+        <p:nvSpPr>
+          <p:cNvPr id="2" name="Slide Image Placeholder 1"/>
+          <p:cNvSpPr>
+            <a:spLocks noGrp="1" noRot="1" noChangeAspect="1"/>
+          </p:cNvSpPr>
+          <p:nvPr>
+            <p:ph type="sldImg"/>
+          </p:nvPr>
+        </p:nvSpPr>
+        <p:spPr/>
+      </p:sp>
+      <p:sp>
+        <p:nvSpPr>
+          <p:cNvPr id="3" name="Notes Placeholder 2"/>
+          <p:cNvSpPr>
+            <a:spLocks noGrp="1"/>
+          </p:cNvSpPr>
+          <p:nvPr>
+            <p:ph type="body" idx="1"/>
+          </p:nvPr>
+        </p:nvSpPr>
+        <p:spPr/>
+        <p:txBody>
+          <a:bodyPr/>
+          <a:lstStyle/>
+          <a:p>
+            <a:pPr marL="0" marR="0" lvl="0" indent="0" algn="l" defTabSz="914400" rtl="0" eaLnBrk="1" fontAlgn="auto" latinLnBrk="0" hangingPunct="1">
+              <a:lnSpc>
+                <a:spcPct val="100000"/>
+              </a:lnSpc>
+              <a:spcBef>
+                <a:spcPts val="0"/>
+              </a:spcBef>
+              <a:spcAft>
+                <a:spcPts val="0"/>
+              </a:spcAft>
+              <a:buClrTx/>
+              <a:buSzTx/>
+              <a:buFontTx/>
+              <a:buNone/>
+              <a:tabLst/>
+              <a:defRPr/>
+            </a:pPr>
+            <a:r>
+              <a:rPr lang="en-US" dirty="0" smtClean="0"/>
+              <a:t>Table</a:t>
+            </a:r>
+            <a:r>
+              <a:rPr lang="en-US" baseline="0" dirty="0" smtClean="0"/>
+              <a:t> reference [2]</a:t>
+            </a:r>
+            <a:endParaRPr lang="es-NI" dirty="0" smtClean="0"/>
+          </a:p>
+          <a:p>
+            <a:endParaRPr lang="es-NI" dirty="0"/>
+          </a:p>
+        </p:txBody>
+      </p:sp>
+      <p:sp>
+        <p:nvSpPr>
+          <p:cNvPr id="4" name="Slide Number Placeholder 3"/>
+          <p:cNvSpPr>
+            <a:spLocks noGrp="1"/>
+          </p:cNvSpPr>
+          <p:nvPr>
+            <p:ph type="sldNum" sz="quarter" idx="10"/>
+          </p:nvPr>
+        </p:nvSpPr>
+        <p:spPr/>
+        <p:txBody>
+          <a:bodyPr/>
+          <a:lstStyle/>
+          <a:p>
+            <a:fld id="{8D5968C3-3740-4559-AFDF-05DD5851ED3C}" type="slidenum">
+              <a:rPr lang="es-NI" smtClean="0"/>
+              <a:t>5</a:t>
+            </a:fld>
+            <a:endParaRPr lang="es-NI"/>
+          </a:p>
+        </p:txBody>
+      </p:sp>
+    </p:spTree>
+    <p:extLst>
+      <p:ext uri="{BB962C8B-B14F-4D97-AF65-F5344CB8AC3E}">
+        <p14:creationId xmlns:p14="http://schemas.microsoft.com/office/powerpoint/2010/main" val="1030191148"/>
+      </p:ext>
+    </p:extLst>
+  </p:cSld>
+  <p:clrMapOvr>
+    <a:masterClrMapping/>
+  </p:clrMapOvr>
+</p:notes>
+</file>
+
 <file path=ppt/slideLayouts/slideLayout1.xml><?xml version="1.0" encoding="utf-8"?>
 <p:sldLayout xmlns:a="http://schemas.openxmlformats.org/drawingml/2006/main" xmlns:r="http://schemas.openxmlformats.org/officeDocument/2006/relationships" xmlns:p="http://schemas.openxmlformats.org/presentationml/2006/main" type="title" preserve="1">
   <p:cSld name="Title Slide">
@@ -310,7 +868,7 @@
           <a:p>
             <a:fld id="{F1A8E312-5357-423D-9805-2C398908D092}" type="datetimeFigureOut">
               <a:rPr lang="en-ZA" smtClean="0"/>
-              <a:t>2019/09/17</a:t>
+              <a:t>2019/09/19</a:t>
             </a:fld>
             <a:endParaRPr lang="en-ZA"/>
           </a:p>
@@ -648,7 +1206,7 @@
           <a:p>
             <a:fld id="{F1A8E312-5357-423D-9805-2C398908D092}" type="datetimeFigureOut">
               <a:rPr lang="en-ZA" smtClean="0"/>
-              <a:t>2019/09/17</a:t>
+              <a:t>2019/09/19</a:t>
             </a:fld>
             <a:endParaRPr lang="en-ZA"/>
           </a:p>
@@ -1049,7 +1607,7 @@
           <a:p>
             <a:fld id="{F1A8E312-5357-423D-9805-2C398908D092}" type="datetimeFigureOut">
               <a:rPr lang="en-ZA" smtClean="0"/>
-              <a:t>2019/09/17</a:t>
+              <a:t>2019/09/19</a:t>
             </a:fld>
             <a:endParaRPr lang="en-ZA"/>
           </a:p>
@@ -1385,7 +1943,7 @@
           <a:p>
             <a:fld id="{F1A8E312-5357-423D-9805-2C398908D092}" type="datetimeFigureOut">
               <a:rPr lang="en-ZA" smtClean="0"/>
-              <a:t>2019/09/17</a:t>
+              <a:t>2019/09/19</a:t>
             </a:fld>
             <a:endParaRPr lang="en-ZA"/>
           </a:p>
@@ -1705,7 +2263,7 @@
           <a:p>
             <a:fld id="{F1A8E312-5357-423D-9805-2C398908D092}" type="datetimeFigureOut">
               <a:rPr lang="en-ZA" smtClean="0"/>
-              <a:t>2019/09/17</a:t>
+              <a:t>2019/09/19</a:t>
             </a:fld>
             <a:endParaRPr lang="en-ZA"/>
           </a:p>
@@ -2101,7 +2659,7 @@
           <a:p>
             <a:fld id="{F1A8E312-5357-423D-9805-2C398908D092}" type="datetimeFigureOut">
               <a:rPr lang="en-ZA" smtClean="0"/>
-              <a:t>2019/09/17</a:t>
+              <a:t>2019/09/19</a:t>
             </a:fld>
             <a:endParaRPr lang="en-ZA"/>
           </a:p>
@@ -2358,7 +2916,7 @@
           <a:p>
             <a:fld id="{F1A8E312-5357-423D-9805-2C398908D092}" type="datetimeFigureOut">
               <a:rPr lang="en-ZA" smtClean="0"/>
-              <a:t>2019/09/17</a:t>
+              <a:t>2019/09/19</a:t>
             </a:fld>
             <a:endParaRPr lang="en-ZA"/>
           </a:p>
@@ -2620,7 +3178,7 @@
           <a:p>
             <a:fld id="{F1A8E312-5357-423D-9805-2C398908D092}" type="datetimeFigureOut">
               <a:rPr lang="en-ZA" smtClean="0"/>
-              <a:t>2019/09/17</a:t>
+              <a:t>2019/09/19</a:t>
             </a:fld>
             <a:endParaRPr lang="en-ZA"/>
           </a:p>
@@ -2882,7 +3440,7 @@
           <a:p>
             <a:fld id="{F1A8E312-5357-423D-9805-2C398908D092}" type="datetimeFigureOut">
               <a:rPr lang="en-ZA" smtClean="0"/>
-              <a:t>2019/09/17</a:t>
+              <a:t>2019/09/19</a:t>
             </a:fld>
             <a:endParaRPr lang="en-ZA"/>
           </a:p>
@@ -3211,7 +3769,7 @@
           <a:p>
             <a:fld id="{F1A8E312-5357-423D-9805-2C398908D092}" type="datetimeFigureOut">
               <a:rPr lang="en-ZA" smtClean="0"/>
-              <a:t>2019/09/17</a:t>
+              <a:t>2019/09/19</a:t>
             </a:fld>
             <a:endParaRPr lang="en-ZA"/>
           </a:p>
@@ -3534,7 +4092,7 @@
           <a:p>
             <a:fld id="{F1A8E312-5357-423D-9805-2C398908D092}" type="datetimeFigureOut">
               <a:rPr lang="en-ZA" smtClean="0"/>
-              <a:t>2019/09/17</a:t>
+              <a:t>2019/09/19</a:t>
             </a:fld>
             <a:endParaRPr lang="en-ZA"/>
           </a:p>
@@ -3991,7 +4549,7 @@
           <a:p>
             <a:fld id="{F1A8E312-5357-423D-9805-2C398908D092}" type="datetimeFigureOut">
               <a:rPr lang="en-ZA" smtClean="0"/>
-              <a:t>2019/09/17</a:t>
+              <a:t>2019/09/19</a:t>
             </a:fld>
             <a:endParaRPr lang="en-ZA"/>
           </a:p>
@@ -4196,7 +4754,7 @@
           <a:p>
             <a:fld id="{F1A8E312-5357-423D-9805-2C398908D092}" type="datetimeFigureOut">
               <a:rPr lang="en-ZA" smtClean="0"/>
-              <a:t>2019/09/17</a:t>
+              <a:t>2019/09/19</a:t>
             </a:fld>
             <a:endParaRPr lang="en-ZA"/>
           </a:p>
@@ -4373,7 +4931,7 @@
           <a:p>
             <a:fld id="{F1A8E312-5357-423D-9805-2C398908D092}" type="datetimeFigureOut">
               <a:rPr lang="en-ZA" smtClean="0"/>
-              <a:t>2019/09/17</a:t>
+              <a:t>2019/09/19</a:t>
             </a:fld>
             <a:endParaRPr lang="en-ZA"/>
           </a:p>
@@ -4706,7 +5264,7 @@
           <a:p>
             <a:fld id="{F1A8E312-5357-423D-9805-2C398908D092}" type="datetimeFigureOut">
               <a:rPr lang="en-ZA" smtClean="0"/>
-              <a:t>2019/09/17</a:t>
+              <a:t>2019/09/19</a:t>
             </a:fld>
             <a:endParaRPr lang="en-ZA"/>
           </a:p>
@@ -5051,7 +5609,7 @@
           <a:p>
             <a:fld id="{F1A8E312-5357-423D-9805-2C398908D092}" type="datetimeFigureOut">
               <a:rPr lang="en-ZA" smtClean="0"/>
-              <a:t>2019/09/17</a:t>
+              <a:t>2019/09/19</a:t>
             </a:fld>
             <a:endParaRPr lang="en-ZA"/>
           </a:p>
@@ -7168,7 +7726,7 @@
           <a:p>
             <a:fld id="{F1A8E312-5357-423D-9805-2C398908D092}" type="datetimeFigureOut">
               <a:rPr lang="en-ZA" smtClean="0"/>
-              <a:t>2019/09/17</a:t>
+              <a:t>2019/09/19</a:t>
             </a:fld>
             <a:endParaRPr lang="en-ZA"/>
           </a:p>
@@ -7712,6 +8270,17 @@
               <a:rPr lang="en-ZA" sz="4400" dirty="0" smtClean="0"/>
               <a:t>Queuing Management System </a:t>
             </a:r>
+            <a:r>
+              <a:rPr lang="en-ZA" sz="4400" dirty="0" smtClean="0"/>
+              <a:t/>
+            </a:r>
+            <a:br>
+              <a:rPr lang="en-ZA" sz="4400" dirty="0" smtClean="0"/>
+            </a:br>
+            <a:r>
+              <a:rPr lang="en-ZA" sz="4400" dirty="0" smtClean="0"/>
+              <a:t>(Banking System)</a:t>
+            </a:r>
             <a:endParaRPr lang="en-ZA" sz="4400" dirty="0"/>
           </a:p>
         </p:txBody>
@@ -7823,7 +8392,12 @@
             <p:ph idx="1"/>
           </p:nvPr>
         </p:nvSpPr>
-        <p:spPr/>
+        <p:spPr>
+          <a:xfrm>
+            <a:off x="2589212" y="1732085"/>
+            <a:ext cx="8915400" cy="4273061"/>
+          </a:xfrm>
+        </p:spPr>
         <p:txBody>
           <a:bodyPr/>
           <a:lstStyle/>
@@ -7892,25 +8466,35 @@
           </a:p>
         </p:txBody>
       </p:sp>
-      <p:sp>
-        <p:nvSpPr>
-          <p:cNvPr id="3" name="Content Placeholder 2"/>
-          <p:cNvSpPr>
-            <a:spLocks noGrp="1"/>
-          </p:cNvSpPr>
+      <p:pic>
+        <p:nvPicPr>
+          <p:cNvPr id="4" name="Content Placeholder 3"/>
+          <p:cNvPicPr>
+            <a:picLocks noGrp="1" noChangeAspect="1"/>
+          </p:cNvPicPr>
           <p:nvPr>
             <p:ph idx="1"/>
           </p:nvPr>
-        </p:nvSpPr>
-        <p:spPr/>
-        <p:txBody>
-          <a:bodyPr/>
-          <a:lstStyle/>
-          <a:p>
-            <a:endParaRPr lang="en-ZA"/>
-          </a:p>
-        </p:txBody>
-      </p:sp>
+        </p:nvPicPr>
+        <p:blipFill>
+          <a:blip r:embed="rId2">
+            <a:extLst>
+              <a:ext uri="{28A0092B-C50C-407E-A947-70E740481C1C}">
+                <a14:useLocalDpi xmlns:a14="http://schemas.microsoft.com/office/drawing/2010/main" val="0"/>
+              </a:ext>
+            </a:extLst>
+          </a:blip>
+          <a:stretch>
+            <a:fillRect/>
+          </a:stretch>
+        </p:blipFill>
+        <p:spPr>
+          <a:xfrm>
+            <a:off x="1142827" y="2216274"/>
+            <a:ext cx="10361785" cy="2628288"/>
+          </a:xfrm>
+        </p:spPr>
+      </p:pic>
     </p:spTree>
     <p:extLst>
       <p:ext uri="{BB962C8B-B14F-4D97-AF65-F5344CB8AC3E}">
@@ -7931,6 +8515,156 @@
 </p:sld>
 </file>
 
+<file path=ppt/slides/slide12.xml><?xml version="1.0" encoding="utf-8"?>
+<p:sld xmlns:a="http://schemas.openxmlformats.org/drawingml/2006/main" xmlns:r="http://schemas.openxmlformats.org/officeDocument/2006/relationships" xmlns:p="http://schemas.openxmlformats.org/presentationml/2006/main">
+  <p:cSld>
+    <p:spTree>
+      <p:nvGrpSpPr>
+        <p:cNvPr id="1" name=""/>
+        <p:cNvGrpSpPr/>
+        <p:nvPr/>
+      </p:nvGrpSpPr>
+      <p:grpSpPr>
+        <a:xfrm>
+          <a:off x="0" y="0"/>
+          <a:ext cx="0" cy="0"/>
+          <a:chOff x="0" y="0"/>
+          <a:chExt cx="0" cy="0"/>
+        </a:xfrm>
+      </p:grpSpPr>
+      <p:sp>
+        <p:nvSpPr>
+          <p:cNvPr id="2" name="Title 1"/>
+          <p:cNvSpPr>
+            <a:spLocks noGrp="1"/>
+          </p:cNvSpPr>
+          <p:nvPr>
+            <p:ph type="title"/>
+          </p:nvPr>
+        </p:nvSpPr>
+        <p:spPr>
+          <a:xfrm>
+            <a:off x="2592925" y="624110"/>
+            <a:ext cx="8911687" cy="721113"/>
+          </a:xfrm>
+        </p:spPr>
+        <p:txBody>
+          <a:bodyPr/>
+          <a:lstStyle/>
+          <a:p>
+            <a:r>
+              <a:rPr lang="en-US" dirty="0" smtClean="0"/>
+              <a:t>References</a:t>
+            </a:r>
+            <a:endParaRPr lang="es-NI" dirty="0"/>
+          </a:p>
+        </p:txBody>
+      </p:sp>
+      <p:sp>
+        <p:nvSpPr>
+          <p:cNvPr id="3" name="Content Placeholder 2"/>
+          <p:cNvSpPr>
+            <a:spLocks noGrp="1"/>
+          </p:cNvSpPr>
+          <p:nvPr>
+            <p:ph idx="1"/>
+          </p:nvPr>
+        </p:nvSpPr>
+        <p:spPr>
+          <a:xfrm>
+            <a:off x="2589212" y="1345223"/>
+            <a:ext cx="8915400" cy="4565999"/>
+          </a:xfrm>
+        </p:spPr>
+        <p:txBody>
+          <a:bodyPr/>
+          <a:lstStyle/>
+          <a:p>
+            <a:pPr marL="0" indent="0">
+              <a:buNone/>
+            </a:pPr>
+            <a:r>
+              <a:rPr lang="en-US" dirty="0" smtClean="0"/>
+              <a:t>[1] </a:t>
+            </a:r>
+            <a:r>
+              <a:rPr lang="en-US" i="1" dirty="0"/>
+              <a:t>17-Inch Touch Screen Ticket Dispenser Kiosk for Bank Queue System Sx-Q173</a:t>
+            </a:r>
+            <a:r>
+              <a:rPr lang="en-US" dirty="0"/>
+              <a:t>. 2019</a:t>
+            </a:r>
+            <a:r>
+              <a:rPr lang="en-US" dirty="0" smtClean="0"/>
+              <a:t>.</a:t>
+            </a:r>
+          </a:p>
+          <a:p>
+            <a:pPr marL="0" indent="0">
+              <a:buNone/>
+            </a:pPr>
+            <a:r>
+              <a:rPr lang="en-US" dirty="0"/>
+              <a:t>[2] </a:t>
+            </a:r>
+            <a:r>
+              <a:rPr lang="en-US" i="1" dirty="0" err="1"/>
+              <a:t>Cowdrey</a:t>
+            </a:r>
+            <a:r>
+              <a:rPr lang="en-US" i="1" dirty="0"/>
+              <a:t>, Kevin &amp; Lange, </a:t>
+            </a:r>
+            <a:r>
+              <a:rPr lang="en-US" i="1" dirty="0" err="1"/>
+              <a:t>Jaco</a:t>
+            </a:r>
+            <a:r>
+              <a:rPr lang="en-US" i="1" dirty="0"/>
+              <a:t> &amp; </a:t>
+            </a:r>
+            <a:r>
+              <a:rPr lang="en-US" i="1" dirty="0" err="1"/>
+              <a:t>Malekian</a:t>
+            </a:r>
+            <a:r>
+              <a:rPr lang="en-US" i="1" dirty="0"/>
+              <a:t>, Reza &amp; </a:t>
+            </a:r>
+            <a:r>
+              <a:rPr lang="en-US" i="1" dirty="0" err="1"/>
+              <a:t>Wanneburg</a:t>
+            </a:r>
+            <a:r>
+              <a:rPr lang="en-US" i="1" dirty="0"/>
+              <a:t>, Johan &amp; Jose, </a:t>
+            </a:r>
+            <a:r>
+              <a:rPr lang="en-US" i="1" dirty="0" err="1"/>
+              <a:t>Arun</a:t>
+            </a:r>
+            <a:r>
+              <a:rPr lang="en-US" i="1" dirty="0"/>
+              <a:t>. (2018). Applying Queueing Theory for the Optimization of a Banking Model. 10.13140/RG.2.2.32707.71207. </a:t>
+            </a:r>
+            <a:endParaRPr lang="es-NI" i="1" dirty="0"/>
+          </a:p>
+        </p:txBody>
+      </p:sp>
+    </p:spTree>
+    <p:extLst>
+      <p:ext uri="{BB962C8B-B14F-4D97-AF65-F5344CB8AC3E}">
+        <p14:creationId xmlns:p14="http://schemas.microsoft.com/office/powerpoint/2010/main" val="899578406"/>
+      </p:ext>
+    </p:extLst>
+  </p:cSld>
+  <p:clrMapOvr>
+    <a:masterClrMapping/>
+  </p:clrMapOvr>
+</p:sld>
+</file>
+
 <file path=ppt/slides/slide2.xml><?xml version="1.0" encoding="utf-8"?>
 <p:sld xmlns:a="http://schemas.openxmlformats.org/drawingml/2006/main" xmlns:r="http://schemas.openxmlformats.org/officeDocument/2006/relationships" xmlns:p="http://schemas.openxmlformats.org/presentationml/2006/main">
   <p:cSld>
@@ -7989,38 +8723,34 @@
         <p:spPr>
           <a:xfrm>
             <a:off x="2589212" y="1306286"/>
-            <a:ext cx="8915400" cy="4604936"/>
+            <a:ext cx="8915400" cy="5024176"/>
           </a:xfrm>
         </p:spPr>
         <p:txBody>
-          <a:bodyPr/>
+          <a:bodyPr>
+            <a:normAutofit fontScale="92500" lnSpcReduction="10000"/>
+          </a:bodyPr>
           <a:lstStyle/>
           <a:p>
             <a:r>
               <a:rPr lang="en-ZA" dirty="0" smtClean="0"/>
-              <a:t>Banks in particular aim to provid</a:t>
+              <a:t>Banks in particular aim to provide the best possible client </a:t>
             </a:r>
             <a:r>
               <a:rPr lang="en-ZA" dirty="0" smtClean="0"/>
-              <a:t>e the best possible client satisfaction and attempts to improve the client experience in banking systems.</a:t>
+              <a:t>satisfaction.</a:t>
             </a:r>
             <a:endParaRPr lang="en-ZA" dirty="0" smtClean="0"/>
           </a:p>
           <a:p>
+            <a:pPr lvl="1"/>
             <a:r>
               <a:rPr lang="en-ZA" dirty="0" smtClean="0"/>
-              <a:t>Considering </a:t>
+              <a:t>Client </a:t>
             </a:r>
             <a:r>
               <a:rPr lang="en-ZA" dirty="0" smtClean="0"/>
-              <a:t>improving the overall banking system experience:</a:t>
-            </a:r>
-          </a:p>
-          <a:p>
-            <a:pPr lvl="1"/>
-            <a:r>
-              <a:rPr lang="en-ZA" dirty="0" smtClean="0"/>
-              <a:t>Client perspective</a:t>
+              <a:t>perspective</a:t>
             </a:r>
           </a:p>
           <a:p>
@@ -8034,11 +8764,7 @@
             <a:pPr lvl="2"/>
             <a:r>
               <a:rPr lang="en-ZA" dirty="0" smtClean="0"/>
-              <a:t>Shorter waiting </a:t>
-            </a:r>
-            <a:r>
-              <a:rPr lang="en-ZA" dirty="0" smtClean="0"/>
-              <a:t>times</a:t>
+              <a:t>Shorter waiting times</a:t>
             </a:r>
           </a:p>
           <a:p>
@@ -8047,39 +8773,118 @@
               <a:rPr lang="en-ZA" dirty="0" smtClean="0"/>
               <a:t>Shorter service times.</a:t>
             </a:r>
+          </a:p>
+          <a:p>
+            <a:pPr lvl="1"/>
+            <a:r>
+              <a:rPr lang="en-ZA" dirty="0" smtClean="0"/>
+              <a:t>Banking </a:t>
+            </a:r>
+            <a:r>
+              <a:rPr lang="en-ZA" dirty="0" smtClean="0"/>
+              <a:t>owner perspective</a:t>
+            </a:r>
+          </a:p>
+          <a:p>
+            <a:pPr lvl="2"/>
+            <a:r>
+              <a:rPr lang="en-ZA" dirty="0" smtClean="0"/>
+              <a:t>Increase profit</a:t>
+            </a:r>
+            <a:r>
+              <a:rPr lang="en-ZA" dirty="0" smtClean="0"/>
+              <a:t>.</a:t>
+            </a:r>
+          </a:p>
+          <a:p>
+            <a:r>
+              <a:rPr lang="en-ZA" dirty="0" smtClean="0"/>
+              <a:t>Ticket system requires information needed for a</a:t>
+            </a:r>
+            <a:br>
+              <a:rPr lang="en-ZA" dirty="0" smtClean="0"/>
+            </a:br>
+            <a:r>
+              <a:rPr lang="en-ZA" dirty="0" smtClean="0"/>
+              <a:t>specific service and links information to ticket, </a:t>
+            </a:r>
+            <a:br>
+              <a:rPr lang="en-ZA" dirty="0" smtClean="0"/>
+            </a:br>
+            <a:r>
+              <a:rPr lang="en-ZA" dirty="0" smtClean="0"/>
+              <a:t>with a banking assistant to speed up the process.</a:t>
+            </a:r>
+            <a:br>
+              <a:rPr lang="en-ZA" dirty="0" smtClean="0"/>
+            </a:br>
             <a:endParaRPr lang="en-ZA" dirty="0" smtClean="0"/>
           </a:p>
           <a:p>
-            <a:pPr lvl="2"/>
-            <a:endParaRPr lang="en-ZA" dirty="0"/>
+            <a:r>
+              <a:rPr lang="en-ZA" dirty="0" smtClean="0"/>
+              <a:t>Looking at the ticket granting service</a:t>
+            </a:r>
           </a:p>
           <a:p>
             <a:pPr lvl="1"/>
             <a:r>
               <a:rPr lang="en-ZA" dirty="0" smtClean="0"/>
-              <a:t>Banking owner perspective</a:t>
-            </a:r>
-          </a:p>
-          <a:p>
-            <a:pPr lvl="2"/>
+              <a:t>How many ticket granting servers?</a:t>
+            </a:r>
+          </a:p>
+          <a:p>
+            <a:pPr lvl="1"/>
             <a:r>
               <a:rPr lang="en-ZA" dirty="0" smtClean="0"/>
-              <a:t>Increase </a:t>
-            </a:r>
+              <a:t>Who gets preference?</a:t>
+            </a:r>
+          </a:p>
+          <a:p>
             <a:r>
               <a:rPr lang="en-ZA" dirty="0" smtClean="0"/>
-              <a:t>profit.</a:t>
-            </a:r>
-          </a:p>
-          <a:p>
-            <a:r>
+              <a:t>Develop queuing management system to </a:t>
+            </a:r>
+            <a:br>
               <a:rPr lang="en-ZA" dirty="0" smtClean="0"/>
-              <a:t>How can the banking experience be improved by looking at various service strategies such as first-in, first-out (FIFO), shortest-job-first (SJF) and highest-priority-first (HPF)?</a:t>
-            </a:r>
-            <a:endParaRPr lang="en-ZA" dirty="0"/>
-          </a:p>
-        </p:txBody>
-      </p:sp>
+            </a:br>
+            <a:r>
+              <a:rPr lang="en-ZA" dirty="0" smtClean="0"/>
+              <a:t>provide best solution.</a:t>
+            </a:r>
+          </a:p>
+        </p:txBody>
+      </p:sp>
+      <p:pic>
+        <p:nvPicPr>
+          <p:cNvPr id="4" name="Picture 3"/>
+          <p:cNvPicPr>
+            <a:picLocks noChangeAspect="1"/>
+          </p:cNvPicPr>
+          <p:nvPr/>
+        </p:nvPicPr>
+        <p:blipFill>
+          <a:blip r:embed="rId3">
+            <a:extLst>
+              <a:ext uri="{28A0092B-C50C-407E-A947-70E740481C1C}">
+                <a14:useLocalDpi xmlns:a14="http://schemas.microsoft.com/office/drawing/2010/main" val="0"/>
+              </a:ext>
+            </a:extLst>
+          </a:blip>
+          <a:stretch>
+            <a:fillRect/>
+          </a:stretch>
+        </p:blipFill>
+        <p:spPr>
+          <a:xfrm>
+            <a:off x="8525750" y="2875085"/>
+            <a:ext cx="2804745" cy="2804745"/>
+          </a:xfrm>
+          <a:prstGeom prst="rect">
+            <a:avLst/>
+          </a:prstGeom>
+        </p:spPr>
+      </p:pic>
     </p:spTree>
     <p:extLst>
       <p:ext uri="{BB962C8B-B14F-4D97-AF65-F5344CB8AC3E}">
@@ -8129,7 +8934,7 @@
         </p:nvSpPr>
         <p:spPr>
           <a:xfrm>
-            <a:off x="2592925" y="624110"/>
+            <a:off x="1907125" y="281210"/>
             <a:ext cx="8911687" cy="794143"/>
           </a:xfrm>
         </p:spPr>
@@ -8157,31 +8962,40 @@
         </p:nvSpPr>
         <p:spPr>
           <a:xfrm>
-            <a:off x="2589212" y="1418253"/>
-            <a:ext cx="8915400" cy="5113176"/>
+            <a:off x="2228726" y="1013807"/>
+            <a:ext cx="9148519" cy="5518878"/>
           </a:xfrm>
         </p:spPr>
         <p:txBody>
           <a:bodyPr>
-            <a:normAutofit fontScale="92500" lnSpcReduction="20000"/>
+            <a:normAutofit/>
           </a:bodyPr>
           <a:lstStyle/>
           <a:p>
             <a:r>
               <a:rPr lang="en-ZA" dirty="0" smtClean="0"/>
-              <a:t>Customers are accepted into the bank between 08:30 and 16:30.</a:t>
-            </a:r>
-          </a:p>
-          <a:p>
+              <a:t>Customers are accepted into the bank between 08:30 and 16:30</a:t>
+            </a:r>
             <a:r>
               <a:rPr lang="en-ZA" dirty="0" smtClean="0"/>
-              <a:t>At the start of the day, no customer is in the system and customers are refused entrance to the bank after 16:30.</a:t>
+              <a:t>.</a:t>
             </a:r>
           </a:p>
           <a:p>
             <a:r>
               <a:rPr lang="en-ZA" dirty="0" smtClean="0"/>
-              <a:t>Different services are provided</a:t>
+              <a:t>The bank will close at 16:30, but serve all customers that arrived before 16:30.</a:t>
+            </a:r>
+            <a:endParaRPr lang="en-ZA" dirty="0" smtClean="0"/>
+          </a:p>
+          <a:p>
+            <a:r>
+              <a:rPr lang="en-ZA" dirty="0" smtClean="0"/>
+              <a:t>Different </a:t>
+            </a:r>
+            <a:r>
+              <a:rPr lang="en-ZA" dirty="0" smtClean="0"/>
+              <a:t>services are provided</a:t>
             </a:r>
           </a:p>
           <a:p>
@@ -8222,8 +9036,13 @@
           <a:p>
             <a:r>
               <a:rPr lang="en-ZA" dirty="0" smtClean="0"/>
-              <a:t>The services take different times to complete a service.</a:t>
-            </a:r>
+              <a:t>The services take different times to </a:t>
+            </a:r>
+            <a:r>
+              <a:rPr lang="en-ZA" dirty="0" smtClean="0"/>
+              <a:t>complete.</a:t>
+            </a:r>
+            <a:endParaRPr lang="en-ZA" dirty="0" smtClean="0"/>
           </a:p>
           <a:p>
             <a:r>
@@ -8240,26 +9059,14 @@
           <a:p>
             <a:r>
               <a:rPr lang="en-ZA" dirty="0" smtClean="0"/>
-              <a:t>Once a customer is serviced by a teller, </a:t>
-            </a:r>
+              <a:t>Once a customer is serviced by a teller, the customer cannot be interrupted.</a:t>
+            </a:r>
+          </a:p>
+          <a:p>
             <a:r>
               <a:rPr lang="en-ZA" dirty="0" smtClean="0"/>
-              <a:t>the customer cannot be interrupted.</a:t>
-            </a:r>
-          </a:p>
-          <a:p>
-            <a:r>
-              <a:rPr lang="en-ZA" dirty="0" smtClean="0"/>
-              <a:t>High quality customers need to be satisfied, which also yields baking profit.</a:t>
-            </a:r>
-          </a:p>
-          <a:p>
-            <a:r>
-              <a:rPr lang="en-ZA" dirty="0" smtClean="0"/>
-              <a:t>Service windows may provide different service rates due to the efficiency of the cashier.</a:t>
-            </a:r>
-          </a:p>
-          <a:p>
+              <a:t>Important customers needs to be satisfied (valued customers or disabled).</a:t>
+            </a:r>
             <a:endParaRPr lang="en-ZA" dirty="0"/>
           </a:p>
         </p:txBody>
@@ -8341,19 +9148,31 @@
         <p:spPr>
           <a:xfrm>
             <a:off x="2589212" y="1481328"/>
-            <a:ext cx="8915400" cy="4429894"/>
+            <a:ext cx="8915400" cy="4875510"/>
           </a:xfrm>
         </p:spPr>
         <p:txBody>
           <a:bodyPr>
-            <a:normAutofit fontScale="92500" lnSpcReduction="20000"/>
+            <a:normAutofit/>
           </a:bodyPr>
           <a:lstStyle/>
           <a:p>
             <a:r>
               <a:rPr lang="en-ZA" dirty="0" smtClean="0"/>
-              <a:t>Arrival Process</a:t>
-            </a:r>
+              <a:t>Arrival </a:t>
+            </a:r>
+            <a:r>
+              <a:rPr lang="en-ZA" dirty="0" smtClean="0"/>
+              <a:t>Process</a:t>
+            </a:r>
+          </a:p>
+          <a:p>
+            <a:pPr lvl="1"/>
+            <a:r>
+              <a:rPr lang="en-ZA" dirty="0" smtClean="0"/>
+              <a:t>Poisson distribution (independent)</a:t>
+            </a:r>
+            <a:endParaRPr lang="en-ZA" dirty="0" smtClean="0"/>
           </a:p>
           <a:p>
             <a:pPr lvl="1"/>
@@ -8366,7 +9185,15 @@
             <a:pPr lvl="1"/>
             <a:r>
               <a:rPr lang="en-ZA" dirty="0" smtClean="0"/>
-              <a:t>Customers types will be determined according to the probability distribution of customers requesting a specific service.</a:t>
+              <a:t>Customers types will be determined according to the probability </a:t>
+            </a:r>
+            <a:r>
+              <a:rPr lang="en-ZA" dirty="0" smtClean="0"/>
+              <a:t>of </a:t>
+            </a:r>
+            <a:r>
+              <a:rPr lang="en-ZA" dirty="0" smtClean="0"/>
+              <a:t>customers requesting a specific service.</a:t>
             </a:r>
           </a:p>
           <a:p>
@@ -8379,41 +9206,60 @@
             <a:pPr lvl="1"/>
             <a:r>
               <a:rPr lang="en-ZA" dirty="0" smtClean="0"/>
-              <a:t>The service rate for each type of customer will vary according to the service they require.</a:t>
-            </a:r>
+              <a:t>Poisson distribution.</a:t>
+            </a:r>
+            <a:endParaRPr lang="en-ZA" dirty="0" smtClean="0"/>
           </a:p>
           <a:p>
             <a:pPr lvl="1"/>
             <a:r>
               <a:rPr lang="en-ZA" dirty="0" smtClean="0"/>
-              <a:t>The number of servers will vary according to the varying arrival rate during the day.</a:t>
+              <a:t>Different </a:t>
+            </a:r>
+            <a:r>
+              <a:rPr lang="en-ZA" dirty="0" smtClean="0"/>
+              <a:t>service </a:t>
+            </a:r>
+            <a:r>
+              <a:rPr lang="en-ZA" dirty="0" smtClean="0"/>
+              <a:t>times according </a:t>
+            </a:r>
+            <a:r>
+              <a:rPr lang="en-ZA" dirty="0" smtClean="0"/>
+              <a:t>to the service they require.</a:t>
             </a:r>
           </a:p>
           <a:p>
             <a:pPr lvl="1"/>
             <a:r>
               <a:rPr lang="en-ZA" dirty="0" smtClean="0"/>
-              <a:t>Customers will be serviced according to various service strategies such as FIFO, SJF and HPF.</a:t>
-            </a:r>
-          </a:p>
-          <a:p>
-            <a:pPr lvl="1"/>
+              <a:t>Role </a:t>
+            </a:r>
             <a:r>
               <a:rPr lang="en-ZA" dirty="0" smtClean="0"/>
-              <a:t>Clients will be rejected only when the bank closes, but the servers will service all clients that have arrived before closing hours.</a:t>
-            </a:r>
-            <a:endParaRPr lang="en-ZA" dirty="0"/>
-          </a:p>
-          <a:p>
+              <a:t>of servers will </a:t>
+            </a:r>
             <a:r>
               <a:rPr lang="en-ZA" dirty="0" smtClean="0"/>
-              <a:t>The system will take on an M/M/s queuing system when more than one service window is available.</a:t>
-            </a:r>
-          </a:p>
-          <a:p>
+              <a:t>differ </a:t>
+            </a:r>
             <a:r>
               <a:rPr lang="en-ZA" dirty="0" smtClean="0"/>
-              <a:t>The maximum number of service windows that will be available is five.</a:t>
+              <a:t>according to </a:t>
+            </a:r>
+            <a:r>
+              <a:rPr lang="en-ZA" dirty="0" smtClean="0"/>
+              <a:t>customer arrival </a:t>
+            </a:r>
+            <a:r>
+              <a:rPr lang="en-ZA" dirty="0" smtClean="0"/>
+              <a:t>rate during the day.</a:t>
+            </a:r>
+          </a:p>
+          <a:p>
+            <a:r>
+              <a:rPr lang="en-ZA" dirty="0" smtClean="0"/>
+              <a:t>System model 			-    M/M/s</a:t>
             </a:r>
           </a:p>
         </p:txBody>
@@ -8465,95 +9311,6 @@
           <a:p>
             <a:r>
               <a:rPr lang="en-ZA" dirty="0" smtClean="0"/>
-              <a:t>Queuing Management System Approach	</a:t>
-            </a:r>
-            <a:endParaRPr lang="en-ZA" dirty="0"/>
-          </a:p>
-        </p:txBody>
-      </p:sp>
-      <p:sp>
-        <p:nvSpPr>
-          <p:cNvPr id="3" name="Content Placeholder 2"/>
-          <p:cNvSpPr>
-            <a:spLocks noGrp="1"/>
-          </p:cNvSpPr>
-          <p:nvPr>
-            <p:ph idx="1"/>
-          </p:nvPr>
-        </p:nvSpPr>
-        <p:spPr/>
-        <p:txBody>
-          <a:bodyPr/>
-          <a:lstStyle/>
-          <a:p>
-            <a:r>
-              <a:rPr lang="en-ZA" dirty="0" smtClean="0"/>
-              <a:t>Design Factors</a:t>
-            </a:r>
-          </a:p>
-          <a:p>
-            <a:r>
-              <a:rPr lang="en-ZA" dirty="0" smtClean="0"/>
-              <a:t>Design Parameters</a:t>
-            </a:r>
-            <a:endParaRPr lang="en-ZA" dirty="0"/>
-          </a:p>
-        </p:txBody>
-      </p:sp>
-    </p:spTree>
-    <p:extLst>
-      <p:ext uri="{BB962C8B-B14F-4D97-AF65-F5344CB8AC3E}">
-        <p14:creationId xmlns:p14="http://schemas.microsoft.com/office/powerpoint/2010/main" val="4205674831"/>
-      </p:ext>
-    </p:extLst>
-  </p:cSld>
-  <p:clrMapOvr>
-    <a:masterClrMapping/>
-  </p:clrMapOvr>
-  <p:timing>
-    <p:tnLst>
-      <p:par>
-        <p:cTn id="1" dur="indefinite" restart="never" nodeType="tmRoot"/>
-      </p:par>
-    </p:tnLst>
-  </p:timing>
-</p:sld>
-</file>
-
-<file path=ppt/slides/slide6.xml><?xml version="1.0" encoding="utf-8"?>
-<p:sld xmlns:a="http://schemas.openxmlformats.org/drawingml/2006/main" xmlns:r="http://schemas.openxmlformats.org/officeDocument/2006/relationships" xmlns:p="http://schemas.openxmlformats.org/presentationml/2006/main">
-  <p:cSld>
-    <p:spTree>
-      <p:nvGrpSpPr>
-        <p:cNvPr id="1" name=""/>
-        <p:cNvGrpSpPr/>
-        <p:nvPr/>
-      </p:nvGrpSpPr>
-      <p:grpSpPr>
-        <a:xfrm>
-          <a:off x="0" y="0"/>
-          <a:ext cx="0" cy="0"/>
-          <a:chOff x="0" y="0"/>
-          <a:chExt cx="0" cy="0"/>
-        </a:xfrm>
-      </p:grpSpPr>
-      <p:sp>
-        <p:nvSpPr>
-          <p:cNvPr id="2" name="Title 1"/>
-          <p:cNvSpPr>
-            <a:spLocks noGrp="1"/>
-          </p:cNvSpPr>
-          <p:nvPr>
-            <p:ph type="title"/>
-          </p:nvPr>
-        </p:nvSpPr>
-        <p:spPr/>
-        <p:txBody>
-          <a:bodyPr/>
-          <a:lstStyle/>
-          <a:p>
-            <a:r>
-              <a:rPr lang="en-ZA" dirty="0" smtClean="0"/>
               <a:t>Design Factors</a:t>
             </a:r>
             <a:endParaRPr lang="en-ZA" dirty="0"/>
@@ -8582,253 +9339,87 @@
           </a:bodyPr>
           <a:lstStyle/>
           <a:p>
+            <a:r>
+              <a:rPr lang="en-ZA" dirty="0" smtClean="0"/>
+              <a:t>Inter-arrival times</a:t>
+            </a:r>
+          </a:p>
+          <a:p>
+            <a:pPr lvl="1"/>
+            <a:r>
+              <a:rPr lang="en-ZA" dirty="0" smtClean="0"/>
+              <a:t>Peak hours					-	3   minutes per customer</a:t>
+            </a:r>
+          </a:p>
+          <a:p>
+            <a:pPr lvl="1"/>
+            <a:r>
+              <a:rPr lang="en-ZA" dirty="0" smtClean="0"/>
+              <a:t>Off-peak hours	                		-	10 </a:t>
+            </a:r>
+            <a:r>
+              <a:rPr lang="en-ZA" dirty="0"/>
+              <a:t>minutes per </a:t>
+            </a:r>
+            <a:r>
+              <a:rPr lang="en-ZA" dirty="0" smtClean="0"/>
+              <a:t>customer</a:t>
+            </a:r>
+            <a:endParaRPr lang="en-ZA" dirty="0" smtClean="0"/>
+          </a:p>
+          <a:p>
+            <a:endParaRPr lang="en-ZA" dirty="0" smtClean="0"/>
+          </a:p>
+          <a:p>
             <a:endParaRPr lang="en-ZA" dirty="0"/>
           </a:p>
-        </p:txBody>
-      </p:sp>
-    </p:spTree>
-    <p:extLst>
-      <p:ext uri="{BB962C8B-B14F-4D97-AF65-F5344CB8AC3E}">
-        <p14:creationId xmlns:p14="http://schemas.microsoft.com/office/powerpoint/2010/main" val="637754367"/>
-      </p:ext>
-    </p:extLst>
-  </p:cSld>
-  <p:clrMapOvr>
-    <a:masterClrMapping/>
-  </p:clrMapOvr>
-  <p:timing>
-    <p:tnLst>
-      <p:par>
-        <p:cTn id="1" dur="indefinite" restart="never" nodeType="tmRoot"/>
-      </p:par>
-    </p:tnLst>
-  </p:timing>
-</p:sld>
-</file>
-
-<file path=ppt/slides/slide7.xml><?xml version="1.0" encoding="utf-8"?>
-<p:sld xmlns:a="http://schemas.openxmlformats.org/drawingml/2006/main" xmlns:r="http://schemas.openxmlformats.org/officeDocument/2006/relationships" xmlns:p="http://schemas.openxmlformats.org/presentationml/2006/main">
-  <p:cSld>
-    <p:spTree>
-      <p:nvGrpSpPr>
-        <p:cNvPr id="1" name=""/>
-        <p:cNvGrpSpPr/>
-        <p:nvPr/>
-      </p:nvGrpSpPr>
-      <p:grpSpPr>
-        <a:xfrm>
-          <a:off x="0" y="0"/>
-          <a:ext cx="0" cy="0"/>
-          <a:chOff x="0" y="0"/>
-          <a:chExt cx="0" cy="0"/>
-        </a:xfrm>
-      </p:grpSpPr>
-      <p:sp>
-        <p:nvSpPr>
-          <p:cNvPr id="2" name="Title 1"/>
-          <p:cNvSpPr>
-            <a:spLocks noGrp="1"/>
-          </p:cNvSpPr>
-          <p:nvPr>
-            <p:ph type="title"/>
-          </p:nvPr>
-        </p:nvSpPr>
-        <p:spPr/>
-        <p:txBody>
-          <a:bodyPr/>
-          <a:lstStyle/>
+          <a:p>
+            <a:endParaRPr lang="en-ZA" dirty="0" smtClean="0"/>
+          </a:p>
+          <a:p>
+            <a:endParaRPr lang="en-ZA" dirty="0"/>
+          </a:p>
+          <a:p>
+            <a:endParaRPr lang="en-ZA" dirty="0" smtClean="0"/>
+          </a:p>
           <a:p>
             <a:r>
               <a:rPr lang="en-ZA" dirty="0"/>
-              <a:t>Design Factors</a:t>
-            </a:r>
-          </a:p>
-        </p:txBody>
-      </p:sp>
-      <p:sp>
-        <p:nvSpPr>
-          <p:cNvPr id="3" name="Content Placeholder 2"/>
-          <p:cNvSpPr>
-            <a:spLocks noGrp="1"/>
-          </p:cNvSpPr>
-          <p:nvPr>
-            <p:ph idx="1"/>
-          </p:nvPr>
-        </p:nvSpPr>
-        <p:spPr/>
-        <p:txBody>
-          <a:bodyPr/>
-          <a:lstStyle/>
-          <a:p>
-            <a:endParaRPr lang="en-ZA" dirty="0"/>
-          </a:p>
-        </p:txBody>
-      </p:sp>
-    </p:spTree>
-    <p:extLst>
-      <p:ext uri="{BB962C8B-B14F-4D97-AF65-F5344CB8AC3E}">
-        <p14:creationId xmlns:p14="http://schemas.microsoft.com/office/powerpoint/2010/main" val="1595905196"/>
-      </p:ext>
-    </p:extLst>
-  </p:cSld>
-  <p:clrMapOvr>
-    <a:masterClrMapping/>
-  </p:clrMapOvr>
-  <p:timing>
-    <p:tnLst>
-      <p:par>
-        <p:cTn id="1" dur="indefinite" restart="never" nodeType="tmRoot"/>
-      </p:par>
-    </p:tnLst>
-  </p:timing>
-</p:sld>
-</file>
-
-<file path=ppt/slides/slide8.xml><?xml version="1.0" encoding="utf-8"?>
-<p:sld xmlns:a="http://schemas.openxmlformats.org/drawingml/2006/main" xmlns:r="http://schemas.openxmlformats.org/officeDocument/2006/relationships" xmlns:p="http://schemas.openxmlformats.org/presentationml/2006/main">
-  <p:cSld>
-    <p:spTree>
-      <p:nvGrpSpPr>
-        <p:cNvPr id="1" name=""/>
-        <p:cNvGrpSpPr/>
-        <p:nvPr/>
-      </p:nvGrpSpPr>
-      <p:grpSpPr>
-        <a:xfrm>
-          <a:off x="0" y="0"/>
-          <a:ext cx="0" cy="0"/>
-          <a:chOff x="0" y="0"/>
-          <a:chExt cx="0" cy="0"/>
-        </a:xfrm>
-      </p:grpSpPr>
-      <p:sp>
-        <p:nvSpPr>
-          <p:cNvPr id="2" name="Title 1"/>
-          <p:cNvSpPr>
-            <a:spLocks noGrp="1"/>
-          </p:cNvSpPr>
-          <p:nvPr>
-            <p:ph type="title"/>
-          </p:nvPr>
-        </p:nvSpPr>
-        <p:spPr/>
-        <p:txBody>
-          <a:bodyPr/>
-          <a:lstStyle/>
-          <a:p>
+              <a:t>Two priorities </a:t>
+            </a:r>
             <a:r>
               <a:rPr lang="en-ZA" dirty="0" smtClean="0"/>
-              <a:t>Design Parameters</a:t>
-            </a:r>
-            <a:endParaRPr lang="en-ZA" dirty="0"/>
-          </a:p>
-        </p:txBody>
-      </p:sp>
-      <p:sp>
-        <p:nvSpPr>
-          <p:cNvPr id="3" name="Content Placeholder 2"/>
-          <p:cNvSpPr>
-            <a:spLocks noGrp="1"/>
-          </p:cNvSpPr>
-          <p:nvPr>
-            <p:ph idx="1"/>
-          </p:nvPr>
-        </p:nvSpPr>
-        <p:spPr>
-          <a:xfrm>
-            <a:off x="2589212" y="1426464"/>
-            <a:ext cx="8915400" cy="4484758"/>
-          </a:xfrm>
-        </p:spPr>
-        <p:txBody>
-          <a:bodyPr>
-            <a:normAutofit fontScale="85000" lnSpcReduction="20000"/>
-          </a:bodyPr>
-          <a:lstStyle/>
-          <a:p>
+              <a:t>assigned</a:t>
+            </a:r>
+          </a:p>
+          <a:p>
+            <a:pPr lvl="1"/>
             <a:r>
               <a:rPr lang="en-ZA" dirty="0" smtClean="0"/>
-              <a:t>Service disciplines to be considered</a:t>
+              <a:t>High </a:t>
+            </a:r>
+            <a:r>
+              <a:rPr lang="en-ZA" dirty="0"/>
+              <a:t>priority	-	Highly valued customers and disabled customers</a:t>
             </a:r>
           </a:p>
           <a:p>
             <a:pPr lvl="1"/>
             <a:r>
+              <a:rPr lang="en-ZA" dirty="0"/>
+              <a:t>Low priority	-	Normal </a:t>
+            </a:r>
+            <a:r>
               <a:rPr lang="en-ZA" dirty="0" smtClean="0"/>
-              <a:t>First-in, first-out (FIFO)</a:t>
+              <a:t>customers</a:t>
             </a:r>
           </a:p>
           <a:p>
             <a:pPr lvl="1"/>
             <a:r>
               <a:rPr lang="en-ZA" dirty="0" smtClean="0"/>
-              <a:t>Shortest-process-first (SPF)</a:t>
-            </a:r>
-          </a:p>
-          <a:p>
-            <a:pPr lvl="1"/>
-            <a:r>
-              <a:rPr lang="en-ZA" dirty="0" smtClean="0"/>
-              <a:t>Highest-priority-first (HPF)</a:t>
-            </a:r>
-            <a:br>
-              <a:rPr lang="en-ZA" dirty="0" smtClean="0"/>
-            </a:br>
-            <a:endParaRPr lang="en-ZA" dirty="0" smtClean="0"/>
-          </a:p>
-          <a:p>
-            <a:r>
-              <a:rPr lang="en-ZA" dirty="0" smtClean="0"/>
-              <a:t>Peak times and off peak times</a:t>
-            </a:r>
-          </a:p>
-          <a:p>
-            <a:endParaRPr lang="en-ZA" dirty="0"/>
-          </a:p>
-          <a:p>
-            <a:endParaRPr lang="en-ZA" dirty="0" smtClean="0"/>
-          </a:p>
-          <a:p>
-            <a:endParaRPr lang="en-ZA" dirty="0"/>
-          </a:p>
-          <a:p>
-            <a:endParaRPr lang="en-ZA" dirty="0" smtClean="0"/>
-          </a:p>
-          <a:p>
-            <a:endParaRPr lang="en-ZA" dirty="0" smtClean="0"/>
-          </a:p>
-          <a:p>
-            <a:endParaRPr lang="en-ZA" dirty="0" smtClean="0"/>
-          </a:p>
-          <a:p>
-            <a:r>
-              <a:rPr lang="en-ZA" dirty="0" smtClean="0"/>
-              <a:t>Number </a:t>
-            </a:r>
-            <a:r>
-              <a:rPr lang="en-ZA" dirty="0"/>
-              <a:t>of servers</a:t>
-            </a:r>
-          </a:p>
-          <a:p>
-            <a:pPr lvl="1"/>
-            <a:r>
-              <a:rPr lang="en-ZA" dirty="0"/>
-              <a:t>5 in peak times</a:t>
-            </a:r>
-          </a:p>
-          <a:p>
-            <a:pPr lvl="1"/>
-            <a:r>
-              <a:rPr lang="en-ZA" dirty="0"/>
-              <a:t>3 in off-peak times</a:t>
-            </a:r>
-          </a:p>
-          <a:p>
-            <a:endParaRPr lang="en-ZA" dirty="0"/>
-          </a:p>
-          <a:p>
-            <a:endParaRPr lang="en-ZA" dirty="0" smtClean="0"/>
+              <a:t>High priority customers (5% of total customers)</a:t>
+            </a:r>
           </a:p>
           <a:p>
             <a:endParaRPr lang="en-ZA" dirty="0"/>
@@ -8837,20 +9428,20 @@
       </p:sp>
       <p:graphicFrame>
         <p:nvGraphicFramePr>
-          <p:cNvPr id="4" name="Table 3"/>
+          <p:cNvPr id="6" name="Table 5"/>
           <p:cNvGraphicFramePr>
             <a:graphicFrameLocks noGrp="1"/>
           </p:cNvGraphicFramePr>
           <p:nvPr>
             <p:extLst>
               <p:ext uri="{D42A27DB-BD31-4B8C-83A1-F6EECF244321}">
-                <p14:modId xmlns:p14="http://schemas.microsoft.com/office/powerpoint/2010/main" val="3538536114"/>
+                <p14:modId xmlns:p14="http://schemas.microsoft.com/office/powerpoint/2010/main" val="580185980"/>
               </p:ext>
             </p:extLst>
           </p:nvPr>
         </p:nvGraphicFramePr>
         <p:xfrm>
-          <a:off x="3056128" y="3115631"/>
+          <a:off x="2915451" y="2545080"/>
           <a:ext cx="5418666" cy="1584960"/>
         </p:xfrm>
         <a:graphic>
@@ -9067,7 +9658,7 @@
     </p:spTree>
     <p:extLst>
       <p:ext uri="{BB962C8B-B14F-4D97-AF65-F5344CB8AC3E}">
-        <p14:creationId xmlns:p14="http://schemas.microsoft.com/office/powerpoint/2010/main" val="1774076650"/>
+        <p14:creationId xmlns:p14="http://schemas.microsoft.com/office/powerpoint/2010/main" val="637754367"/>
       </p:ext>
     </p:extLst>
   </p:cSld>
@@ -9081,6 +9672,1102 @@
       </p:par>
     </p:tnLst>
   </p:timing>
+</p:sld>
+</file>
+
+<file path=ppt/slides/slide6.xml><?xml version="1.0" encoding="utf-8"?>
+<p:sld xmlns:a="http://schemas.openxmlformats.org/drawingml/2006/main" xmlns:r="http://schemas.openxmlformats.org/officeDocument/2006/relationships" xmlns:p="http://schemas.openxmlformats.org/presentationml/2006/main">
+  <p:cSld>
+    <p:spTree>
+      <p:nvGrpSpPr>
+        <p:cNvPr id="1" name=""/>
+        <p:cNvGrpSpPr/>
+        <p:nvPr/>
+      </p:nvGrpSpPr>
+      <p:grpSpPr>
+        <a:xfrm>
+          <a:off x="0" y="0"/>
+          <a:ext cx="0" cy="0"/>
+          <a:chOff x="0" y="0"/>
+          <a:chExt cx="0" cy="0"/>
+        </a:xfrm>
+      </p:grpSpPr>
+      <p:sp>
+        <p:nvSpPr>
+          <p:cNvPr id="2" name="Title 1"/>
+          <p:cNvSpPr>
+            <a:spLocks noGrp="1"/>
+          </p:cNvSpPr>
+          <p:nvPr>
+            <p:ph type="title"/>
+          </p:nvPr>
+        </p:nvSpPr>
+        <p:spPr/>
+        <p:txBody>
+          <a:bodyPr/>
+          <a:lstStyle/>
+          <a:p>
+            <a:r>
+              <a:rPr lang="en-ZA" dirty="0"/>
+              <a:t>Design Factors</a:t>
+            </a:r>
+          </a:p>
+        </p:txBody>
+      </p:sp>
+      <p:sp>
+        <p:nvSpPr>
+          <p:cNvPr id="3" name="Content Placeholder 2"/>
+          <p:cNvSpPr>
+            <a:spLocks noGrp="1"/>
+          </p:cNvSpPr>
+          <p:nvPr>
+            <p:ph idx="1"/>
+          </p:nvPr>
+        </p:nvSpPr>
+        <p:spPr>
+          <a:xfrm>
+            <a:off x="2589212" y="1389186"/>
+            <a:ext cx="8915400" cy="5187460"/>
+          </a:xfrm>
+        </p:spPr>
+        <p:txBody>
+          <a:bodyPr>
+            <a:normAutofit/>
+          </a:bodyPr>
+          <a:lstStyle/>
+          <a:p>
+            <a:r>
+              <a:rPr lang="en-ZA" dirty="0" smtClean="0"/>
+              <a:t>Service process</a:t>
+            </a:r>
+          </a:p>
+          <a:p>
+            <a:pPr lvl="1"/>
+            <a:r>
+              <a:rPr lang="en-ZA" dirty="0" smtClean="0"/>
+              <a:t>Service time depends on type of service required</a:t>
+            </a:r>
+            <a:br>
+              <a:rPr lang="en-ZA" dirty="0" smtClean="0"/>
+            </a:br>
+            <a:r>
+              <a:rPr lang="en-ZA" dirty="0" smtClean="0"/>
+              <a:t/>
+            </a:r>
+            <a:br>
+              <a:rPr lang="en-ZA" dirty="0" smtClean="0"/>
+            </a:br>
+            <a:r>
+              <a:rPr lang="en-ZA" dirty="0" smtClean="0"/>
+              <a:t/>
+            </a:r>
+            <a:br>
+              <a:rPr lang="en-ZA" dirty="0" smtClean="0"/>
+            </a:br>
+            <a:r>
+              <a:rPr lang="en-ZA" dirty="0" smtClean="0"/>
+              <a:t/>
+            </a:r>
+            <a:br>
+              <a:rPr lang="en-ZA" dirty="0" smtClean="0"/>
+            </a:br>
+            <a:r>
+              <a:rPr lang="en-ZA" dirty="0" smtClean="0"/>
+              <a:t/>
+            </a:r>
+            <a:br>
+              <a:rPr lang="en-ZA" dirty="0" smtClean="0"/>
+            </a:br>
+            <a:r>
+              <a:rPr lang="en-ZA" dirty="0" smtClean="0"/>
+              <a:t/>
+            </a:r>
+            <a:br>
+              <a:rPr lang="en-ZA" dirty="0" smtClean="0"/>
+            </a:br>
+            <a:r>
+              <a:rPr lang="en-ZA" dirty="0" smtClean="0"/>
+              <a:t/>
+            </a:r>
+            <a:br>
+              <a:rPr lang="en-ZA" dirty="0" smtClean="0"/>
+            </a:br>
+            <a:r>
+              <a:rPr lang="en-ZA" dirty="0" smtClean="0"/>
+              <a:t/>
+            </a:r>
+            <a:br>
+              <a:rPr lang="en-ZA" dirty="0" smtClean="0"/>
+            </a:br>
+            <a:r>
+              <a:rPr lang="en-ZA" dirty="0" smtClean="0"/>
+              <a:t/>
+            </a:r>
+            <a:br>
+              <a:rPr lang="en-ZA" dirty="0" smtClean="0"/>
+            </a:br>
+            <a:r>
+              <a:rPr lang="en-ZA" dirty="0" smtClean="0"/>
+              <a:t/>
+            </a:r>
+            <a:br>
+              <a:rPr lang="en-ZA" dirty="0" smtClean="0"/>
+            </a:br>
+            <a:r>
+              <a:rPr lang="en-ZA" dirty="0" smtClean="0"/>
+              <a:t/>
+            </a:r>
+            <a:br>
+              <a:rPr lang="en-ZA" dirty="0" smtClean="0"/>
+            </a:br>
+            <a:endParaRPr lang="en-ZA" dirty="0" smtClean="0"/>
+          </a:p>
+          <a:p>
+            <a:pPr lvl="1"/>
+            <a:r>
+              <a:rPr lang="en-ZA" dirty="0" smtClean="0"/>
+              <a:t>Priority customers served without pre-emption and skip the line to the front.</a:t>
+            </a:r>
+            <a:br>
+              <a:rPr lang="en-ZA" dirty="0" smtClean="0"/>
+            </a:br>
+            <a:endParaRPr lang="en-ZA" dirty="0" smtClean="0"/>
+          </a:p>
+          <a:p>
+            <a:r>
+              <a:rPr lang="en-ZA" dirty="0" smtClean="0"/>
+              <a:t>Two servers will be used (ticket systems)</a:t>
+            </a:r>
+            <a:endParaRPr lang="en-ZA" dirty="0"/>
+          </a:p>
+          <a:p>
+            <a:pPr marL="0" indent="0">
+              <a:buNone/>
+            </a:pPr>
+            <a:endParaRPr lang="en-ZA" dirty="0" smtClean="0"/>
+          </a:p>
+          <a:p>
+            <a:pPr lvl="1"/>
+            <a:endParaRPr lang="en-ZA" dirty="0" smtClean="0"/>
+          </a:p>
+          <a:p>
+            <a:endParaRPr lang="en-ZA" dirty="0" smtClean="0"/>
+          </a:p>
+          <a:p>
+            <a:pPr marL="457200" lvl="1" indent="0">
+              <a:buNone/>
+            </a:pPr>
+            <a:endParaRPr lang="en-ZA" dirty="0" smtClean="0"/>
+          </a:p>
+          <a:p>
+            <a:pPr lvl="1"/>
+            <a:endParaRPr lang="en-ZA" dirty="0" smtClean="0"/>
+          </a:p>
+          <a:p>
+            <a:pPr lvl="1"/>
+            <a:endParaRPr lang="en-ZA" dirty="0" smtClean="0"/>
+          </a:p>
+          <a:p>
+            <a:pPr lvl="1"/>
+            <a:endParaRPr lang="en-ZA" dirty="0"/>
+          </a:p>
+        </p:txBody>
+      </p:sp>
+      <p:graphicFrame>
+        <p:nvGraphicFramePr>
+          <p:cNvPr id="5" name="Table 4"/>
+          <p:cNvGraphicFramePr>
+            <a:graphicFrameLocks noGrp="1"/>
+          </p:cNvGraphicFramePr>
+          <p:nvPr>
+            <p:extLst>
+              <p:ext uri="{D42A27DB-BD31-4B8C-83A1-F6EECF244321}">
+                <p14:modId xmlns:p14="http://schemas.microsoft.com/office/powerpoint/2010/main" val="2673704707"/>
+              </p:ext>
+            </p:extLst>
+          </p:nvPr>
+        </p:nvGraphicFramePr>
+        <p:xfrm>
+          <a:off x="3437793" y="2305684"/>
+          <a:ext cx="6810132" cy="2225040"/>
+        </p:xfrm>
+        <a:graphic>
+          <a:graphicData uri="http://schemas.openxmlformats.org/drawingml/2006/table">
+            <a:tbl>
+              <a:tblPr firstRow="1" bandRow="1">
+                <a:tableStyleId>{5C22544A-7EE6-4342-B048-85BDC9FD1C3A}</a:tableStyleId>
+              </a:tblPr>
+              <a:tblGrid>
+                <a:gridCol w="3405066">
+                  <a:extLst>
+                    <a:ext uri="{9D8B030D-6E8A-4147-A177-3AD203B41FA5}">
+                      <a16:colId xmlns:a16="http://schemas.microsoft.com/office/drawing/2014/main" val="313556885"/>
+                    </a:ext>
+                  </a:extLst>
+                </a:gridCol>
+                <a:gridCol w="3405066">
+                  <a:extLst>
+                    <a:ext uri="{9D8B030D-6E8A-4147-A177-3AD203B41FA5}">
+                      <a16:colId xmlns:a16="http://schemas.microsoft.com/office/drawing/2014/main" val="4257171781"/>
+                    </a:ext>
+                  </a:extLst>
+                </a:gridCol>
+              </a:tblGrid>
+              <a:tr h="370840">
+                <a:tc>
+                  <a:txBody>
+                    <a:bodyPr/>
+                    <a:lstStyle/>
+                    <a:p>
+                      <a:r>
+                        <a:rPr lang="en-US" dirty="0" smtClean="0"/>
+                        <a:t>Service</a:t>
+                      </a:r>
+                      <a:endParaRPr lang="es-NI" dirty="0"/>
+                    </a:p>
+                  </a:txBody>
+                  <a:tcPr/>
+                </a:tc>
+                <a:tc>
+                  <a:txBody>
+                    <a:bodyPr/>
+                    <a:lstStyle/>
+                    <a:p>
+                      <a:r>
+                        <a:rPr lang="en-US" dirty="0" smtClean="0"/>
+                        <a:t>Time</a:t>
+                      </a:r>
+                      <a:r>
+                        <a:rPr lang="en-US" baseline="0" dirty="0" smtClean="0"/>
+                        <a:t> required (minutes)</a:t>
+                      </a:r>
+                      <a:endParaRPr lang="es-NI" dirty="0"/>
+                    </a:p>
+                  </a:txBody>
+                  <a:tcPr/>
+                </a:tc>
+                <a:extLst>
+                  <a:ext uri="{0D108BD9-81ED-4DB2-BD59-A6C34878D82A}">
+                    <a16:rowId xmlns:a16="http://schemas.microsoft.com/office/drawing/2014/main" val="2224254744"/>
+                  </a:ext>
+                </a:extLst>
+              </a:tr>
+              <a:tr h="370840">
+                <a:tc>
+                  <a:txBody>
+                    <a:bodyPr/>
+                    <a:lstStyle/>
+                    <a:p>
+                      <a:r>
+                        <a:rPr lang="en-US" dirty="0" smtClean="0"/>
+                        <a:t>Require</a:t>
+                      </a:r>
+                      <a:r>
+                        <a:rPr lang="en-US" baseline="0" dirty="0" smtClean="0"/>
+                        <a:t> banking statements</a:t>
+                      </a:r>
+                      <a:endParaRPr lang="es-NI" dirty="0"/>
+                    </a:p>
+                  </a:txBody>
+                  <a:tcPr/>
+                </a:tc>
+                <a:tc>
+                  <a:txBody>
+                    <a:bodyPr/>
+                    <a:lstStyle/>
+                    <a:p>
+                      <a:pPr algn="ctr"/>
+                      <a:r>
+                        <a:rPr lang="en-US" dirty="0" smtClean="0"/>
+                        <a:t>1</a:t>
+                      </a:r>
+                      <a:endParaRPr lang="es-NI" dirty="0"/>
+                    </a:p>
+                  </a:txBody>
+                  <a:tcPr/>
+                </a:tc>
+                <a:extLst>
+                  <a:ext uri="{0D108BD9-81ED-4DB2-BD59-A6C34878D82A}">
+                    <a16:rowId xmlns:a16="http://schemas.microsoft.com/office/drawing/2014/main" val="3657150828"/>
+                  </a:ext>
+                </a:extLst>
+              </a:tr>
+              <a:tr h="370840">
+                <a:tc>
+                  <a:txBody>
+                    <a:bodyPr/>
+                    <a:lstStyle/>
+                    <a:p>
+                      <a:r>
+                        <a:rPr lang="en-US" dirty="0" smtClean="0"/>
+                        <a:t>Deposits and withdrawals</a:t>
+                      </a:r>
+                      <a:endParaRPr lang="es-NI" dirty="0"/>
+                    </a:p>
+                  </a:txBody>
+                  <a:tcPr/>
+                </a:tc>
+                <a:tc>
+                  <a:txBody>
+                    <a:bodyPr/>
+                    <a:lstStyle/>
+                    <a:p>
+                      <a:pPr algn="ctr"/>
+                      <a:r>
+                        <a:rPr lang="en-US" dirty="0" smtClean="0"/>
+                        <a:t>2</a:t>
+                      </a:r>
+                      <a:endParaRPr lang="es-NI" dirty="0"/>
+                    </a:p>
+                  </a:txBody>
+                  <a:tcPr/>
+                </a:tc>
+                <a:extLst>
+                  <a:ext uri="{0D108BD9-81ED-4DB2-BD59-A6C34878D82A}">
+                    <a16:rowId xmlns:a16="http://schemas.microsoft.com/office/drawing/2014/main" val="2833837006"/>
+                  </a:ext>
+                </a:extLst>
+              </a:tr>
+              <a:tr h="370840">
+                <a:tc>
+                  <a:txBody>
+                    <a:bodyPr/>
+                    <a:lstStyle/>
+                    <a:p>
+                      <a:r>
+                        <a:rPr lang="en-US" dirty="0" smtClean="0"/>
+                        <a:t>General banking services</a:t>
+                      </a:r>
+                      <a:endParaRPr lang="es-NI" dirty="0"/>
+                    </a:p>
+                  </a:txBody>
+                  <a:tcPr/>
+                </a:tc>
+                <a:tc>
+                  <a:txBody>
+                    <a:bodyPr/>
+                    <a:lstStyle/>
+                    <a:p>
+                      <a:pPr algn="ctr"/>
+                      <a:r>
+                        <a:rPr lang="en-US" dirty="0" smtClean="0"/>
+                        <a:t>2.5</a:t>
+                      </a:r>
+                      <a:endParaRPr lang="es-NI" dirty="0"/>
+                    </a:p>
+                  </a:txBody>
+                  <a:tcPr/>
+                </a:tc>
+                <a:extLst>
+                  <a:ext uri="{0D108BD9-81ED-4DB2-BD59-A6C34878D82A}">
+                    <a16:rowId xmlns:a16="http://schemas.microsoft.com/office/drawing/2014/main" val="660879996"/>
+                  </a:ext>
+                </a:extLst>
+              </a:tr>
+              <a:tr h="370840">
+                <a:tc>
+                  <a:txBody>
+                    <a:bodyPr/>
+                    <a:lstStyle/>
+                    <a:p>
+                      <a:r>
+                        <a:rPr lang="en-US" dirty="0" smtClean="0"/>
+                        <a:t>New</a:t>
+                      </a:r>
+                      <a:r>
+                        <a:rPr lang="en-US" baseline="0" dirty="0" smtClean="0"/>
+                        <a:t> account</a:t>
+                      </a:r>
+                      <a:endParaRPr lang="es-NI" dirty="0"/>
+                    </a:p>
+                  </a:txBody>
+                  <a:tcPr/>
+                </a:tc>
+                <a:tc>
+                  <a:txBody>
+                    <a:bodyPr/>
+                    <a:lstStyle/>
+                    <a:p>
+                      <a:pPr algn="ctr"/>
+                      <a:r>
+                        <a:rPr lang="en-US" dirty="0" smtClean="0"/>
+                        <a:t>3</a:t>
+                      </a:r>
+                      <a:endParaRPr lang="es-NI" dirty="0"/>
+                    </a:p>
+                  </a:txBody>
+                  <a:tcPr/>
+                </a:tc>
+                <a:extLst>
+                  <a:ext uri="{0D108BD9-81ED-4DB2-BD59-A6C34878D82A}">
+                    <a16:rowId xmlns:a16="http://schemas.microsoft.com/office/drawing/2014/main" val="252460736"/>
+                  </a:ext>
+                </a:extLst>
+              </a:tr>
+              <a:tr h="370840">
+                <a:tc>
+                  <a:txBody>
+                    <a:bodyPr/>
+                    <a:lstStyle/>
+                    <a:p>
+                      <a:r>
+                        <a:rPr lang="en-US" dirty="0" smtClean="0"/>
+                        <a:t>Loans</a:t>
+                      </a:r>
+                      <a:endParaRPr lang="es-NI" dirty="0"/>
+                    </a:p>
+                  </a:txBody>
+                  <a:tcPr/>
+                </a:tc>
+                <a:tc>
+                  <a:txBody>
+                    <a:bodyPr/>
+                    <a:lstStyle/>
+                    <a:p>
+                      <a:pPr algn="ctr"/>
+                      <a:r>
+                        <a:rPr lang="en-US" dirty="0" smtClean="0"/>
+                        <a:t>5</a:t>
+                      </a:r>
+                      <a:endParaRPr lang="es-NI" dirty="0"/>
+                    </a:p>
+                  </a:txBody>
+                  <a:tcPr/>
+                </a:tc>
+                <a:extLst>
+                  <a:ext uri="{0D108BD9-81ED-4DB2-BD59-A6C34878D82A}">
+                    <a16:rowId xmlns:a16="http://schemas.microsoft.com/office/drawing/2014/main" val="3028532627"/>
+                  </a:ext>
+                </a:extLst>
+              </a:tr>
+            </a:tbl>
+          </a:graphicData>
+        </a:graphic>
+      </p:graphicFrame>
+    </p:spTree>
+    <p:extLst>
+      <p:ext uri="{BB962C8B-B14F-4D97-AF65-F5344CB8AC3E}">
+        <p14:creationId xmlns:p14="http://schemas.microsoft.com/office/powerpoint/2010/main" val="1595905196"/>
+      </p:ext>
+    </p:extLst>
+  </p:cSld>
+  <p:clrMapOvr>
+    <a:masterClrMapping/>
+  </p:clrMapOvr>
+  <p:timing>
+    <p:tnLst>
+      <p:par>
+        <p:cTn id="1" dur="indefinite" restart="never" nodeType="tmRoot"/>
+      </p:par>
+    </p:tnLst>
+  </p:timing>
+</p:sld>
+</file>
+
+<file path=ppt/slides/slide7.xml><?xml version="1.0" encoding="utf-8"?>
+<p:sld xmlns:a="http://schemas.openxmlformats.org/drawingml/2006/main" xmlns:r="http://schemas.openxmlformats.org/officeDocument/2006/relationships" xmlns:p="http://schemas.openxmlformats.org/presentationml/2006/main">
+  <p:cSld>
+    <p:spTree>
+      <p:nvGrpSpPr>
+        <p:cNvPr id="1" name=""/>
+        <p:cNvGrpSpPr/>
+        <p:nvPr/>
+      </p:nvGrpSpPr>
+      <p:grpSpPr>
+        <a:xfrm>
+          <a:off x="0" y="0"/>
+          <a:ext cx="0" cy="0"/>
+          <a:chOff x="0" y="0"/>
+          <a:chExt cx="0" cy="0"/>
+        </a:xfrm>
+      </p:grpSpPr>
+      <p:sp>
+        <p:nvSpPr>
+          <p:cNvPr id="2" name="Title 1"/>
+          <p:cNvSpPr>
+            <a:spLocks noGrp="1"/>
+          </p:cNvSpPr>
+          <p:nvPr>
+            <p:ph type="title"/>
+          </p:nvPr>
+        </p:nvSpPr>
+        <p:spPr>
+          <a:xfrm>
+            <a:off x="2592925" y="624110"/>
+            <a:ext cx="8911687" cy="668359"/>
+          </a:xfrm>
+        </p:spPr>
+        <p:txBody>
+          <a:bodyPr/>
+          <a:lstStyle/>
+          <a:p>
+            <a:r>
+              <a:rPr lang="en-ZA" dirty="0"/>
+              <a:t>Design Factors</a:t>
+            </a:r>
+            <a:endParaRPr lang="es-NI" dirty="0"/>
+          </a:p>
+        </p:txBody>
+      </p:sp>
+      <p:sp>
+        <p:nvSpPr>
+          <p:cNvPr id="3" name="Content Placeholder 2"/>
+          <p:cNvSpPr>
+            <a:spLocks noGrp="1"/>
+          </p:cNvSpPr>
+          <p:nvPr>
+            <p:ph idx="1"/>
+          </p:nvPr>
+        </p:nvSpPr>
+        <p:spPr>
+          <a:xfrm>
+            <a:off x="2589212" y="1292468"/>
+            <a:ext cx="8915400" cy="5037993"/>
+          </a:xfrm>
+        </p:spPr>
+        <p:txBody>
+          <a:bodyPr>
+            <a:normAutofit fontScale="92500" lnSpcReduction="20000"/>
+          </a:bodyPr>
+          <a:lstStyle/>
+          <a:p>
+            <a:r>
+              <a:rPr lang="en-US" dirty="0" smtClean="0"/>
+              <a:t>Two queues will be used and two cases will be evaluated</a:t>
+            </a:r>
+          </a:p>
+          <a:p>
+            <a:pPr lvl="1"/>
+            <a:r>
+              <a:rPr lang="en-US" dirty="0" smtClean="0"/>
+              <a:t>First case</a:t>
+            </a:r>
+          </a:p>
+          <a:p>
+            <a:pPr marL="457200" lvl="1" indent="0">
+              <a:buNone/>
+            </a:pPr>
+            <a:r>
+              <a:rPr lang="en-US" dirty="0" smtClean="0"/>
+              <a:t/>
+            </a:r>
+            <a:br>
+              <a:rPr lang="en-US" dirty="0" smtClean="0"/>
+            </a:br>
+            <a:r>
+              <a:rPr lang="en-US" dirty="0" smtClean="0"/>
+              <a:t/>
+            </a:r>
+            <a:br>
+              <a:rPr lang="en-US" dirty="0" smtClean="0"/>
+            </a:br>
+            <a:r>
+              <a:rPr lang="en-US" dirty="0" smtClean="0"/>
+              <a:t/>
+            </a:r>
+            <a:br>
+              <a:rPr lang="en-US" dirty="0" smtClean="0"/>
+            </a:br>
+            <a:r>
+              <a:rPr lang="en-US" dirty="0" smtClean="0"/>
+              <a:t/>
+            </a:r>
+            <a:br>
+              <a:rPr lang="en-US" dirty="0" smtClean="0"/>
+            </a:br>
+            <a:r>
+              <a:rPr lang="en-US" dirty="0" smtClean="0"/>
+              <a:t/>
+            </a:r>
+            <a:br>
+              <a:rPr lang="en-US" dirty="0" smtClean="0"/>
+            </a:br>
+            <a:r>
+              <a:rPr lang="en-US" dirty="0" smtClean="0"/>
+              <a:t/>
+            </a:r>
+            <a:br>
+              <a:rPr lang="en-US" dirty="0" smtClean="0"/>
+            </a:br>
+            <a:r>
+              <a:rPr lang="en-US" dirty="0" smtClean="0"/>
+              <a:t/>
+            </a:r>
+            <a:br>
+              <a:rPr lang="en-US" dirty="0" smtClean="0"/>
+            </a:br>
+            <a:r>
+              <a:rPr lang="en-US" dirty="0" smtClean="0"/>
+              <a:t/>
+            </a:r>
+            <a:br>
+              <a:rPr lang="en-US" dirty="0" smtClean="0"/>
+            </a:br>
+            <a:r>
+              <a:rPr lang="en-US" dirty="0" smtClean="0"/>
+              <a:t/>
+            </a:r>
+            <a:br>
+              <a:rPr lang="en-US" dirty="0" smtClean="0"/>
+            </a:br>
+            <a:r>
+              <a:rPr lang="en-US" dirty="0" smtClean="0"/>
+              <a:t/>
+            </a:r>
+            <a:br>
+              <a:rPr lang="en-US" dirty="0" smtClean="0"/>
+            </a:br>
+            <a:r>
+              <a:rPr lang="en-US" dirty="0" smtClean="0"/>
+              <a:t/>
+            </a:r>
+            <a:br>
+              <a:rPr lang="en-US" dirty="0" smtClean="0"/>
+            </a:br>
+            <a:r>
+              <a:rPr lang="en-US" dirty="0" smtClean="0"/>
+              <a:t/>
+            </a:r>
+            <a:br>
+              <a:rPr lang="en-US" dirty="0" smtClean="0"/>
+            </a:br>
+            <a:endParaRPr lang="en-US" dirty="0" smtClean="0"/>
+          </a:p>
+          <a:p>
+            <a:pPr lvl="1"/>
+            <a:r>
+              <a:rPr lang="en-US" dirty="0" smtClean="0"/>
+              <a:t>Second case</a:t>
+            </a:r>
+          </a:p>
+          <a:p>
+            <a:pPr lvl="2"/>
+            <a:r>
+              <a:rPr lang="en-US" dirty="0" smtClean="0"/>
+              <a:t>Both servers provides all the services available</a:t>
+            </a:r>
+          </a:p>
+          <a:p>
+            <a:r>
+              <a:rPr lang="en-US" dirty="0" smtClean="0"/>
+              <a:t>Assume customers do no leave queue</a:t>
+            </a:r>
+          </a:p>
+          <a:p>
+            <a:r>
+              <a:rPr lang="en-US" dirty="0" smtClean="0"/>
+              <a:t>Assume an infinite amount of waiting places</a:t>
+            </a:r>
+          </a:p>
+          <a:p>
+            <a:r>
+              <a:rPr lang="en-US" dirty="0" smtClean="0"/>
+              <a:t>Assume customers of each priority serviced with first-in, first-out (FIFO) discipline.</a:t>
+            </a:r>
+            <a:endParaRPr lang="es-NI" dirty="0"/>
+          </a:p>
+        </p:txBody>
+      </p:sp>
+      <p:graphicFrame>
+        <p:nvGraphicFramePr>
+          <p:cNvPr id="4" name="Table 3"/>
+          <p:cNvGraphicFramePr>
+            <a:graphicFrameLocks noGrp="1"/>
+          </p:cNvGraphicFramePr>
+          <p:nvPr>
+            <p:extLst>
+              <p:ext uri="{D42A27DB-BD31-4B8C-83A1-F6EECF244321}">
+                <p14:modId xmlns:p14="http://schemas.microsoft.com/office/powerpoint/2010/main" val="1921720872"/>
+              </p:ext>
+            </p:extLst>
+          </p:nvPr>
+        </p:nvGraphicFramePr>
+        <p:xfrm>
+          <a:off x="3376612" y="2083777"/>
+          <a:ext cx="8128000" cy="2103120"/>
+        </p:xfrm>
+        <a:graphic>
+          <a:graphicData uri="http://schemas.openxmlformats.org/drawingml/2006/table">
+            <a:tbl>
+              <a:tblPr firstRow="1" bandRow="1">
+                <a:tableStyleId>{5C22544A-7EE6-4342-B048-85BDC9FD1C3A}</a:tableStyleId>
+              </a:tblPr>
+              <a:tblGrid>
+                <a:gridCol w="4064000">
+                  <a:extLst>
+                    <a:ext uri="{9D8B030D-6E8A-4147-A177-3AD203B41FA5}">
+                      <a16:colId xmlns:a16="http://schemas.microsoft.com/office/drawing/2014/main" val="3293932245"/>
+                    </a:ext>
+                  </a:extLst>
+                </a:gridCol>
+                <a:gridCol w="4064000">
+                  <a:extLst>
+                    <a:ext uri="{9D8B030D-6E8A-4147-A177-3AD203B41FA5}">
+                      <a16:colId xmlns:a16="http://schemas.microsoft.com/office/drawing/2014/main" val="3498177314"/>
+                    </a:ext>
+                  </a:extLst>
+                </a:gridCol>
+              </a:tblGrid>
+              <a:tr h="158521">
+                <a:tc>
+                  <a:txBody>
+                    <a:bodyPr/>
+                    <a:lstStyle/>
+                    <a:p>
+                      <a:r>
+                        <a:rPr lang="en-US" dirty="0" smtClean="0"/>
+                        <a:t>Peak hours</a:t>
+                      </a:r>
+                      <a:endParaRPr lang="es-NI" dirty="0"/>
+                    </a:p>
+                  </a:txBody>
+                  <a:tcPr/>
+                </a:tc>
+                <a:tc>
+                  <a:txBody>
+                    <a:bodyPr/>
+                    <a:lstStyle/>
+                    <a:p>
+                      <a:r>
+                        <a:rPr lang="en-US" dirty="0" smtClean="0"/>
+                        <a:t>Off-peak hours</a:t>
+                      </a:r>
+                      <a:endParaRPr lang="es-NI" dirty="0"/>
+                    </a:p>
+                  </a:txBody>
+                  <a:tcPr/>
+                </a:tc>
+                <a:extLst>
+                  <a:ext uri="{0D108BD9-81ED-4DB2-BD59-A6C34878D82A}">
+                    <a16:rowId xmlns:a16="http://schemas.microsoft.com/office/drawing/2014/main" val="3478115323"/>
+                  </a:ext>
+                </a:extLst>
+              </a:tr>
+              <a:tr h="370840">
+                <a:tc>
+                  <a:txBody>
+                    <a:bodyPr/>
+                    <a:lstStyle/>
+                    <a:p>
+                      <a:pPr marL="285750" marR="0" lvl="0" indent="-285750" algn="l" defTabSz="457200" rtl="0" eaLnBrk="1" fontAlgn="auto" latinLnBrk="0" hangingPunct="1">
+                        <a:lnSpc>
+                          <a:spcPct val="100000"/>
+                        </a:lnSpc>
+                        <a:spcBef>
+                          <a:spcPts val="0"/>
+                        </a:spcBef>
+                        <a:spcAft>
+                          <a:spcPts val="0"/>
+                        </a:spcAft>
+                        <a:buClrTx/>
+                        <a:buSzTx/>
+                        <a:buFont typeface="Arial" panose="020B0604020202020204" pitchFamily="34" charset="0"/>
+                        <a:buChar char="•"/>
+                        <a:tabLst/>
+                        <a:defRPr/>
+                      </a:pPr>
+                      <a:r>
+                        <a:rPr lang="en-US" dirty="0" smtClean="0"/>
+                        <a:t>Q</a:t>
+                      </a:r>
+                      <a:r>
+                        <a:rPr lang="en-US" baseline="0" dirty="0" smtClean="0"/>
+                        <a:t>ueue for </a:t>
+                      </a:r>
+                      <a:r>
+                        <a:rPr lang="en-US" baseline="0" dirty="0" smtClean="0"/>
+                        <a:t>banking statements, </a:t>
+                      </a:r>
+                      <a:r>
+                        <a:rPr lang="en-US" dirty="0" smtClean="0"/>
+                        <a:t>deposits, withdrawals and general banking services.</a:t>
+                      </a:r>
+                    </a:p>
+                    <a:p>
+                      <a:pPr marL="285750" marR="0" lvl="0" indent="-285750" algn="l" defTabSz="457200" rtl="0" eaLnBrk="1" fontAlgn="auto" latinLnBrk="0" hangingPunct="1">
+                        <a:lnSpc>
+                          <a:spcPct val="100000"/>
+                        </a:lnSpc>
+                        <a:spcBef>
+                          <a:spcPts val="0"/>
+                        </a:spcBef>
+                        <a:spcAft>
+                          <a:spcPts val="0"/>
+                        </a:spcAft>
+                        <a:buClrTx/>
+                        <a:buSzTx/>
+                        <a:buFont typeface="Arial" panose="020B0604020202020204" pitchFamily="34" charset="0"/>
+                        <a:buChar char="•"/>
+                        <a:tabLst/>
+                        <a:defRPr/>
+                      </a:pPr>
+                      <a:endParaRPr lang="en-US" dirty="0" smtClean="0"/>
+                    </a:p>
+                    <a:p>
+                      <a:pPr marL="285750" marR="0" lvl="0" indent="-285750" algn="l" defTabSz="457200" rtl="0" eaLnBrk="1" fontAlgn="auto" latinLnBrk="0" hangingPunct="1">
+                        <a:lnSpc>
+                          <a:spcPct val="100000"/>
+                        </a:lnSpc>
+                        <a:spcBef>
+                          <a:spcPts val="0"/>
+                        </a:spcBef>
+                        <a:spcAft>
+                          <a:spcPts val="0"/>
+                        </a:spcAft>
+                        <a:buClrTx/>
+                        <a:buSzTx/>
+                        <a:buFont typeface="Arial" panose="020B0604020202020204" pitchFamily="34" charset="0"/>
+                        <a:buChar char="•"/>
+                        <a:tabLst/>
+                        <a:defRPr/>
+                      </a:pPr>
+                      <a:r>
+                        <a:rPr lang="en-US" dirty="0" smtClean="0"/>
+                        <a:t>Queue</a:t>
+                      </a:r>
+                      <a:r>
+                        <a:rPr lang="en-US" baseline="0" dirty="0" smtClean="0"/>
+                        <a:t> for new accounts and loans.</a:t>
+                      </a:r>
+                      <a:endParaRPr lang="en-US" baseline="0" dirty="0" smtClean="0"/>
+                    </a:p>
+                  </a:txBody>
+                  <a:tcPr/>
+                </a:tc>
+                <a:tc>
+                  <a:txBody>
+                    <a:bodyPr/>
+                    <a:lstStyle/>
+                    <a:p>
+                      <a:pPr marL="285750" indent="-285750">
+                        <a:buFont typeface="Arial" panose="020B0604020202020204" pitchFamily="34" charset="0"/>
+                        <a:buChar char="•"/>
+                      </a:pPr>
+                      <a:r>
+                        <a:rPr lang="en-US" dirty="0" smtClean="0"/>
+                        <a:t>Two queues</a:t>
+                      </a:r>
+                      <a:r>
+                        <a:rPr lang="en-US" baseline="0" dirty="0" smtClean="0"/>
+                        <a:t> with identical services.</a:t>
+                      </a:r>
+                    </a:p>
+                    <a:p>
+                      <a:pPr marL="0" indent="0">
+                        <a:buFont typeface="Arial" panose="020B0604020202020204" pitchFamily="34" charset="0"/>
+                        <a:buNone/>
+                      </a:pPr>
+                      <a:endParaRPr lang="en-US" baseline="0" dirty="0" smtClean="0"/>
+                    </a:p>
+                    <a:p>
+                      <a:pPr marL="285750" indent="-285750">
+                        <a:buFont typeface="Arial" panose="020B0604020202020204" pitchFamily="34" charset="0"/>
+                        <a:buChar char="•"/>
+                      </a:pPr>
+                      <a:r>
+                        <a:rPr lang="en-US" baseline="0" dirty="0" smtClean="0"/>
+                        <a:t>Assume customers pick the shortest queue.</a:t>
+                      </a:r>
+                      <a:endParaRPr lang="es-NI" dirty="0"/>
+                    </a:p>
+                  </a:txBody>
+                  <a:tcPr/>
+                </a:tc>
+                <a:extLst>
+                  <a:ext uri="{0D108BD9-81ED-4DB2-BD59-A6C34878D82A}">
+                    <a16:rowId xmlns:a16="http://schemas.microsoft.com/office/drawing/2014/main" val="791407645"/>
+                  </a:ext>
+                </a:extLst>
+              </a:tr>
+            </a:tbl>
+          </a:graphicData>
+        </a:graphic>
+      </p:graphicFrame>
+    </p:spTree>
+    <p:extLst>
+      <p:ext uri="{BB962C8B-B14F-4D97-AF65-F5344CB8AC3E}">
+        <p14:creationId xmlns:p14="http://schemas.microsoft.com/office/powerpoint/2010/main" val="1018176410"/>
+      </p:ext>
+    </p:extLst>
+  </p:cSld>
+  <p:clrMapOvr>
+    <a:masterClrMapping/>
+  </p:clrMapOvr>
+</p:sld>
+</file>
+
+<file path=ppt/slides/slide8.xml><?xml version="1.0" encoding="utf-8"?>
+<p:sld xmlns:a="http://schemas.openxmlformats.org/drawingml/2006/main" xmlns:r="http://schemas.openxmlformats.org/officeDocument/2006/relationships" xmlns:p="http://schemas.openxmlformats.org/presentationml/2006/main">
+  <p:cSld>
+    <p:spTree>
+      <p:nvGrpSpPr>
+        <p:cNvPr id="1" name=""/>
+        <p:cNvGrpSpPr/>
+        <p:nvPr/>
+      </p:nvGrpSpPr>
+      <p:grpSpPr>
+        <a:xfrm>
+          <a:off x="0" y="0"/>
+          <a:ext cx="0" cy="0"/>
+          <a:chOff x="0" y="0"/>
+          <a:chExt cx="0" cy="0"/>
+        </a:xfrm>
+      </p:grpSpPr>
+      <p:sp>
+        <p:nvSpPr>
+          <p:cNvPr id="7" name="Title 1"/>
+          <p:cNvSpPr>
+            <a:spLocks noGrp="1"/>
+          </p:cNvSpPr>
+          <p:nvPr>
+            <p:ph type="title"/>
+          </p:nvPr>
+        </p:nvSpPr>
+        <p:spPr>
+          <a:xfrm>
+            <a:off x="2592925" y="624110"/>
+            <a:ext cx="8911687" cy="668359"/>
+          </a:xfrm>
+        </p:spPr>
+        <p:txBody>
+          <a:bodyPr/>
+          <a:lstStyle/>
+          <a:p>
+            <a:r>
+              <a:rPr lang="en-ZA" dirty="0"/>
+              <a:t>Design Factors</a:t>
+            </a:r>
+            <a:endParaRPr lang="es-NI" dirty="0"/>
+          </a:p>
+        </p:txBody>
+      </p:sp>
+      <p:sp>
+        <p:nvSpPr>
+          <p:cNvPr id="8" name="Content Placeholder 2"/>
+          <p:cNvSpPr>
+            <a:spLocks noGrp="1"/>
+          </p:cNvSpPr>
+          <p:nvPr>
+            <p:ph idx="1"/>
+          </p:nvPr>
+        </p:nvSpPr>
+        <p:spPr>
+          <a:xfrm>
+            <a:off x="2589212" y="1292469"/>
+            <a:ext cx="8915400" cy="4853354"/>
+          </a:xfrm>
+        </p:spPr>
+        <p:txBody>
+          <a:bodyPr/>
+          <a:lstStyle/>
+          <a:p>
+            <a:r>
+              <a:rPr lang="en-US" dirty="0" smtClean="0"/>
+              <a:t>Queuing model: Continuous-time Markov chain</a:t>
+            </a:r>
+          </a:p>
+          <a:p>
+            <a:r>
+              <a:rPr lang="en-US" dirty="0" smtClean="0"/>
+              <a:t>Real life factors</a:t>
+            </a:r>
+          </a:p>
+          <a:p>
+            <a:pPr lvl="1"/>
+            <a:r>
+              <a:rPr lang="en-US" dirty="0" smtClean="0"/>
+              <a:t>Power outage</a:t>
+            </a:r>
+            <a:r>
+              <a:rPr lang="es-NI" dirty="0" smtClean="0"/>
+              <a:t> </a:t>
+            </a:r>
+            <a:r>
+              <a:rPr lang="es-NI" dirty="0" err="1" smtClean="0"/>
+              <a:t>or</a:t>
+            </a:r>
+            <a:r>
+              <a:rPr lang="es-NI" dirty="0" smtClean="0"/>
+              <a:t> </a:t>
+            </a:r>
+            <a:r>
+              <a:rPr lang="es-NI" dirty="0" err="1" smtClean="0"/>
+              <a:t>network</a:t>
+            </a:r>
+            <a:r>
+              <a:rPr lang="es-NI" dirty="0" smtClean="0"/>
+              <a:t> error</a:t>
+            </a:r>
+          </a:p>
+          <a:p>
+            <a:pPr lvl="2"/>
+            <a:r>
+              <a:rPr lang="en-US" dirty="0" smtClean="0"/>
+              <a:t>Customers wait a maximum of 15 minutes in the queue</a:t>
+            </a:r>
+          </a:p>
+          <a:p>
+            <a:pPr lvl="2"/>
+            <a:r>
+              <a:rPr lang="en-US" dirty="0" smtClean="0"/>
+              <a:t>If system does not recover after 15 minutes, assume system restarts with no queue</a:t>
+            </a:r>
+          </a:p>
+          <a:p>
+            <a:pPr lvl="2"/>
+            <a:r>
+              <a:rPr lang="en-US" dirty="0" smtClean="0"/>
+              <a:t>During the 15 minutes, customers arrives at the same rate</a:t>
+            </a:r>
+          </a:p>
+          <a:p>
+            <a:pPr lvl="2"/>
+            <a:r>
+              <a:rPr lang="en-US" dirty="0" smtClean="0"/>
+              <a:t>If system recovers, the system continues with added customers</a:t>
+            </a:r>
+          </a:p>
+          <a:p>
+            <a:pPr lvl="1"/>
+            <a:r>
+              <a:rPr lang="en-US" dirty="0" smtClean="0"/>
+              <a:t>Server fails</a:t>
+            </a:r>
+          </a:p>
+          <a:p>
+            <a:pPr lvl="2"/>
+            <a:r>
+              <a:rPr lang="en-US" dirty="0" smtClean="0"/>
+              <a:t>If one server fails, the other server takes control and is capable of providing any service</a:t>
+            </a:r>
+          </a:p>
+          <a:p>
+            <a:pPr lvl="2"/>
+            <a:r>
+              <a:rPr lang="en-US" dirty="0" smtClean="0"/>
+              <a:t>The working server receives all the customers of the broken server, joining at the back of the queue.</a:t>
+            </a:r>
+          </a:p>
+          <a:p>
+            <a:pPr lvl="2"/>
+            <a:r>
+              <a:rPr lang="en-US" dirty="0" smtClean="0"/>
+              <a:t>If both servers fails, the system restarts.</a:t>
+            </a:r>
+            <a:endParaRPr lang="es-NI" dirty="0" smtClean="0"/>
+          </a:p>
+        </p:txBody>
+      </p:sp>
+    </p:spTree>
+    <p:extLst>
+      <p:ext uri="{BB962C8B-B14F-4D97-AF65-F5344CB8AC3E}">
+        <p14:creationId xmlns:p14="http://schemas.microsoft.com/office/powerpoint/2010/main" val="813714325"/>
+      </p:ext>
+    </p:extLst>
+  </p:cSld>
+  <p:clrMapOvr>
+    <a:masterClrMapping/>
+  </p:clrMapOvr>
 </p:sld>
 </file>
 
@@ -9111,65 +10798,107 @@
             <p:ph type="title"/>
           </p:nvPr>
         </p:nvSpPr>
+        <p:spPr/>
+        <p:txBody>
+          <a:bodyPr/>
+          <a:lstStyle/>
+          <a:p>
+            <a:r>
+              <a:rPr lang="en-ZA" dirty="0" smtClean="0"/>
+              <a:t>Design Parameters</a:t>
+            </a:r>
+            <a:endParaRPr lang="en-ZA" dirty="0"/>
+          </a:p>
+        </p:txBody>
+      </p:sp>
+      <p:sp>
+        <p:nvSpPr>
+          <p:cNvPr id="3" name="Content Placeholder 2"/>
+          <p:cNvSpPr>
+            <a:spLocks noGrp="1"/>
+          </p:cNvSpPr>
+          <p:nvPr>
+            <p:ph idx="1"/>
+          </p:nvPr>
+        </p:nvSpPr>
         <p:spPr>
           <a:xfrm>
-            <a:off x="2592925" y="624110"/>
-            <a:ext cx="8911687" cy="628618"/>
+            <a:off x="2589212" y="1426464"/>
+            <a:ext cx="8915400" cy="4484758"/>
           </a:xfrm>
         </p:spPr>
         <p:txBody>
           <a:bodyPr>
-            <a:normAutofit fontScale="90000"/>
+            <a:normAutofit/>
           </a:bodyPr>
           <a:lstStyle/>
           <a:p>
             <a:r>
-              <a:rPr lang="en-ZA" dirty="0"/>
-              <a:t>Design Parameters</a:t>
-            </a:r>
-          </a:p>
-        </p:txBody>
-      </p:sp>
-      <p:sp>
-        <p:nvSpPr>
-          <p:cNvPr id="3" name="Content Placeholder 2"/>
-          <p:cNvSpPr>
-            <a:spLocks noGrp="1"/>
-          </p:cNvSpPr>
-          <p:nvPr>
-            <p:ph idx="1"/>
-          </p:nvPr>
-        </p:nvSpPr>
-        <p:spPr>
-          <a:xfrm>
-            <a:off x="2589212" y="1252728"/>
-            <a:ext cx="8915400" cy="4658494"/>
-          </a:xfrm>
-        </p:spPr>
-        <p:txBody>
-          <a:bodyPr/>
-          <a:lstStyle/>
-          <a:p>
-            <a:r>
               <a:rPr lang="en-ZA" dirty="0" smtClean="0"/>
-              <a:t>It is assumed that there is an infinite amount of waiting space in the system and that no client will be rejected between working hours. </a:t>
-            </a:r>
-          </a:p>
-          <a:p>
-            <a:endParaRPr lang="en-ZA" dirty="0"/>
+              <a:t>The system will be evaluated by comparing</a:t>
+            </a:r>
+          </a:p>
+          <a:p>
+            <a:pPr lvl="1"/>
+            <a:r>
+              <a:rPr lang="en-ZA" dirty="0" smtClean="0"/>
+              <a:t>Queue length</a:t>
+            </a:r>
+          </a:p>
+          <a:p>
+            <a:pPr lvl="1"/>
+            <a:r>
+              <a:rPr lang="en-ZA" dirty="0" smtClean="0"/>
+              <a:t>Average waiting time</a:t>
+            </a:r>
+          </a:p>
+          <a:p>
+            <a:r>
+              <a:rPr lang="en-ZA" dirty="0" smtClean="0"/>
+              <a:t>This will be done for the system as a whole for two cases</a:t>
+            </a:r>
+          </a:p>
+          <a:p>
+            <a:pPr lvl="1"/>
+            <a:r>
+              <a:rPr lang="en-ZA" dirty="0" smtClean="0"/>
+              <a:t>Both servers provides the same functions</a:t>
+            </a:r>
+          </a:p>
+          <a:p>
+            <a:pPr lvl="1"/>
+            <a:r>
+              <a:rPr lang="en-ZA" dirty="0" smtClean="0"/>
+              <a:t>Servers provides different services based on the arrival rate of customers.</a:t>
+            </a:r>
+          </a:p>
+          <a:p>
+            <a:pPr lvl="1"/>
+            <a:endParaRPr lang="en-ZA" dirty="0" smtClean="0"/>
+          </a:p>
+          <a:p>
+            <a:pPr lvl="1"/>
+            <a:endParaRPr lang="en-ZA" dirty="0" smtClean="0"/>
           </a:p>
         </p:txBody>
       </p:sp>
     </p:spTree>
     <p:extLst>
       <p:ext uri="{BB962C8B-B14F-4D97-AF65-F5344CB8AC3E}">
-        <p14:creationId xmlns:p14="http://schemas.microsoft.com/office/powerpoint/2010/main" val="525785799"/>
+        <p14:creationId xmlns:p14="http://schemas.microsoft.com/office/powerpoint/2010/main" val="1774076650"/>
       </p:ext>
     </p:extLst>
   </p:cSld>
   <p:clrMapOvr>
     <a:masterClrMapping/>
   </p:clrMapOvr>
+  <p:timing>
+    <p:tnLst>
+      <p:par>
+        <p:cTn id="1" dur="indefinite" restart="never" nodeType="tmRoot"/>
+      </p:par>
+    </p:tnLst>
+  </p:timing>
 </p:sld>
 </file>
 
@@ -9414,4 +11143,265 @@
     </a:ext>
   </a:extLst>
 </a:theme>
+</file>
+
+<file path=ppt/theme/theme2.xml><?xml version="1.0" encoding="utf-8"?>
+<a:theme xmlns:a="http://schemas.openxmlformats.org/drawingml/2006/main" name="Office Theme">
+  <a:themeElements>
+    <a:clrScheme name="Office">
+      <a:dk1>
+        <a:sysClr val="windowText" lastClr="000000"/>
+      </a:dk1>
+      <a:lt1>
+        <a:sysClr val="window" lastClr="FFFFFF"/>
+      </a:lt1>
+      <a:dk2>
+        <a:srgbClr val="44546A"/>
+      </a:dk2>
+      <a:lt2>
+        <a:srgbClr val="E7E6E6"/>
+      </a:lt2>
+      <a:accent1>
+        <a:srgbClr val="5B9BD5"/>
+      </a:accent1>
+      <a:accent2>
+        <a:srgbClr val="ED7D31"/>
+      </a:accent2>
+      <a:accent3>
+        <a:srgbClr val="A5A5A5"/>
+      </a:accent3>
+      <a:accent4>
+        <a:srgbClr val="FFC000"/>
+      </a:accent4>
+      <a:accent5>
+        <a:srgbClr val="4472C4"/>
+      </a:accent5>
+      <a:accent6>
+        <a:srgbClr val="70AD47"/>
+      </a:accent6>
+      <a:hlink>
+        <a:srgbClr val="0563C1"/>
+      </a:hlink>
+      <a:folHlink>
+        <a:srgbClr val="954F72"/>
+      </a:folHlink>
+    </a:clrScheme>
+    <a:fontScheme name="Office">
+      <a:majorFont>
+        <a:latin typeface="Calibri Light" panose="020F0302020204030204"/>
+        <a:ea typeface=""/>
+        <a:cs typeface=""/>
+        <a:font script="Jpan" typeface="游ゴシック Light"/>
+        <a:font script="Hang" typeface="맑은 고딕"/>
+        <a:font script="Hans" typeface="等线 Light"/>
+        <a:font script="Hant" typeface="新細明體"/>
+        <a:font script="Arab" typeface="Times New Roman"/>
+        <a:font script="Hebr" typeface="Times New Roman"/>
+        <a:font script="Thai" typeface="Angsana New"/>
+        <a:font script="Ethi" typeface="Nyala"/>
+        <a:font script="Beng" typeface="Vrinda"/>
+        <a:font script="Gujr" typeface="Shruti"/>
+        <a:font script="Khmr" typeface="MoolBoran"/>
+        <a:font script="Knda" typeface="Tunga"/>
+        <a:font script="Guru" typeface="Raavi"/>
+        <a:font script="Cans" typeface="Euphemia"/>
+        <a:font script="Cher" typeface="Plantagenet Cherokee"/>
+        <a:font script="Yiii" typeface="Microsoft Yi Baiti"/>
+        <a:font script="Tibt" typeface="Microsoft Himalaya"/>
+        <a:font script="Thaa" typeface="MV Boli"/>
+        <a:font script="Deva" typeface="Mangal"/>
+        <a:font script="Telu" typeface="Gautami"/>
+        <a:font script="Taml" typeface="Latha"/>
+        <a:font script="Syrc" typeface="Estrangelo Edessa"/>
+        <a:font script="Orya" typeface="Kalinga"/>
+        <a:font script="Mlym" typeface="Kartika"/>
+        <a:font script="Laoo" typeface="DokChampa"/>
+        <a:font script="Sinh" typeface="Iskoola Pota"/>
+        <a:font script="Mong" typeface="Mongolian Baiti"/>
+        <a:font script="Viet" typeface="Times New Roman"/>
+        <a:font script="Uigh" typeface="Microsoft Uighur"/>
+        <a:font script="Geor" typeface="Sylfaen"/>
+      </a:majorFont>
+      <a:minorFont>
+        <a:latin typeface="Calibri" panose="020F0502020204030204"/>
+        <a:ea typeface=""/>
+        <a:cs typeface=""/>
+        <a:font script="Jpan" typeface="游ゴシック"/>
+        <a:font script="Hang" typeface="맑은 고딕"/>
+        <a:font script="Hans" typeface="等线"/>
+        <a:font script="Hant" typeface="新細明體"/>
+        <a:font script="Arab" typeface="Arial"/>
+        <a:font script="Hebr" typeface="Arial"/>
+        <a:font script="Thai" typeface="Cordia New"/>
+        <a:font script="Ethi" typeface="Nyala"/>
+        <a:font script="Beng" typeface="Vrinda"/>
+        <a:font script="Gujr" typeface="Shruti"/>
+        <a:font script="Khmr" typeface="DaunPenh"/>
+        <a:font script="Knda" typeface="Tunga"/>
+        <a:font script="Guru" typeface="Raavi"/>
+        <a:font script="Cans" typeface="Euphemia"/>
+        <a:font script="Cher" typeface="Plantagenet Cherokee"/>
+        <a:font script="Yiii" typeface="Microsoft Yi Baiti"/>
+        <a:font script="Tibt" typeface="Microsoft Himalaya"/>
+        <a:font script="Thaa" typeface="MV Boli"/>
+        <a:font script="Deva" typeface="Mangal"/>
+        <a:font script="Telu" typeface="Gautami"/>
+        <a:font script="Taml" typeface="Latha"/>
+        <a:font script="Syrc" typeface="Estrangelo Edessa"/>
+        <a:font script="Orya" typeface="Kalinga"/>
+        <a:font script="Mlym" typeface="Kartika"/>
+        <a:font script="Laoo" typeface="DokChampa"/>
+        <a:font script="Sinh" typeface="Iskoola Pota"/>
+        <a:font script="Mong" typeface="Mongolian Baiti"/>
+        <a:font script="Viet" typeface="Arial"/>
+        <a:font script="Uigh" typeface="Microsoft Uighur"/>
+        <a:font script="Geor" typeface="Sylfaen"/>
+      </a:minorFont>
+    </a:fontScheme>
+    <a:fmtScheme name="Office">
+      <a:fillStyleLst>
+        <a:solidFill>
+          <a:schemeClr val="phClr"/>
+        </a:solidFill>
+        <a:gradFill rotWithShape="1">
+          <a:gsLst>
+            <a:gs pos="0">
+              <a:schemeClr val="phClr">
+                <a:lumMod val="110000"/>
+                <a:satMod val="105000"/>
+                <a:tint val="67000"/>
+              </a:schemeClr>
+            </a:gs>
+            <a:gs pos="50000">
+              <a:schemeClr val="phClr">
+                <a:lumMod val="105000"/>
+                <a:satMod val="103000"/>
+                <a:tint val="73000"/>
+              </a:schemeClr>
+            </a:gs>
+            <a:gs pos="100000">
+              <a:schemeClr val="phClr">
+                <a:lumMod val="105000"/>
+                <a:satMod val="109000"/>
+                <a:tint val="81000"/>
+              </a:schemeClr>
+            </a:gs>
+          </a:gsLst>
+          <a:lin ang="5400000" scaled="0"/>
+        </a:gradFill>
+        <a:gradFill rotWithShape="1">
+          <a:gsLst>
+            <a:gs pos="0">
+              <a:schemeClr val="phClr">
+                <a:satMod val="103000"/>
+                <a:lumMod val="102000"/>
+                <a:tint val="94000"/>
+              </a:schemeClr>
+            </a:gs>
+            <a:gs pos="50000">
+              <a:schemeClr val="phClr">
+                <a:satMod val="110000"/>
+                <a:lumMod val="100000"/>
+                <a:shade val="100000"/>
+              </a:schemeClr>
+            </a:gs>
+            <a:gs pos="100000">
+              <a:schemeClr val="phClr">
+                <a:lumMod val="99000"/>
+                <a:satMod val="120000"/>
+                <a:shade val="78000"/>
+              </a:schemeClr>
+            </a:gs>
+          </a:gsLst>
+          <a:lin ang="5400000" scaled="0"/>
+        </a:gradFill>
+      </a:fillStyleLst>
+      <a:lnStyleLst>
+        <a:ln w="6350" cap="flat" cmpd="sng" algn="ctr">
+          <a:solidFill>
+            <a:schemeClr val="phClr"/>
+          </a:solidFill>
+          <a:prstDash val="solid"/>
+          <a:miter lim="800000"/>
+        </a:ln>
+        <a:ln w="12700" cap="flat" cmpd="sng" algn="ctr">
+          <a:solidFill>
+            <a:schemeClr val="phClr"/>
+          </a:solidFill>
+          <a:prstDash val="solid"/>
+          <a:miter lim="800000"/>
+        </a:ln>
+        <a:ln w="19050" cap="flat" cmpd="sng" algn="ctr">
+          <a:solidFill>
+            <a:schemeClr val="phClr"/>
+          </a:solidFill>
+          <a:prstDash val="solid"/>
+          <a:miter lim="800000"/>
+        </a:ln>
+      </a:lnStyleLst>
+      <a:effectStyleLst>
+        <a:effectStyle>
+          <a:effectLst/>
+        </a:effectStyle>
+        <a:effectStyle>
+          <a:effectLst/>
+        </a:effectStyle>
+        <a:effectStyle>
+          <a:effectLst>
+            <a:outerShdw blurRad="57150" dist="19050" dir="5400000" algn="ctr" rotWithShape="0">
+              <a:srgbClr val="000000">
+                <a:alpha val="63000"/>
+              </a:srgbClr>
+            </a:outerShdw>
+          </a:effectLst>
+        </a:effectStyle>
+      </a:effectStyleLst>
+      <a:bgFillStyleLst>
+        <a:solidFill>
+          <a:schemeClr val="phClr"/>
+        </a:solidFill>
+        <a:solidFill>
+          <a:schemeClr val="phClr">
+            <a:tint val="95000"/>
+            <a:satMod val="170000"/>
+          </a:schemeClr>
+        </a:solidFill>
+        <a:gradFill rotWithShape="1">
+          <a:gsLst>
+            <a:gs pos="0">
+              <a:schemeClr val="phClr">
+                <a:tint val="93000"/>
+                <a:satMod val="150000"/>
+                <a:shade val="98000"/>
+                <a:lumMod val="102000"/>
+              </a:schemeClr>
+            </a:gs>
+            <a:gs pos="50000">
+              <a:schemeClr val="phClr">
+                <a:tint val="98000"/>
+                <a:satMod val="130000"/>
+                <a:shade val="90000"/>
+                <a:lumMod val="103000"/>
+              </a:schemeClr>
+            </a:gs>
+            <a:gs pos="100000">
+              <a:schemeClr val="phClr">
+                <a:shade val="63000"/>
+                <a:satMod val="120000"/>
+              </a:schemeClr>
+            </a:gs>
+          </a:gsLst>
+          <a:lin ang="5400000" scaled="0"/>
+        </a:gradFill>
+      </a:bgFillStyleLst>
+    </a:fmtScheme>
+  </a:themeElements>
+  <a:objectDefaults/>
+  <a:extraClrSchemeLst/>
+  <a:extLst>
+    <a:ext uri="{05A4C25C-085E-4340-85A3-A5531E510DB2}">
+      <thm15:themeFamily xmlns:thm15="http://schemas.microsoft.com/office/thememl/2012/main" name="Office Theme" id="{62F939B6-93AF-4DB8-9C6B-D6C7DFDC589F}" vid="{4A3C46E8-61CC-4603-A589-7422A47A8E4A}"/>
+    </a:ext>
+  </a:extLst>
+</a:theme>
 </file>
--- a/Prac2/Part 2/Presentation.pptx
+++ b/Prac2/Part 2/Presentation.pptx
@@ -5,7 +5,7 @@
     <p:sldMasterId id="2147483677" r:id="rId1"/>
   </p:sldMasterIdLst>
   <p:notesMasterIdLst>
-    <p:notesMasterId r:id="rId14"/>
+    <p:notesMasterId r:id="rId13"/>
   </p:notesMasterIdLst>
   <p:sldIdLst>
     <p:sldId id="256" r:id="rId2"/>
@@ -17,9 +17,8 @@
     <p:sldId id="269" r:id="rId8"/>
     <p:sldId id="270" r:id="rId9"/>
     <p:sldId id="262" r:id="rId10"/>
-    <p:sldId id="263" r:id="rId11"/>
-    <p:sldId id="264" r:id="rId12"/>
-    <p:sldId id="268" r:id="rId13"/>
+    <p:sldId id="264" r:id="rId11"/>
+    <p:sldId id="268" r:id="rId12"/>
   </p:sldIdLst>
   <p:sldSz cx="12192000" cy="6858000"/>
   <p:notesSz cx="6858000" cy="9144000"/>
@@ -8270,10 +8269,6 @@
               <a:rPr lang="en-ZA" sz="4400" dirty="0" smtClean="0"/>
               <a:t>Queuing Management System </a:t>
             </a:r>
-            <a:r>
-              <a:rPr lang="en-ZA" sz="4400" dirty="0" smtClean="0"/>
-              <a:t/>
-            </a:r>
             <a:br>
               <a:rPr lang="en-ZA" sz="4400" dirty="0" smtClean="0"/>
             </a:br>
@@ -8332,6 +8327,14 @@
   <p:clrMapOvr>
     <a:masterClrMapping/>
   </p:clrMapOvr>
+  <mc:AlternateContent xmlns:mc="http://schemas.openxmlformats.org/markup-compatibility/2006">
+    <mc:Choice xmlns:p14="http://schemas.microsoft.com/office/powerpoint/2010/main" Requires="p14">
+      <p:transition p14:dur="10"/>
+    </mc:Choice>
+    <mc:Fallback>
+      <p:transition/>
+    </mc:Fallback>
+  </mc:AlternateContent>
   <p:timing>
     <p:tnLst>
       <p:par>
@@ -8343,90 +8346,6 @@
 </file>
 
 <file path=ppt/slides/slide10.xml><?xml version="1.0" encoding="utf-8"?>
-<p:sld xmlns:a="http://schemas.openxmlformats.org/drawingml/2006/main" xmlns:r="http://schemas.openxmlformats.org/officeDocument/2006/relationships" xmlns:p="http://schemas.openxmlformats.org/presentationml/2006/main">
-  <p:cSld>
-    <p:spTree>
-      <p:nvGrpSpPr>
-        <p:cNvPr id="1" name=""/>
-        <p:cNvGrpSpPr/>
-        <p:nvPr/>
-      </p:nvGrpSpPr>
-      <p:grpSpPr>
-        <a:xfrm>
-          <a:off x="0" y="0"/>
-          <a:ext cx="0" cy="0"/>
-          <a:chOff x="0" y="0"/>
-          <a:chExt cx="0" cy="0"/>
-        </a:xfrm>
-      </p:grpSpPr>
-      <p:sp>
-        <p:nvSpPr>
-          <p:cNvPr id="2" name="Title 1"/>
-          <p:cNvSpPr>
-            <a:spLocks noGrp="1"/>
-          </p:cNvSpPr>
-          <p:nvPr>
-            <p:ph type="title"/>
-          </p:nvPr>
-        </p:nvSpPr>
-        <p:spPr/>
-        <p:txBody>
-          <a:bodyPr/>
-          <a:lstStyle/>
-          <a:p>
-            <a:r>
-              <a:rPr lang="en-ZA" dirty="0" smtClean="0"/>
-              <a:t>Quality of Service</a:t>
-            </a:r>
-            <a:endParaRPr lang="en-ZA" dirty="0"/>
-          </a:p>
-        </p:txBody>
-      </p:sp>
-      <p:sp>
-        <p:nvSpPr>
-          <p:cNvPr id="3" name="Content Placeholder 2"/>
-          <p:cNvSpPr>
-            <a:spLocks noGrp="1"/>
-          </p:cNvSpPr>
-          <p:nvPr>
-            <p:ph idx="1"/>
-          </p:nvPr>
-        </p:nvSpPr>
-        <p:spPr>
-          <a:xfrm>
-            <a:off x="2589212" y="1732085"/>
-            <a:ext cx="8915400" cy="4273061"/>
-          </a:xfrm>
-        </p:spPr>
-        <p:txBody>
-          <a:bodyPr/>
-          <a:lstStyle/>
-          <a:p>
-            <a:endParaRPr lang="en-ZA" dirty="0"/>
-          </a:p>
-        </p:txBody>
-      </p:sp>
-    </p:spTree>
-    <p:extLst>
-      <p:ext uri="{BB962C8B-B14F-4D97-AF65-F5344CB8AC3E}">
-        <p14:creationId xmlns:p14="http://schemas.microsoft.com/office/powerpoint/2010/main" val="4154402910"/>
-      </p:ext>
-    </p:extLst>
-  </p:cSld>
-  <p:clrMapOvr>
-    <a:masterClrMapping/>
-  </p:clrMapOvr>
-  <p:timing>
-    <p:tnLst>
-      <p:par>
-        <p:cTn id="1" dur="indefinite" restart="never" nodeType="tmRoot"/>
-      </p:par>
-    </p:tnLst>
-  </p:timing>
-</p:sld>
-</file>
-
-<file path=ppt/slides/slide11.xml><?xml version="1.0" encoding="utf-8"?>
 <p:sld xmlns:a="http://schemas.openxmlformats.org/drawingml/2006/main" xmlns:r="http://schemas.openxmlformats.org/officeDocument/2006/relationships" xmlns:p="http://schemas.openxmlformats.org/presentationml/2006/main">
   <p:cSld>
     <p:spTree>
@@ -8515,7 +8434,7 @@
 </p:sld>
 </file>
 
-<file path=ppt/slides/slide12.xml><?xml version="1.0" encoding="utf-8"?>
+<file path=ppt/slides/slide11.xml><?xml version="1.0" encoding="utf-8"?>
 <p:sld xmlns:a="http://schemas.openxmlformats.org/drawingml/2006/main" xmlns:r="http://schemas.openxmlformats.org/officeDocument/2006/relationships" xmlns:p="http://schemas.openxmlformats.org/presentationml/2006/main">
   <p:cSld>
     <p:spTree>
@@ -8662,6 +8581,13 @@
   <p:clrMapOvr>
     <a:masterClrMapping/>
   </p:clrMapOvr>
+  <p:timing>
+    <p:tnLst>
+      <p:par>
+        <p:cTn id="1" dur="indefinite" restart="never" nodeType="tmRoot"/>
+      </p:par>
+    </p:tnLst>
+  </p:timing>
 </p:sld>
 </file>
 
@@ -8734,23 +8660,14 @@
           <a:p>
             <a:r>
               <a:rPr lang="en-ZA" dirty="0" smtClean="0"/>
-              <a:t>Banks in particular aim to provide the best possible client </a:t>
-            </a:r>
+              <a:t>Banks in particular aim to provide the best possible client satisfaction.</a:t>
+            </a:r>
+          </a:p>
+          <a:p>
+            <a:pPr lvl="1"/>
             <a:r>
               <a:rPr lang="en-ZA" dirty="0" smtClean="0"/>
-              <a:t>satisfaction.</a:t>
-            </a:r>
-            <a:endParaRPr lang="en-ZA" dirty="0" smtClean="0"/>
-          </a:p>
-          <a:p>
-            <a:pPr lvl="1"/>
-            <a:r>
-              <a:rPr lang="en-ZA" dirty="0" smtClean="0"/>
-              <a:t>Client </a:t>
-            </a:r>
-            <a:r>
-              <a:rPr lang="en-ZA" dirty="0" smtClean="0"/>
-              <a:t>perspective</a:t>
+              <a:t>Client perspective</a:t>
             </a:r>
           </a:p>
           <a:p>
@@ -8778,22 +8695,14 @@
             <a:pPr lvl="1"/>
             <a:r>
               <a:rPr lang="en-ZA" dirty="0" smtClean="0"/>
-              <a:t>Banking </a:t>
-            </a:r>
+              <a:t>Banking owner perspective</a:t>
+            </a:r>
+          </a:p>
+          <a:p>
+            <a:pPr lvl="2"/>
             <a:r>
               <a:rPr lang="en-ZA" dirty="0" smtClean="0"/>
-              <a:t>owner perspective</a:t>
-            </a:r>
-          </a:p>
-          <a:p>
-            <a:pPr lvl="2"/>
-            <a:r>
-              <a:rPr lang="en-ZA" dirty="0" smtClean="0"/>
-              <a:t>Increase profit</a:t>
-            </a:r>
-            <a:r>
-              <a:rPr lang="en-ZA" dirty="0" smtClean="0"/>
-              <a:t>.</a:t>
+              <a:t>Increase profit.</a:t>
             </a:r>
           </a:p>
           <a:p>
@@ -8895,10 +8804,489 @@
   <p:clrMapOvr>
     <a:masterClrMapping/>
   </p:clrMapOvr>
+  <mc:AlternateContent xmlns:mc="http://schemas.openxmlformats.org/markup-compatibility/2006">
+    <mc:Choice xmlns:p15="http://schemas.microsoft.com/office/powerpoint/2012/main" Requires="p15">
+      <p:transition xmlns:p14="http://schemas.microsoft.com/office/powerpoint/2010/main" spd="slow" p14:dur="2000">
+        <p15:prstTrans prst="prestige"/>
+      </p:transition>
+    </mc:Choice>
+    <mc:Fallback>
+      <p:transition spd="slow">
+        <p:fade/>
+      </p:transition>
+    </mc:Fallback>
+  </mc:AlternateContent>
   <p:timing>
     <p:tnLst>
       <p:par>
-        <p:cTn id="1" dur="indefinite" restart="never" nodeType="tmRoot"/>
+        <p:cTn id="1" dur="indefinite" restart="never" nodeType="tmRoot">
+          <p:childTnLst>
+            <p:seq concurrent="1" nextAc="seek">
+              <p:cTn id="2" dur="indefinite" nodeType="mainSeq">
+                <p:childTnLst>
+                  <p:par>
+                    <p:cTn id="3" fill="hold">
+                      <p:stCondLst>
+                        <p:cond delay="indefinite"/>
+                      </p:stCondLst>
+                      <p:childTnLst>
+                        <p:par>
+                          <p:cTn id="4" fill="hold">
+                            <p:stCondLst>
+                              <p:cond delay="0"/>
+                            </p:stCondLst>
+                            <p:childTnLst>
+                              <p:par>
+                                <p:cTn id="5" presetID="1" presetClass="entr" presetSubtype="0" fill="hold" nodeType="clickEffect">
+                                  <p:stCondLst>
+                                    <p:cond delay="0"/>
+                                  </p:stCondLst>
+                                  <p:childTnLst>
+                                    <p:set>
+                                      <p:cBhvr>
+                                        <p:cTn id="6" dur="1" fill="hold">
+                                          <p:stCondLst>
+                                            <p:cond delay="0"/>
+                                          </p:stCondLst>
+                                        </p:cTn>
+                                        <p:tgtEl>
+                                          <p:spTgt spid="3">
+                                            <p:txEl>
+                                              <p:pRg st="0" end="0"/>
+                                            </p:txEl>
+                                          </p:spTgt>
+                                        </p:tgtEl>
+                                        <p:attrNameLst>
+                                          <p:attrName>style.visibility</p:attrName>
+                                        </p:attrNameLst>
+                                      </p:cBhvr>
+                                      <p:to>
+                                        <p:strVal val="visible"/>
+                                      </p:to>
+                                    </p:set>
+                                  </p:childTnLst>
+                                </p:cTn>
+                              </p:par>
+                            </p:childTnLst>
+                          </p:cTn>
+                        </p:par>
+                      </p:childTnLst>
+                    </p:cTn>
+                  </p:par>
+                  <p:par>
+                    <p:cTn id="7" fill="hold">
+                      <p:stCondLst>
+                        <p:cond delay="indefinite"/>
+                      </p:stCondLst>
+                      <p:childTnLst>
+                        <p:par>
+                          <p:cTn id="8" fill="hold">
+                            <p:stCondLst>
+                              <p:cond delay="0"/>
+                            </p:stCondLst>
+                            <p:childTnLst>
+                              <p:par>
+                                <p:cTn id="9" presetID="1" presetClass="entr" presetSubtype="0" fill="hold" nodeType="clickEffect">
+                                  <p:stCondLst>
+                                    <p:cond delay="0"/>
+                                  </p:stCondLst>
+                                  <p:childTnLst>
+                                    <p:set>
+                                      <p:cBhvr>
+                                        <p:cTn id="10" dur="1" fill="hold">
+                                          <p:stCondLst>
+                                            <p:cond delay="0"/>
+                                          </p:stCondLst>
+                                        </p:cTn>
+                                        <p:tgtEl>
+                                          <p:spTgt spid="3">
+                                            <p:txEl>
+                                              <p:pRg st="1" end="1"/>
+                                            </p:txEl>
+                                          </p:spTgt>
+                                        </p:tgtEl>
+                                        <p:attrNameLst>
+                                          <p:attrName>style.visibility</p:attrName>
+                                        </p:attrNameLst>
+                                      </p:cBhvr>
+                                      <p:to>
+                                        <p:strVal val="visible"/>
+                                      </p:to>
+                                    </p:set>
+                                  </p:childTnLst>
+                                </p:cTn>
+                              </p:par>
+                              <p:par>
+                                <p:cTn id="11" presetID="1" presetClass="entr" presetSubtype="0" fill="hold" nodeType="withEffect">
+                                  <p:stCondLst>
+                                    <p:cond delay="0"/>
+                                  </p:stCondLst>
+                                  <p:childTnLst>
+                                    <p:set>
+                                      <p:cBhvr>
+                                        <p:cTn id="12" dur="1" fill="hold">
+                                          <p:stCondLst>
+                                            <p:cond delay="0"/>
+                                          </p:stCondLst>
+                                        </p:cTn>
+                                        <p:tgtEl>
+                                          <p:spTgt spid="3">
+                                            <p:txEl>
+                                              <p:pRg st="2" end="2"/>
+                                            </p:txEl>
+                                          </p:spTgt>
+                                        </p:tgtEl>
+                                        <p:attrNameLst>
+                                          <p:attrName>style.visibility</p:attrName>
+                                        </p:attrNameLst>
+                                      </p:cBhvr>
+                                      <p:to>
+                                        <p:strVal val="visible"/>
+                                      </p:to>
+                                    </p:set>
+                                  </p:childTnLst>
+                                </p:cTn>
+                              </p:par>
+                              <p:par>
+                                <p:cTn id="13" presetID="1" presetClass="entr" presetSubtype="0" fill="hold" nodeType="withEffect">
+                                  <p:stCondLst>
+                                    <p:cond delay="0"/>
+                                  </p:stCondLst>
+                                  <p:childTnLst>
+                                    <p:set>
+                                      <p:cBhvr>
+                                        <p:cTn id="14" dur="1" fill="hold">
+                                          <p:stCondLst>
+                                            <p:cond delay="0"/>
+                                          </p:stCondLst>
+                                        </p:cTn>
+                                        <p:tgtEl>
+                                          <p:spTgt spid="3">
+                                            <p:txEl>
+                                              <p:pRg st="3" end="3"/>
+                                            </p:txEl>
+                                          </p:spTgt>
+                                        </p:tgtEl>
+                                        <p:attrNameLst>
+                                          <p:attrName>style.visibility</p:attrName>
+                                        </p:attrNameLst>
+                                      </p:cBhvr>
+                                      <p:to>
+                                        <p:strVal val="visible"/>
+                                      </p:to>
+                                    </p:set>
+                                  </p:childTnLst>
+                                </p:cTn>
+                              </p:par>
+                              <p:par>
+                                <p:cTn id="15" presetID="1" presetClass="entr" presetSubtype="0" fill="hold" nodeType="withEffect">
+                                  <p:stCondLst>
+                                    <p:cond delay="0"/>
+                                  </p:stCondLst>
+                                  <p:childTnLst>
+                                    <p:set>
+                                      <p:cBhvr>
+                                        <p:cTn id="16" dur="1" fill="hold">
+                                          <p:stCondLst>
+                                            <p:cond delay="0"/>
+                                          </p:stCondLst>
+                                        </p:cTn>
+                                        <p:tgtEl>
+                                          <p:spTgt spid="3">
+                                            <p:txEl>
+                                              <p:pRg st="4" end="4"/>
+                                            </p:txEl>
+                                          </p:spTgt>
+                                        </p:tgtEl>
+                                        <p:attrNameLst>
+                                          <p:attrName>style.visibility</p:attrName>
+                                        </p:attrNameLst>
+                                      </p:cBhvr>
+                                      <p:to>
+                                        <p:strVal val="visible"/>
+                                      </p:to>
+                                    </p:set>
+                                  </p:childTnLst>
+                                </p:cTn>
+                              </p:par>
+                              <p:par>
+                                <p:cTn id="17" presetID="1" presetClass="entr" presetSubtype="0" fill="hold" nodeType="withEffect">
+                                  <p:stCondLst>
+                                    <p:cond delay="0"/>
+                                  </p:stCondLst>
+                                  <p:childTnLst>
+                                    <p:set>
+                                      <p:cBhvr>
+                                        <p:cTn id="18" dur="1" fill="hold">
+                                          <p:stCondLst>
+                                            <p:cond delay="0"/>
+                                          </p:stCondLst>
+                                        </p:cTn>
+                                        <p:tgtEl>
+                                          <p:spTgt spid="3">
+                                            <p:txEl>
+                                              <p:pRg st="5" end="5"/>
+                                            </p:txEl>
+                                          </p:spTgt>
+                                        </p:tgtEl>
+                                        <p:attrNameLst>
+                                          <p:attrName>style.visibility</p:attrName>
+                                        </p:attrNameLst>
+                                      </p:cBhvr>
+                                      <p:to>
+                                        <p:strVal val="visible"/>
+                                      </p:to>
+                                    </p:set>
+                                  </p:childTnLst>
+                                </p:cTn>
+                              </p:par>
+                              <p:par>
+                                <p:cTn id="19" presetID="1" presetClass="entr" presetSubtype="0" fill="hold" nodeType="withEffect">
+                                  <p:stCondLst>
+                                    <p:cond delay="0"/>
+                                  </p:stCondLst>
+                                  <p:childTnLst>
+                                    <p:set>
+                                      <p:cBhvr>
+                                        <p:cTn id="20" dur="1" fill="hold">
+                                          <p:stCondLst>
+                                            <p:cond delay="0"/>
+                                          </p:stCondLst>
+                                        </p:cTn>
+                                        <p:tgtEl>
+                                          <p:spTgt spid="3">
+                                            <p:txEl>
+                                              <p:pRg st="6" end="6"/>
+                                            </p:txEl>
+                                          </p:spTgt>
+                                        </p:tgtEl>
+                                        <p:attrNameLst>
+                                          <p:attrName>style.visibility</p:attrName>
+                                        </p:attrNameLst>
+                                      </p:cBhvr>
+                                      <p:to>
+                                        <p:strVal val="visible"/>
+                                      </p:to>
+                                    </p:set>
+                                  </p:childTnLst>
+                                </p:cTn>
+                              </p:par>
+                            </p:childTnLst>
+                          </p:cTn>
+                        </p:par>
+                      </p:childTnLst>
+                    </p:cTn>
+                  </p:par>
+                  <p:par>
+                    <p:cTn id="21" fill="hold">
+                      <p:stCondLst>
+                        <p:cond delay="indefinite"/>
+                      </p:stCondLst>
+                      <p:childTnLst>
+                        <p:par>
+                          <p:cTn id="22" fill="hold">
+                            <p:stCondLst>
+                              <p:cond delay="0"/>
+                            </p:stCondLst>
+                            <p:childTnLst>
+                              <p:par>
+                                <p:cTn id="23" presetID="1" presetClass="entr" presetSubtype="0" fill="hold" nodeType="clickEffect">
+                                  <p:stCondLst>
+                                    <p:cond delay="0"/>
+                                  </p:stCondLst>
+                                  <p:childTnLst>
+                                    <p:set>
+                                      <p:cBhvr>
+                                        <p:cTn id="24" dur="1" fill="hold">
+                                          <p:stCondLst>
+                                            <p:cond delay="0"/>
+                                          </p:stCondLst>
+                                        </p:cTn>
+                                        <p:tgtEl>
+                                          <p:spTgt spid="3">
+                                            <p:txEl>
+                                              <p:pRg st="7" end="7"/>
+                                            </p:txEl>
+                                          </p:spTgt>
+                                        </p:tgtEl>
+                                        <p:attrNameLst>
+                                          <p:attrName>style.visibility</p:attrName>
+                                        </p:attrNameLst>
+                                      </p:cBhvr>
+                                      <p:to>
+                                        <p:strVal val="visible"/>
+                                      </p:to>
+                                    </p:set>
+                                  </p:childTnLst>
+                                </p:cTn>
+                              </p:par>
+                            </p:childTnLst>
+                          </p:cTn>
+                        </p:par>
+                      </p:childTnLst>
+                    </p:cTn>
+                  </p:par>
+                  <p:par>
+                    <p:cTn id="25" fill="hold">
+                      <p:stCondLst>
+                        <p:cond delay="indefinite"/>
+                      </p:stCondLst>
+                      <p:childTnLst>
+                        <p:par>
+                          <p:cTn id="26" fill="hold">
+                            <p:stCondLst>
+                              <p:cond delay="0"/>
+                            </p:stCondLst>
+                            <p:childTnLst>
+                              <p:par>
+                                <p:cTn id="27" presetID="1" presetClass="entr" presetSubtype="0" fill="hold" nodeType="clickEffect">
+                                  <p:stCondLst>
+                                    <p:cond delay="0"/>
+                                  </p:stCondLst>
+                                  <p:childTnLst>
+                                    <p:set>
+                                      <p:cBhvr>
+                                        <p:cTn id="28" dur="1" fill="hold">
+                                          <p:stCondLst>
+                                            <p:cond delay="0"/>
+                                          </p:stCondLst>
+                                        </p:cTn>
+                                        <p:tgtEl>
+                                          <p:spTgt spid="3">
+                                            <p:txEl>
+                                              <p:pRg st="8" end="8"/>
+                                            </p:txEl>
+                                          </p:spTgt>
+                                        </p:tgtEl>
+                                        <p:attrNameLst>
+                                          <p:attrName>style.visibility</p:attrName>
+                                        </p:attrNameLst>
+                                      </p:cBhvr>
+                                      <p:to>
+                                        <p:strVal val="visible"/>
+                                      </p:to>
+                                    </p:set>
+                                  </p:childTnLst>
+                                </p:cTn>
+                              </p:par>
+                              <p:par>
+                                <p:cTn id="29" presetID="1" presetClass="entr" presetSubtype="0" fill="hold" nodeType="withEffect">
+                                  <p:stCondLst>
+                                    <p:cond delay="0"/>
+                                  </p:stCondLst>
+                                  <p:childTnLst>
+                                    <p:set>
+                                      <p:cBhvr>
+                                        <p:cTn id="30" dur="1" fill="hold">
+                                          <p:stCondLst>
+                                            <p:cond delay="0"/>
+                                          </p:stCondLst>
+                                        </p:cTn>
+                                        <p:tgtEl>
+                                          <p:spTgt spid="3">
+                                            <p:txEl>
+                                              <p:pRg st="9" end="9"/>
+                                            </p:txEl>
+                                          </p:spTgt>
+                                        </p:tgtEl>
+                                        <p:attrNameLst>
+                                          <p:attrName>style.visibility</p:attrName>
+                                        </p:attrNameLst>
+                                      </p:cBhvr>
+                                      <p:to>
+                                        <p:strVal val="visible"/>
+                                      </p:to>
+                                    </p:set>
+                                  </p:childTnLst>
+                                </p:cTn>
+                              </p:par>
+                              <p:par>
+                                <p:cTn id="31" presetID="1" presetClass="entr" presetSubtype="0" fill="hold" nodeType="withEffect">
+                                  <p:stCondLst>
+                                    <p:cond delay="0"/>
+                                  </p:stCondLst>
+                                  <p:childTnLst>
+                                    <p:set>
+                                      <p:cBhvr>
+                                        <p:cTn id="32" dur="1" fill="hold">
+                                          <p:stCondLst>
+                                            <p:cond delay="0"/>
+                                          </p:stCondLst>
+                                        </p:cTn>
+                                        <p:tgtEl>
+                                          <p:spTgt spid="3">
+                                            <p:txEl>
+                                              <p:pRg st="10" end="10"/>
+                                            </p:txEl>
+                                          </p:spTgt>
+                                        </p:tgtEl>
+                                        <p:attrNameLst>
+                                          <p:attrName>style.visibility</p:attrName>
+                                        </p:attrNameLst>
+                                      </p:cBhvr>
+                                      <p:to>
+                                        <p:strVal val="visible"/>
+                                      </p:to>
+                                    </p:set>
+                                  </p:childTnLst>
+                                </p:cTn>
+                              </p:par>
+                              <p:par>
+                                <p:cTn id="33" presetID="1" presetClass="entr" presetSubtype="0" fill="hold" nodeType="withEffect">
+                                  <p:stCondLst>
+                                    <p:cond delay="0"/>
+                                  </p:stCondLst>
+                                  <p:childTnLst>
+                                    <p:set>
+                                      <p:cBhvr>
+                                        <p:cTn id="34" dur="1" fill="hold">
+                                          <p:stCondLst>
+                                            <p:cond delay="0"/>
+                                          </p:stCondLst>
+                                        </p:cTn>
+                                        <p:tgtEl>
+                                          <p:spTgt spid="3">
+                                            <p:txEl>
+                                              <p:pRg st="11" end="11"/>
+                                            </p:txEl>
+                                          </p:spTgt>
+                                        </p:tgtEl>
+                                        <p:attrNameLst>
+                                          <p:attrName>style.visibility</p:attrName>
+                                        </p:attrNameLst>
+                                      </p:cBhvr>
+                                      <p:to>
+                                        <p:strVal val="visible"/>
+                                      </p:to>
+                                    </p:set>
+                                  </p:childTnLst>
+                                </p:cTn>
+                              </p:par>
+                            </p:childTnLst>
+                          </p:cTn>
+                        </p:par>
+                      </p:childTnLst>
+                    </p:cTn>
+                  </p:par>
+                </p:childTnLst>
+              </p:cTn>
+              <p:prevCondLst>
+                <p:cond evt="onPrev" delay="0">
+                  <p:tgtEl>
+                    <p:sldTgt/>
+                  </p:tgtEl>
+                </p:cond>
+              </p:prevCondLst>
+              <p:nextCondLst>
+                <p:cond evt="onNext" delay="0">
+                  <p:tgtEl>
+                    <p:sldTgt/>
+                  </p:tgtEl>
+                </p:cond>
+              </p:nextCondLst>
+            </p:seq>
+          </p:childTnLst>
+        </p:cTn>
       </p:par>
     </p:tnLst>
   </p:timing>
@@ -8974,11 +9362,7 @@
           <a:p>
             <a:r>
               <a:rPr lang="en-ZA" dirty="0" smtClean="0"/>
-              <a:t>Customers are accepted into the bank between 08:30 and 16:30</a:t>
-            </a:r>
-            <a:r>
-              <a:rPr lang="en-ZA" dirty="0" smtClean="0"/>
-              <a:t>.</a:t>
+              <a:t>Customers are accepted into the bank between 08:30 and 16:30.</a:t>
             </a:r>
           </a:p>
           <a:p>
@@ -8986,16 +9370,11 @@
               <a:rPr lang="en-ZA" dirty="0" smtClean="0"/>
               <a:t>The bank will close at 16:30, but serve all customers that arrived before 16:30.</a:t>
             </a:r>
-            <a:endParaRPr lang="en-ZA" dirty="0" smtClean="0"/>
           </a:p>
           <a:p>
             <a:r>
               <a:rPr lang="en-ZA" dirty="0" smtClean="0"/>
-              <a:t>Different </a:t>
-            </a:r>
-            <a:r>
-              <a:rPr lang="en-ZA" dirty="0" smtClean="0"/>
-              <a:t>services are provided</a:t>
+              <a:t>Different services are provided</a:t>
             </a:r>
           </a:p>
           <a:p>
@@ -9036,13 +9415,8 @@
           <a:p>
             <a:r>
               <a:rPr lang="en-ZA" dirty="0" smtClean="0"/>
-              <a:t>The services take different times to </a:t>
-            </a:r>
-            <a:r>
-              <a:rPr lang="en-ZA" dirty="0" smtClean="0"/>
-              <a:t>complete.</a:t>
-            </a:r>
-            <a:endParaRPr lang="en-ZA" dirty="0" smtClean="0"/>
+              <a:t>The services take different times to complete.</a:t>
+            </a:r>
           </a:p>
           <a:p>
             <a:r>
@@ -9084,7 +9458,487 @@
   <p:timing>
     <p:tnLst>
       <p:par>
-        <p:cTn id="1" dur="indefinite" restart="never" nodeType="tmRoot"/>
+        <p:cTn id="1" dur="indefinite" restart="never" nodeType="tmRoot">
+          <p:childTnLst>
+            <p:seq concurrent="1" nextAc="seek">
+              <p:cTn id="2" dur="indefinite" nodeType="mainSeq">
+                <p:childTnLst>
+                  <p:par>
+                    <p:cTn id="3" fill="hold">
+                      <p:stCondLst>
+                        <p:cond delay="indefinite"/>
+                      </p:stCondLst>
+                      <p:childTnLst>
+                        <p:par>
+                          <p:cTn id="4" fill="hold">
+                            <p:stCondLst>
+                              <p:cond delay="0"/>
+                            </p:stCondLst>
+                            <p:childTnLst>
+                              <p:par>
+                                <p:cTn id="5" presetID="1" presetClass="entr" presetSubtype="0" fill="hold" nodeType="clickEffect">
+                                  <p:stCondLst>
+                                    <p:cond delay="0"/>
+                                  </p:stCondLst>
+                                  <p:childTnLst>
+                                    <p:set>
+                                      <p:cBhvr>
+                                        <p:cTn id="6" dur="1" fill="hold">
+                                          <p:stCondLst>
+                                            <p:cond delay="0"/>
+                                          </p:stCondLst>
+                                        </p:cTn>
+                                        <p:tgtEl>
+                                          <p:spTgt spid="3">
+                                            <p:txEl>
+                                              <p:pRg st="0" end="0"/>
+                                            </p:txEl>
+                                          </p:spTgt>
+                                        </p:tgtEl>
+                                        <p:attrNameLst>
+                                          <p:attrName>style.visibility</p:attrName>
+                                        </p:attrNameLst>
+                                      </p:cBhvr>
+                                      <p:to>
+                                        <p:strVal val="visible"/>
+                                      </p:to>
+                                    </p:set>
+                                  </p:childTnLst>
+                                </p:cTn>
+                              </p:par>
+                              <p:par>
+                                <p:cTn id="7" presetID="1" presetClass="entr" presetSubtype="0" fill="hold" nodeType="withEffect">
+                                  <p:stCondLst>
+                                    <p:cond delay="0"/>
+                                  </p:stCondLst>
+                                  <p:childTnLst>
+                                    <p:set>
+                                      <p:cBhvr>
+                                        <p:cTn id="8" dur="1" fill="hold">
+                                          <p:stCondLst>
+                                            <p:cond delay="0"/>
+                                          </p:stCondLst>
+                                        </p:cTn>
+                                        <p:tgtEl>
+                                          <p:spTgt spid="3">
+                                            <p:txEl>
+                                              <p:pRg st="1" end="1"/>
+                                            </p:txEl>
+                                          </p:spTgt>
+                                        </p:tgtEl>
+                                        <p:attrNameLst>
+                                          <p:attrName>style.visibility</p:attrName>
+                                        </p:attrNameLst>
+                                      </p:cBhvr>
+                                      <p:to>
+                                        <p:strVal val="visible"/>
+                                      </p:to>
+                                    </p:set>
+                                  </p:childTnLst>
+                                </p:cTn>
+                              </p:par>
+                            </p:childTnLst>
+                          </p:cTn>
+                        </p:par>
+                      </p:childTnLst>
+                    </p:cTn>
+                  </p:par>
+                  <p:par>
+                    <p:cTn id="9" fill="hold">
+                      <p:stCondLst>
+                        <p:cond delay="indefinite"/>
+                      </p:stCondLst>
+                      <p:childTnLst>
+                        <p:par>
+                          <p:cTn id="10" fill="hold">
+                            <p:stCondLst>
+                              <p:cond delay="0"/>
+                            </p:stCondLst>
+                            <p:childTnLst>
+                              <p:par>
+                                <p:cTn id="11" presetID="1" presetClass="entr" presetSubtype="0" fill="hold" nodeType="clickEffect">
+                                  <p:stCondLst>
+                                    <p:cond delay="0"/>
+                                  </p:stCondLst>
+                                  <p:childTnLst>
+                                    <p:set>
+                                      <p:cBhvr>
+                                        <p:cTn id="12" dur="1" fill="hold">
+                                          <p:stCondLst>
+                                            <p:cond delay="0"/>
+                                          </p:stCondLst>
+                                        </p:cTn>
+                                        <p:tgtEl>
+                                          <p:spTgt spid="3">
+                                            <p:txEl>
+                                              <p:pRg st="2" end="2"/>
+                                            </p:txEl>
+                                          </p:spTgt>
+                                        </p:tgtEl>
+                                        <p:attrNameLst>
+                                          <p:attrName>style.visibility</p:attrName>
+                                        </p:attrNameLst>
+                                      </p:cBhvr>
+                                      <p:to>
+                                        <p:strVal val="visible"/>
+                                      </p:to>
+                                    </p:set>
+                                  </p:childTnLst>
+                                </p:cTn>
+                              </p:par>
+                              <p:par>
+                                <p:cTn id="13" presetID="1" presetClass="entr" presetSubtype="0" fill="hold" nodeType="withEffect">
+                                  <p:stCondLst>
+                                    <p:cond delay="0"/>
+                                  </p:stCondLst>
+                                  <p:childTnLst>
+                                    <p:set>
+                                      <p:cBhvr>
+                                        <p:cTn id="14" dur="1" fill="hold">
+                                          <p:stCondLst>
+                                            <p:cond delay="0"/>
+                                          </p:stCondLst>
+                                        </p:cTn>
+                                        <p:tgtEl>
+                                          <p:spTgt spid="3">
+                                            <p:txEl>
+                                              <p:pRg st="3" end="3"/>
+                                            </p:txEl>
+                                          </p:spTgt>
+                                        </p:tgtEl>
+                                        <p:attrNameLst>
+                                          <p:attrName>style.visibility</p:attrName>
+                                        </p:attrNameLst>
+                                      </p:cBhvr>
+                                      <p:to>
+                                        <p:strVal val="visible"/>
+                                      </p:to>
+                                    </p:set>
+                                  </p:childTnLst>
+                                </p:cTn>
+                              </p:par>
+                              <p:par>
+                                <p:cTn id="15" presetID="1" presetClass="entr" presetSubtype="0" fill="hold" nodeType="withEffect">
+                                  <p:stCondLst>
+                                    <p:cond delay="0"/>
+                                  </p:stCondLst>
+                                  <p:childTnLst>
+                                    <p:set>
+                                      <p:cBhvr>
+                                        <p:cTn id="16" dur="1" fill="hold">
+                                          <p:stCondLst>
+                                            <p:cond delay="0"/>
+                                          </p:stCondLst>
+                                        </p:cTn>
+                                        <p:tgtEl>
+                                          <p:spTgt spid="3">
+                                            <p:txEl>
+                                              <p:pRg st="4" end="4"/>
+                                            </p:txEl>
+                                          </p:spTgt>
+                                        </p:tgtEl>
+                                        <p:attrNameLst>
+                                          <p:attrName>style.visibility</p:attrName>
+                                        </p:attrNameLst>
+                                      </p:cBhvr>
+                                      <p:to>
+                                        <p:strVal val="visible"/>
+                                      </p:to>
+                                    </p:set>
+                                  </p:childTnLst>
+                                </p:cTn>
+                              </p:par>
+                              <p:par>
+                                <p:cTn id="17" presetID="1" presetClass="entr" presetSubtype="0" fill="hold" nodeType="withEffect">
+                                  <p:stCondLst>
+                                    <p:cond delay="0"/>
+                                  </p:stCondLst>
+                                  <p:childTnLst>
+                                    <p:set>
+                                      <p:cBhvr>
+                                        <p:cTn id="18" dur="1" fill="hold">
+                                          <p:stCondLst>
+                                            <p:cond delay="0"/>
+                                          </p:stCondLst>
+                                        </p:cTn>
+                                        <p:tgtEl>
+                                          <p:spTgt spid="3">
+                                            <p:txEl>
+                                              <p:pRg st="5" end="5"/>
+                                            </p:txEl>
+                                          </p:spTgt>
+                                        </p:tgtEl>
+                                        <p:attrNameLst>
+                                          <p:attrName>style.visibility</p:attrName>
+                                        </p:attrNameLst>
+                                      </p:cBhvr>
+                                      <p:to>
+                                        <p:strVal val="visible"/>
+                                      </p:to>
+                                    </p:set>
+                                  </p:childTnLst>
+                                </p:cTn>
+                              </p:par>
+                              <p:par>
+                                <p:cTn id="19" presetID="1" presetClass="entr" presetSubtype="0" fill="hold" nodeType="withEffect">
+                                  <p:stCondLst>
+                                    <p:cond delay="0"/>
+                                  </p:stCondLst>
+                                  <p:childTnLst>
+                                    <p:set>
+                                      <p:cBhvr>
+                                        <p:cTn id="20" dur="1" fill="hold">
+                                          <p:stCondLst>
+                                            <p:cond delay="0"/>
+                                          </p:stCondLst>
+                                        </p:cTn>
+                                        <p:tgtEl>
+                                          <p:spTgt spid="3">
+                                            <p:txEl>
+                                              <p:pRg st="6" end="6"/>
+                                            </p:txEl>
+                                          </p:spTgt>
+                                        </p:tgtEl>
+                                        <p:attrNameLst>
+                                          <p:attrName>style.visibility</p:attrName>
+                                        </p:attrNameLst>
+                                      </p:cBhvr>
+                                      <p:to>
+                                        <p:strVal val="visible"/>
+                                      </p:to>
+                                    </p:set>
+                                  </p:childTnLst>
+                                </p:cTn>
+                              </p:par>
+                              <p:par>
+                                <p:cTn id="21" presetID="1" presetClass="entr" presetSubtype="0" fill="hold" nodeType="withEffect">
+                                  <p:stCondLst>
+                                    <p:cond delay="0"/>
+                                  </p:stCondLst>
+                                  <p:childTnLst>
+                                    <p:set>
+                                      <p:cBhvr>
+                                        <p:cTn id="22" dur="1" fill="hold">
+                                          <p:stCondLst>
+                                            <p:cond delay="0"/>
+                                          </p:stCondLst>
+                                        </p:cTn>
+                                        <p:tgtEl>
+                                          <p:spTgt spid="3">
+                                            <p:txEl>
+                                              <p:pRg st="7" end="7"/>
+                                            </p:txEl>
+                                          </p:spTgt>
+                                        </p:tgtEl>
+                                        <p:attrNameLst>
+                                          <p:attrName>style.visibility</p:attrName>
+                                        </p:attrNameLst>
+                                      </p:cBhvr>
+                                      <p:to>
+                                        <p:strVal val="visible"/>
+                                      </p:to>
+                                    </p:set>
+                                  </p:childTnLst>
+                                </p:cTn>
+                              </p:par>
+                            </p:childTnLst>
+                          </p:cTn>
+                        </p:par>
+                      </p:childTnLst>
+                    </p:cTn>
+                  </p:par>
+                  <p:par>
+                    <p:cTn id="23" fill="hold">
+                      <p:stCondLst>
+                        <p:cond delay="indefinite"/>
+                      </p:stCondLst>
+                      <p:childTnLst>
+                        <p:par>
+                          <p:cTn id="24" fill="hold">
+                            <p:stCondLst>
+                              <p:cond delay="0"/>
+                            </p:stCondLst>
+                            <p:childTnLst>
+                              <p:par>
+                                <p:cTn id="25" presetID="1" presetClass="entr" presetSubtype="0" fill="hold" nodeType="clickEffect">
+                                  <p:stCondLst>
+                                    <p:cond delay="0"/>
+                                  </p:stCondLst>
+                                  <p:childTnLst>
+                                    <p:set>
+                                      <p:cBhvr>
+                                        <p:cTn id="26" dur="1" fill="hold">
+                                          <p:stCondLst>
+                                            <p:cond delay="0"/>
+                                          </p:stCondLst>
+                                        </p:cTn>
+                                        <p:tgtEl>
+                                          <p:spTgt spid="3">
+                                            <p:txEl>
+                                              <p:pRg st="8" end="8"/>
+                                            </p:txEl>
+                                          </p:spTgt>
+                                        </p:tgtEl>
+                                        <p:attrNameLst>
+                                          <p:attrName>style.visibility</p:attrName>
+                                        </p:attrNameLst>
+                                      </p:cBhvr>
+                                      <p:to>
+                                        <p:strVal val="visible"/>
+                                      </p:to>
+                                    </p:set>
+                                  </p:childTnLst>
+                                </p:cTn>
+                              </p:par>
+                              <p:par>
+                                <p:cTn id="27" presetID="1" presetClass="entr" presetSubtype="0" fill="hold" nodeType="withEffect">
+                                  <p:stCondLst>
+                                    <p:cond delay="0"/>
+                                  </p:stCondLst>
+                                  <p:childTnLst>
+                                    <p:set>
+                                      <p:cBhvr>
+                                        <p:cTn id="28" dur="1" fill="hold">
+                                          <p:stCondLst>
+                                            <p:cond delay="0"/>
+                                          </p:stCondLst>
+                                        </p:cTn>
+                                        <p:tgtEl>
+                                          <p:spTgt spid="3">
+                                            <p:txEl>
+                                              <p:pRg st="9" end="9"/>
+                                            </p:txEl>
+                                          </p:spTgt>
+                                        </p:tgtEl>
+                                        <p:attrNameLst>
+                                          <p:attrName>style.visibility</p:attrName>
+                                        </p:attrNameLst>
+                                      </p:cBhvr>
+                                      <p:to>
+                                        <p:strVal val="visible"/>
+                                      </p:to>
+                                    </p:set>
+                                  </p:childTnLst>
+                                </p:cTn>
+                              </p:par>
+                              <p:par>
+                                <p:cTn id="29" presetID="1" presetClass="entr" presetSubtype="0" fill="hold" nodeType="withEffect">
+                                  <p:stCondLst>
+                                    <p:cond delay="0"/>
+                                  </p:stCondLst>
+                                  <p:childTnLst>
+                                    <p:set>
+                                      <p:cBhvr>
+                                        <p:cTn id="30" dur="1" fill="hold">
+                                          <p:stCondLst>
+                                            <p:cond delay="0"/>
+                                          </p:stCondLst>
+                                        </p:cTn>
+                                        <p:tgtEl>
+                                          <p:spTgt spid="3">
+                                            <p:txEl>
+                                              <p:pRg st="10" end="10"/>
+                                            </p:txEl>
+                                          </p:spTgt>
+                                        </p:tgtEl>
+                                        <p:attrNameLst>
+                                          <p:attrName>style.visibility</p:attrName>
+                                        </p:attrNameLst>
+                                      </p:cBhvr>
+                                      <p:to>
+                                        <p:strVal val="visible"/>
+                                      </p:to>
+                                    </p:set>
+                                  </p:childTnLst>
+                                </p:cTn>
+                              </p:par>
+                              <p:par>
+                                <p:cTn id="31" presetID="1" presetClass="entr" presetSubtype="0" fill="hold" nodeType="withEffect">
+                                  <p:stCondLst>
+                                    <p:cond delay="0"/>
+                                  </p:stCondLst>
+                                  <p:childTnLst>
+                                    <p:set>
+                                      <p:cBhvr>
+                                        <p:cTn id="32" dur="1" fill="hold">
+                                          <p:stCondLst>
+                                            <p:cond delay="0"/>
+                                          </p:stCondLst>
+                                        </p:cTn>
+                                        <p:tgtEl>
+                                          <p:spTgt spid="3">
+                                            <p:txEl>
+                                              <p:pRg st="11" end="11"/>
+                                            </p:txEl>
+                                          </p:spTgt>
+                                        </p:tgtEl>
+                                        <p:attrNameLst>
+                                          <p:attrName>style.visibility</p:attrName>
+                                        </p:attrNameLst>
+                                      </p:cBhvr>
+                                      <p:to>
+                                        <p:strVal val="visible"/>
+                                      </p:to>
+                                    </p:set>
+                                  </p:childTnLst>
+                                </p:cTn>
+                              </p:par>
+                              <p:par>
+                                <p:cTn id="33" presetID="1" presetClass="entr" presetSubtype="0" fill="hold" nodeType="withEffect">
+                                  <p:stCondLst>
+                                    <p:cond delay="0"/>
+                                  </p:stCondLst>
+                                  <p:childTnLst>
+                                    <p:set>
+                                      <p:cBhvr>
+                                        <p:cTn id="34" dur="1" fill="hold">
+                                          <p:stCondLst>
+                                            <p:cond delay="0"/>
+                                          </p:stCondLst>
+                                        </p:cTn>
+                                        <p:tgtEl>
+                                          <p:spTgt spid="3">
+                                            <p:txEl>
+                                              <p:pRg st="12" end="12"/>
+                                            </p:txEl>
+                                          </p:spTgt>
+                                        </p:tgtEl>
+                                        <p:attrNameLst>
+                                          <p:attrName>style.visibility</p:attrName>
+                                        </p:attrNameLst>
+                                      </p:cBhvr>
+                                      <p:to>
+                                        <p:strVal val="visible"/>
+                                      </p:to>
+                                    </p:set>
+                                  </p:childTnLst>
+                                </p:cTn>
+                              </p:par>
+                            </p:childTnLst>
+                          </p:cTn>
+                        </p:par>
+                      </p:childTnLst>
+                    </p:cTn>
+                  </p:par>
+                </p:childTnLst>
+              </p:cTn>
+              <p:prevCondLst>
+                <p:cond evt="onPrev" delay="0">
+                  <p:tgtEl>
+                    <p:sldTgt/>
+                  </p:tgtEl>
+                </p:cond>
+              </p:prevCondLst>
+              <p:nextCondLst>
+                <p:cond evt="onNext" delay="0">
+                  <p:tgtEl>
+                    <p:sldTgt/>
+                  </p:tgtEl>
+                </p:cond>
+              </p:nextCondLst>
+            </p:seq>
+          </p:childTnLst>
+        </p:cTn>
       </p:par>
     </p:tnLst>
   </p:timing>
@@ -9159,11 +10013,7 @@
           <a:p>
             <a:r>
               <a:rPr lang="en-ZA" dirty="0" smtClean="0"/>
-              <a:t>Arrival </a:t>
-            </a:r>
-            <a:r>
-              <a:rPr lang="en-ZA" dirty="0" smtClean="0"/>
-              <a:t>Process</a:t>
+              <a:t>Arrival Process</a:t>
             </a:r>
           </a:p>
           <a:p>
@@ -9172,7 +10022,6 @@
               <a:rPr lang="en-ZA" dirty="0" smtClean="0"/>
               <a:t>Poisson distribution (independent)</a:t>
             </a:r>
-            <a:endParaRPr lang="en-ZA" dirty="0" smtClean="0"/>
           </a:p>
           <a:p>
             <a:pPr lvl="1"/>
@@ -9185,15 +10034,7 @@
             <a:pPr lvl="1"/>
             <a:r>
               <a:rPr lang="en-ZA" dirty="0" smtClean="0"/>
-              <a:t>Customers types will be determined according to the probability </a:t>
-            </a:r>
-            <a:r>
-              <a:rPr lang="en-ZA" dirty="0" smtClean="0"/>
-              <a:t>of </a:t>
-            </a:r>
-            <a:r>
-              <a:rPr lang="en-ZA" dirty="0" smtClean="0"/>
-              <a:t>customers requesting a specific service.</a:t>
+              <a:t>Customers types will be determined according to the probability of customers requesting a specific service.</a:t>
             </a:r>
           </a:p>
           <a:p>
@@ -9208,52 +10049,19 @@
               <a:rPr lang="en-ZA" dirty="0" smtClean="0"/>
               <a:t>Poisson distribution.</a:t>
             </a:r>
-            <a:endParaRPr lang="en-ZA" dirty="0" smtClean="0"/>
           </a:p>
           <a:p>
             <a:pPr lvl="1"/>
             <a:r>
               <a:rPr lang="en-ZA" dirty="0" smtClean="0"/>
-              <a:t>Different </a:t>
-            </a:r>
+              <a:t>Different service times according to the service they require.</a:t>
+            </a:r>
+          </a:p>
+          <a:p>
+            <a:pPr lvl="1"/>
             <a:r>
               <a:rPr lang="en-ZA" dirty="0" smtClean="0"/>
-              <a:t>service </a:t>
-            </a:r>
-            <a:r>
-              <a:rPr lang="en-ZA" dirty="0" smtClean="0"/>
-              <a:t>times according </a:t>
-            </a:r>
-            <a:r>
-              <a:rPr lang="en-ZA" dirty="0" smtClean="0"/>
-              <a:t>to the service they require.</a:t>
-            </a:r>
-          </a:p>
-          <a:p>
-            <a:pPr lvl="1"/>
-            <a:r>
-              <a:rPr lang="en-ZA" dirty="0" smtClean="0"/>
-              <a:t>Role </a:t>
-            </a:r>
-            <a:r>
-              <a:rPr lang="en-ZA" dirty="0" smtClean="0"/>
-              <a:t>of servers will </a:t>
-            </a:r>
-            <a:r>
-              <a:rPr lang="en-ZA" dirty="0" smtClean="0"/>
-              <a:t>differ </a:t>
-            </a:r>
-            <a:r>
-              <a:rPr lang="en-ZA" dirty="0" smtClean="0"/>
-              <a:t>according to </a:t>
-            </a:r>
-            <a:r>
-              <a:rPr lang="en-ZA" dirty="0" smtClean="0"/>
-              <a:t>customer arrival </a:t>
-            </a:r>
-            <a:r>
-              <a:rPr lang="en-ZA" dirty="0" smtClean="0"/>
-              <a:t>rate during the day.</a:t>
+              <a:t>Role of servers will differ according to customer arrival rate during the day.</a:t>
             </a:r>
           </a:p>
           <a:p>
@@ -9261,6 +10069,7 @@
               <a:rPr lang="en-ZA" dirty="0" smtClean="0"/>
               <a:t>System model 			-    M/M/s</a:t>
             </a:r>
+            <a:endParaRPr lang="en-ZA" dirty="0" smtClean="0"/>
           </a:p>
         </p:txBody>
       </p:sp>
@@ -9274,6 +10083,351 @@
   <p:clrMapOvr>
     <a:masterClrMapping/>
   </p:clrMapOvr>
+  <p:timing>
+    <p:tnLst>
+      <p:par>
+        <p:cTn id="1" dur="indefinite" restart="never" nodeType="tmRoot">
+          <p:childTnLst>
+            <p:seq concurrent="1" nextAc="seek">
+              <p:cTn id="2" dur="indefinite" nodeType="mainSeq">
+                <p:childTnLst>
+                  <p:par>
+                    <p:cTn id="3" fill="hold">
+                      <p:stCondLst>
+                        <p:cond delay="indefinite"/>
+                      </p:stCondLst>
+                      <p:childTnLst>
+                        <p:par>
+                          <p:cTn id="4" fill="hold">
+                            <p:stCondLst>
+                              <p:cond delay="0"/>
+                            </p:stCondLst>
+                            <p:childTnLst>
+                              <p:par>
+                                <p:cTn id="5" presetID="1" presetClass="entr" presetSubtype="0" fill="hold" nodeType="clickEffect">
+                                  <p:stCondLst>
+                                    <p:cond delay="0"/>
+                                  </p:stCondLst>
+                                  <p:childTnLst>
+                                    <p:set>
+                                      <p:cBhvr>
+                                        <p:cTn id="6" dur="1" fill="hold">
+                                          <p:stCondLst>
+                                            <p:cond delay="0"/>
+                                          </p:stCondLst>
+                                        </p:cTn>
+                                        <p:tgtEl>
+                                          <p:spTgt spid="3">
+                                            <p:txEl>
+                                              <p:pRg st="0" end="0"/>
+                                            </p:txEl>
+                                          </p:spTgt>
+                                        </p:tgtEl>
+                                        <p:attrNameLst>
+                                          <p:attrName>style.visibility</p:attrName>
+                                        </p:attrNameLst>
+                                      </p:cBhvr>
+                                      <p:to>
+                                        <p:strVal val="visible"/>
+                                      </p:to>
+                                    </p:set>
+                                  </p:childTnLst>
+                                </p:cTn>
+                              </p:par>
+                              <p:par>
+                                <p:cTn id="7" presetID="1" presetClass="entr" presetSubtype="0" fill="hold" nodeType="withEffect">
+                                  <p:stCondLst>
+                                    <p:cond delay="0"/>
+                                  </p:stCondLst>
+                                  <p:childTnLst>
+                                    <p:set>
+                                      <p:cBhvr>
+                                        <p:cTn id="8" dur="1" fill="hold">
+                                          <p:stCondLst>
+                                            <p:cond delay="0"/>
+                                          </p:stCondLst>
+                                        </p:cTn>
+                                        <p:tgtEl>
+                                          <p:spTgt spid="3">
+                                            <p:txEl>
+                                              <p:pRg st="1" end="1"/>
+                                            </p:txEl>
+                                          </p:spTgt>
+                                        </p:tgtEl>
+                                        <p:attrNameLst>
+                                          <p:attrName>style.visibility</p:attrName>
+                                        </p:attrNameLst>
+                                      </p:cBhvr>
+                                      <p:to>
+                                        <p:strVal val="visible"/>
+                                      </p:to>
+                                    </p:set>
+                                  </p:childTnLst>
+                                </p:cTn>
+                              </p:par>
+                              <p:par>
+                                <p:cTn id="9" presetID="1" presetClass="entr" presetSubtype="0" fill="hold" nodeType="withEffect">
+                                  <p:stCondLst>
+                                    <p:cond delay="0"/>
+                                  </p:stCondLst>
+                                  <p:childTnLst>
+                                    <p:set>
+                                      <p:cBhvr>
+                                        <p:cTn id="10" dur="1" fill="hold">
+                                          <p:stCondLst>
+                                            <p:cond delay="0"/>
+                                          </p:stCondLst>
+                                        </p:cTn>
+                                        <p:tgtEl>
+                                          <p:spTgt spid="3">
+                                            <p:txEl>
+                                              <p:pRg st="2" end="2"/>
+                                            </p:txEl>
+                                          </p:spTgt>
+                                        </p:tgtEl>
+                                        <p:attrNameLst>
+                                          <p:attrName>style.visibility</p:attrName>
+                                        </p:attrNameLst>
+                                      </p:cBhvr>
+                                      <p:to>
+                                        <p:strVal val="visible"/>
+                                      </p:to>
+                                    </p:set>
+                                  </p:childTnLst>
+                                </p:cTn>
+                              </p:par>
+                              <p:par>
+                                <p:cTn id="11" presetID="1" presetClass="entr" presetSubtype="0" fill="hold" nodeType="withEffect">
+                                  <p:stCondLst>
+                                    <p:cond delay="0"/>
+                                  </p:stCondLst>
+                                  <p:childTnLst>
+                                    <p:set>
+                                      <p:cBhvr>
+                                        <p:cTn id="12" dur="1" fill="hold">
+                                          <p:stCondLst>
+                                            <p:cond delay="0"/>
+                                          </p:stCondLst>
+                                        </p:cTn>
+                                        <p:tgtEl>
+                                          <p:spTgt spid="3">
+                                            <p:txEl>
+                                              <p:pRg st="3" end="3"/>
+                                            </p:txEl>
+                                          </p:spTgt>
+                                        </p:tgtEl>
+                                        <p:attrNameLst>
+                                          <p:attrName>style.visibility</p:attrName>
+                                        </p:attrNameLst>
+                                      </p:cBhvr>
+                                      <p:to>
+                                        <p:strVal val="visible"/>
+                                      </p:to>
+                                    </p:set>
+                                  </p:childTnLst>
+                                </p:cTn>
+                              </p:par>
+                            </p:childTnLst>
+                          </p:cTn>
+                        </p:par>
+                      </p:childTnLst>
+                    </p:cTn>
+                  </p:par>
+                  <p:par>
+                    <p:cTn id="13" fill="hold">
+                      <p:stCondLst>
+                        <p:cond delay="indefinite"/>
+                      </p:stCondLst>
+                      <p:childTnLst>
+                        <p:par>
+                          <p:cTn id="14" fill="hold">
+                            <p:stCondLst>
+                              <p:cond delay="0"/>
+                            </p:stCondLst>
+                            <p:childTnLst>
+                              <p:par>
+                                <p:cTn id="15" presetID="1" presetClass="entr" presetSubtype="0" fill="hold" nodeType="clickEffect">
+                                  <p:stCondLst>
+                                    <p:cond delay="0"/>
+                                  </p:stCondLst>
+                                  <p:childTnLst>
+                                    <p:set>
+                                      <p:cBhvr>
+                                        <p:cTn id="16" dur="1" fill="hold">
+                                          <p:stCondLst>
+                                            <p:cond delay="0"/>
+                                          </p:stCondLst>
+                                        </p:cTn>
+                                        <p:tgtEl>
+                                          <p:spTgt spid="3">
+                                            <p:txEl>
+                                              <p:pRg st="4" end="4"/>
+                                            </p:txEl>
+                                          </p:spTgt>
+                                        </p:tgtEl>
+                                        <p:attrNameLst>
+                                          <p:attrName>style.visibility</p:attrName>
+                                        </p:attrNameLst>
+                                      </p:cBhvr>
+                                      <p:to>
+                                        <p:strVal val="visible"/>
+                                      </p:to>
+                                    </p:set>
+                                  </p:childTnLst>
+                                </p:cTn>
+                              </p:par>
+                              <p:par>
+                                <p:cTn id="17" presetID="1" presetClass="entr" presetSubtype="0" fill="hold" nodeType="withEffect">
+                                  <p:stCondLst>
+                                    <p:cond delay="0"/>
+                                  </p:stCondLst>
+                                  <p:childTnLst>
+                                    <p:set>
+                                      <p:cBhvr>
+                                        <p:cTn id="18" dur="1" fill="hold">
+                                          <p:stCondLst>
+                                            <p:cond delay="0"/>
+                                          </p:stCondLst>
+                                        </p:cTn>
+                                        <p:tgtEl>
+                                          <p:spTgt spid="3">
+                                            <p:txEl>
+                                              <p:pRg st="5" end="5"/>
+                                            </p:txEl>
+                                          </p:spTgt>
+                                        </p:tgtEl>
+                                        <p:attrNameLst>
+                                          <p:attrName>style.visibility</p:attrName>
+                                        </p:attrNameLst>
+                                      </p:cBhvr>
+                                      <p:to>
+                                        <p:strVal val="visible"/>
+                                      </p:to>
+                                    </p:set>
+                                  </p:childTnLst>
+                                </p:cTn>
+                              </p:par>
+                              <p:par>
+                                <p:cTn id="19" presetID="1" presetClass="entr" presetSubtype="0" fill="hold" nodeType="withEffect">
+                                  <p:stCondLst>
+                                    <p:cond delay="0"/>
+                                  </p:stCondLst>
+                                  <p:childTnLst>
+                                    <p:set>
+                                      <p:cBhvr>
+                                        <p:cTn id="20" dur="1" fill="hold">
+                                          <p:stCondLst>
+                                            <p:cond delay="0"/>
+                                          </p:stCondLst>
+                                        </p:cTn>
+                                        <p:tgtEl>
+                                          <p:spTgt spid="3">
+                                            <p:txEl>
+                                              <p:pRg st="6" end="6"/>
+                                            </p:txEl>
+                                          </p:spTgt>
+                                        </p:tgtEl>
+                                        <p:attrNameLst>
+                                          <p:attrName>style.visibility</p:attrName>
+                                        </p:attrNameLst>
+                                      </p:cBhvr>
+                                      <p:to>
+                                        <p:strVal val="visible"/>
+                                      </p:to>
+                                    </p:set>
+                                  </p:childTnLst>
+                                </p:cTn>
+                              </p:par>
+                              <p:par>
+                                <p:cTn id="21" presetID="1" presetClass="entr" presetSubtype="0" fill="hold" nodeType="withEffect">
+                                  <p:stCondLst>
+                                    <p:cond delay="0"/>
+                                  </p:stCondLst>
+                                  <p:childTnLst>
+                                    <p:set>
+                                      <p:cBhvr>
+                                        <p:cTn id="22" dur="1" fill="hold">
+                                          <p:stCondLst>
+                                            <p:cond delay="0"/>
+                                          </p:stCondLst>
+                                        </p:cTn>
+                                        <p:tgtEl>
+                                          <p:spTgt spid="3">
+                                            <p:txEl>
+                                              <p:pRg st="7" end="7"/>
+                                            </p:txEl>
+                                          </p:spTgt>
+                                        </p:tgtEl>
+                                        <p:attrNameLst>
+                                          <p:attrName>style.visibility</p:attrName>
+                                        </p:attrNameLst>
+                                      </p:cBhvr>
+                                      <p:to>
+                                        <p:strVal val="visible"/>
+                                      </p:to>
+                                    </p:set>
+                                  </p:childTnLst>
+                                </p:cTn>
+                              </p:par>
+                              <p:par>
+                                <p:cTn id="23" presetID="1" presetClass="entr" presetSubtype="0" fill="hold" nodeType="withEffect">
+                                  <p:stCondLst>
+                                    <p:cond delay="0"/>
+                                  </p:stCondLst>
+                                  <p:childTnLst>
+                                    <p:set>
+                                      <p:cBhvr>
+                                        <p:cTn id="24" dur="1" fill="hold">
+                                          <p:stCondLst>
+                                            <p:cond delay="0"/>
+                                          </p:stCondLst>
+                                        </p:cTn>
+                                        <p:tgtEl>
+                                          <p:spTgt spid="3">
+                                            <p:txEl>
+                                              <p:pRg st="8" end="8"/>
+                                            </p:txEl>
+                                          </p:spTgt>
+                                        </p:tgtEl>
+                                        <p:attrNameLst>
+                                          <p:attrName>style.visibility</p:attrName>
+                                        </p:attrNameLst>
+                                      </p:cBhvr>
+                                      <p:to>
+                                        <p:strVal val="visible"/>
+                                      </p:to>
+                                    </p:set>
+                                  </p:childTnLst>
+                                </p:cTn>
+                              </p:par>
+                            </p:childTnLst>
+                          </p:cTn>
+                        </p:par>
+                      </p:childTnLst>
+                    </p:cTn>
+                  </p:par>
+                </p:childTnLst>
+              </p:cTn>
+              <p:prevCondLst>
+                <p:cond evt="onPrev" delay="0">
+                  <p:tgtEl>
+                    <p:sldTgt/>
+                  </p:tgtEl>
+                </p:cond>
+              </p:prevCondLst>
+              <p:nextCondLst>
+                <p:cond evt="onNext" delay="0">
+                  <p:tgtEl>
+                    <p:sldTgt/>
+                  </p:tgtEl>
+                </p:cond>
+              </p:nextCondLst>
+            </p:seq>
+          </p:childTnLst>
+        </p:cTn>
+      </p:par>
+    </p:tnLst>
+  </p:timing>
 </p:sld>
 </file>
 
@@ -9329,7 +10483,7 @@
         </p:nvSpPr>
         <p:spPr>
           <a:xfrm>
-            <a:off x="2369756" y="1380744"/>
+            <a:off x="2211494" y="1380744"/>
             <a:ext cx="8915400" cy="4974336"/>
           </a:xfrm>
         </p:spPr>
@@ -9365,7 +10519,6 @@
               <a:rPr lang="en-ZA" dirty="0" smtClean="0"/>
               <a:t>customer</a:t>
             </a:r>
-            <a:endParaRPr lang="en-ZA" dirty="0" smtClean="0"/>
           </a:p>
           <a:p>
             <a:endParaRPr lang="en-ZA" dirty="0" smtClean="0"/>
@@ -9435,13 +10588,13 @@
           <p:nvPr>
             <p:extLst>
               <p:ext uri="{D42A27DB-BD31-4B8C-83A1-F6EECF244321}">
-                <p14:modId xmlns:p14="http://schemas.microsoft.com/office/powerpoint/2010/main" val="580185980"/>
+                <p14:modId xmlns:p14="http://schemas.microsoft.com/office/powerpoint/2010/main" val="3919486734"/>
               </p:ext>
             </p:extLst>
           </p:nvPr>
         </p:nvGraphicFramePr>
         <p:xfrm>
-          <a:off x="2915451" y="2545080"/>
+          <a:off x="2757189" y="2545080"/>
           <a:ext cx="5418666" cy="1584960"/>
         </p:xfrm>
         <a:graphic>
@@ -9668,9 +10821,315 @@
   <p:timing>
     <p:tnLst>
       <p:par>
-        <p:cTn id="1" dur="indefinite" restart="never" nodeType="tmRoot"/>
+        <p:cTn id="1" dur="indefinite" restart="never" nodeType="tmRoot">
+          <p:childTnLst>
+            <p:seq concurrent="1" nextAc="seek">
+              <p:cTn id="2" dur="indefinite" nodeType="mainSeq">
+                <p:childTnLst>
+                  <p:par>
+                    <p:cTn id="3" fill="hold">
+                      <p:stCondLst>
+                        <p:cond delay="indefinite"/>
+                      </p:stCondLst>
+                      <p:childTnLst>
+                        <p:par>
+                          <p:cTn id="4" fill="hold">
+                            <p:stCondLst>
+                              <p:cond delay="0"/>
+                            </p:stCondLst>
+                            <p:childTnLst>
+                              <p:par>
+                                <p:cTn id="5" presetID="1" presetClass="entr" presetSubtype="0" fill="hold" grpId="0" nodeType="clickEffect">
+                                  <p:stCondLst>
+                                    <p:cond delay="0"/>
+                                  </p:stCondLst>
+                                  <p:childTnLst>
+                                    <p:set>
+                                      <p:cBhvr>
+                                        <p:cTn id="6" dur="1" fill="hold">
+                                          <p:stCondLst>
+                                            <p:cond delay="0"/>
+                                          </p:stCondLst>
+                                        </p:cTn>
+                                        <p:tgtEl>
+                                          <p:spTgt spid="3">
+                                            <p:txEl>
+                                              <p:pRg st="0" end="0"/>
+                                            </p:txEl>
+                                          </p:spTgt>
+                                        </p:tgtEl>
+                                        <p:attrNameLst>
+                                          <p:attrName>style.visibility</p:attrName>
+                                        </p:attrNameLst>
+                                      </p:cBhvr>
+                                      <p:to>
+                                        <p:strVal val="visible"/>
+                                      </p:to>
+                                    </p:set>
+                                  </p:childTnLst>
+                                </p:cTn>
+                              </p:par>
+                              <p:par>
+                                <p:cTn id="7" presetID="1" presetClass="entr" presetSubtype="0" fill="hold" grpId="0" nodeType="withEffect">
+                                  <p:stCondLst>
+                                    <p:cond delay="0"/>
+                                  </p:stCondLst>
+                                  <p:childTnLst>
+                                    <p:set>
+                                      <p:cBhvr>
+                                        <p:cTn id="8" dur="1" fill="hold">
+                                          <p:stCondLst>
+                                            <p:cond delay="0"/>
+                                          </p:stCondLst>
+                                        </p:cTn>
+                                        <p:tgtEl>
+                                          <p:spTgt spid="3">
+                                            <p:txEl>
+                                              <p:pRg st="1" end="1"/>
+                                            </p:txEl>
+                                          </p:spTgt>
+                                        </p:tgtEl>
+                                        <p:attrNameLst>
+                                          <p:attrName>style.visibility</p:attrName>
+                                        </p:attrNameLst>
+                                      </p:cBhvr>
+                                      <p:to>
+                                        <p:strVal val="visible"/>
+                                      </p:to>
+                                    </p:set>
+                                  </p:childTnLst>
+                                </p:cTn>
+                              </p:par>
+                              <p:par>
+                                <p:cTn id="9" presetID="1" presetClass="entr" presetSubtype="0" fill="hold" grpId="0" nodeType="withEffect">
+                                  <p:stCondLst>
+                                    <p:cond delay="0"/>
+                                  </p:stCondLst>
+                                  <p:childTnLst>
+                                    <p:set>
+                                      <p:cBhvr>
+                                        <p:cTn id="10" dur="1" fill="hold">
+                                          <p:stCondLst>
+                                            <p:cond delay="0"/>
+                                          </p:stCondLst>
+                                        </p:cTn>
+                                        <p:tgtEl>
+                                          <p:spTgt spid="3">
+                                            <p:txEl>
+                                              <p:pRg st="2" end="2"/>
+                                            </p:txEl>
+                                          </p:spTgt>
+                                        </p:tgtEl>
+                                        <p:attrNameLst>
+                                          <p:attrName>style.visibility</p:attrName>
+                                        </p:attrNameLst>
+                                      </p:cBhvr>
+                                      <p:to>
+                                        <p:strVal val="visible"/>
+                                      </p:to>
+                                    </p:set>
+                                  </p:childTnLst>
+                                </p:cTn>
+                              </p:par>
+                              <p:par>
+                                <p:cTn id="11" presetID="1" presetClass="entr" presetSubtype="0" fill="hold" nodeType="withEffect">
+                                  <p:stCondLst>
+                                    <p:cond delay="0"/>
+                                  </p:stCondLst>
+                                  <p:childTnLst>
+                                    <p:set>
+                                      <p:cBhvr>
+                                        <p:cTn id="12" dur="1" fill="hold">
+                                          <p:stCondLst>
+                                            <p:cond delay="0"/>
+                                          </p:stCondLst>
+                                        </p:cTn>
+                                        <p:tgtEl>
+                                          <p:spTgt spid="6"/>
+                                        </p:tgtEl>
+                                        <p:attrNameLst>
+                                          <p:attrName>style.visibility</p:attrName>
+                                        </p:attrNameLst>
+                                      </p:cBhvr>
+                                      <p:to>
+                                        <p:strVal val="visible"/>
+                                      </p:to>
+                                    </p:set>
+                                  </p:childTnLst>
+                                </p:cTn>
+                              </p:par>
+                            </p:childTnLst>
+                          </p:cTn>
+                        </p:par>
+                      </p:childTnLst>
+                    </p:cTn>
+                  </p:par>
+                  <p:par>
+                    <p:cTn id="13" fill="hold">
+                      <p:stCondLst>
+                        <p:cond delay="indefinite"/>
+                      </p:stCondLst>
+                      <p:childTnLst>
+                        <p:par>
+                          <p:cTn id="14" fill="hold">
+                            <p:stCondLst>
+                              <p:cond delay="0"/>
+                            </p:stCondLst>
+                            <p:childTnLst>
+                              <p:par>
+                                <p:cTn id="15" presetID="1" presetClass="entr" presetSubtype="0" fill="hold" nodeType="clickEffect">
+                                  <p:stCondLst>
+                                    <p:cond delay="0"/>
+                                  </p:stCondLst>
+                                  <p:childTnLst>
+                                    <p:set>
+                                      <p:cBhvr>
+                                        <p:cTn id="16" dur="1" fill="hold">
+                                          <p:stCondLst>
+                                            <p:cond delay="0"/>
+                                          </p:stCondLst>
+                                        </p:cTn>
+                                        <p:tgtEl>
+                                          <p:spTgt spid="3">
+                                            <p:txEl>
+                                              <p:pRg st="8" end="8"/>
+                                            </p:txEl>
+                                          </p:spTgt>
+                                        </p:tgtEl>
+                                        <p:attrNameLst>
+                                          <p:attrName>style.visibility</p:attrName>
+                                        </p:attrNameLst>
+                                      </p:cBhvr>
+                                      <p:to>
+                                        <p:strVal val="visible"/>
+                                      </p:to>
+                                    </p:set>
+                                  </p:childTnLst>
+                                </p:cTn>
+                              </p:par>
+                              <p:par>
+                                <p:cTn id="17" presetID="1" presetClass="entr" presetSubtype="0" fill="hold" nodeType="withEffect">
+                                  <p:stCondLst>
+                                    <p:cond delay="0"/>
+                                  </p:stCondLst>
+                                  <p:childTnLst>
+                                    <p:set>
+                                      <p:cBhvr>
+                                        <p:cTn id="18" dur="1" fill="hold">
+                                          <p:stCondLst>
+                                            <p:cond delay="0"/>
+                                          </p:stCondLst>
+                                        </p:cTn>
+                                        <p:tgtEl>
+                                          <p:spTgt spid="3">
+                                            <p:txEl>
+                                              <p:pRg st="9" end="9"/>
+                                            </p:txEl>
+                                          </p:spTgt>
+                                        </p:tgtEl>
+                                        <p:attrNameLst>
+                                          <p:attrName>style.visibility</p:attrName>
+                                        </p:attrNameLst>
+                                      </p:cBhvr>
+                                      <p:to>
+                                        <p:strVal val="visible"/>
+                                      </p:to>
+                                    </p:set>
+                                  </p:childTnLst>
+                                </p:cTn>
+                              </p:par>
+                              <p:par>
+                                <p:cTn id="19" presetID="1" presetClass="entr" presetSubtype="0" fill="hold" nodeType="withEffect">
+                                  <p:stCondLst>
+                                    <p:cond delay="0"/>
+                                  </p:stCondLst>
+                                  <p:childTnLst>
+                                    <p:set>
+                                      <p:cBhvr>
+                                        <p:cTn id="20" dur="1" fill="hold">
+                                          <p:stCondLst>
+                                            <p:cond delay="0"/>
+                                          </p:stCondLst>
+                                        </p:cTn>
+                                        <p:tgtEl>
+                                          <p:spTgt spid="3">
+                                            <p:txEl>
+                                              <p:pRg st="10" end="10"/>
+                                            </p:txEl>
+                                          </p:spTgt>
+                                        </p:tgtEl>
+                                        <p:attrNameLst>
+                                          <p:attrName>style.visibility</p:attrName>
+                                        </p:attrNameLst>
+                                      </p:cBhvr>
+                                      <p:to>
+                                        <p:strVal val="visible"/>
+                                      </p:to>
+                                    </p:set>
+                                  </p:childTnLst>
+                                </p:cTn>
+                              </p:par>
+                              <p:par>
+                                <p:cTn id="21" presetID="1" presetClass="entr" presetSubtype="0" fill="hold" nodeType="withEffect">
+                                  <p:stCondLst>
+                                    <p:cond delay="0"/>
+                                  </p:stCondLst>
+                                  <p:childTnLst>
+                                    <p:set>
+                                      <p:cBhvr>
+                                        <p:cTn id="22" dur="1" fill="hold">
+                                          <p:stCondLst>
+                                            <p:cond delay="0"/>
+                                          </p:stCondLst>
+                                        </p:cTn>
+                                        <p:tgtEl>
+                                          <p:spTgt spid="3">
+                                            <p:txEl>
+                                              <p:pRg st="11" end="11"/>
+                                            </p:txEl>
+                                          </p:spTgt>
+                                        </p:tgtEl>
+                                        <p:attrNameLst>
+                                          <p:attrName>style.visibility</p:attrName>
+                                        </p:attrNameLst>
+                                      </p:cBhvr>
+                                      <p:to>
+                                        <p:strVal val="visible"/>
+                                      </p:to>
+                                    </p:set>
+                                  </p:childTnLst>
+                                </p:cTn>
+                              </p:par>
+                            </p:childTnLst>
+                          </p:cTn>
+                        </p:par>
+                      </p:childTnLst>
+                    </p:cTn>
+                  </p:par>
+                </p:childTnLst>
+              </p:cTn>
+              <p:prevCondLst>
+                <p:cond evt="onPrev" delay="0">
+                  <p:tgtEl>
+                    <p:sldTgt/>
+                  </p:tgtEl>
+                </p:cond>
+              </p:prevCondLst>
+              <p:nextCondLst>
+                <p:cond evt="onNext" delay="0">
+                  <p:tgtEl>
+                    <p:sldTgt/>
+                  </p:tgtEl>
+                </p:cond>
+              </p:nextCondLst>
+            </p:seq>
+          </p:childTnLst>
+        </p:cTn>
       </p:par>
     </p:tnLst>
+    <p:bldLst>
+      <p:bldP spid="3" grpId="0" build="p"/>
+    </p:bldLst>
   </p:timing>
 </p:sld>
 </file>
@@ -9882,14 +11341,14 @@
           <p:nvPr>
             <p:extLst>
               <p:ext uri="{D42A27DB-BD31-4B8C-83A1-F6EECF244321}">
-                <p14:modId xmlns:p14="http://schemas.microsoft.com/office/powerpoint/2010/main" val="2673704707"/>
+                <p14:modId xmlns:p14="http://schemas.microsoft.com/office/powerpoint/2010/main" val="1046508787"/>
               </p:ext>
             </p:extLst>
           </p:nvPr>
         </p:nvGraphicFramePr>
         <p:xfrm>
           <a:off x="3437793" y="2305684"/>
-          <a:ext cx="6810132" cy="2225040"/>
+          <a:ext cx="6810132" cy="2254984"/>
         </p:xfrm>
         <a:graphic>
           <a:graphicData uri="http://schemas.openxmlformats.org/drawingml/2006/table">
@@ -9952,7 +11411,7 @@
                   </a:ext>
                 </a:extLst>
               </a:tr>
-              <a:tr h="370840">
+              <a:tr h="400784">
                 <a:tc>
                   <a:txBody>
                     <a:bodyPr/>
@@ -10472,11 +11931,7 @@
                       </a:r>
                       <a:r>
                         <a:rPr lang="en-US" baseline="0" dirty="0" smtClean="0"/>
-                        <a:t>ueue for </a:t>
-                      </a:r>
-                      <a:r>
-                        <a:rPr lang="en-US" baseline="0" dirty="0" smtClean="0"/>
-                        <a:t>banking statements, </a:t>
+                        <a:t>ueue for banking statements, </a:t>
                       </a:r>
                       <a:r>
                         <a:rPr lang="en-US" dirty="0" smtClean="0"/>
@@ -10529,7 +11984,6 @@
                         <a:rPr lang="en-US" baseline="0" dirty="0" smtClean="0"/>
                         <a:t> for new accounts and loans.</a:t>
                       </a:r>
-                      <a:endParaRPr lang="en-US" baseline="0" dirty="0" smtClean="0"/>
                     </a:p>
                   </a:txBody>
                   <a:tcPr/>
@@ -10593,6 +12047,352 @@
   <p:clrMapOvr>
     <a:masterClrMapping/>
   </p:clrMapOvr>
+  <p:timing>
+    <p:tnLst>
+      <p:par>
+        <p:cTn id="1" dur="indefinite" restart="never" nodeType="tmRoot">
+          <p:childTnLst>
+            <p:seq concurrent="1" nextAc="seek">
+              <p:cTn id="2" dur="indefinite" nodeType="mainSeq">
+                <p:childTnLst>
+                  <p:par>
+                    <p:cTn id="3" fill="hold">
+                      <p:stCondLst>
+                        <p:cond delay="indefinite"/>
+                      </p:stCondLst>
+                      <p:childTnLst>
+                        <p:par>
+                          <p:cTn id="4" fill="hold">
+                            <p:stCondLst>
+                              <p:cond delay="0"/>
+                            </p:stCondLst>
+                            <p:childTnLst>
+                              <p:par>
+                                <p:cTn id="5" presetID="1" presetClass="entr" presetSubtype="0" fill="hold" nodeType="clickEffect">
+                                  <p:stCondLst>
+                                    <p:cond delay="0"/>
+                                  </p:stCondLst>
+                                  <p:childTnLst>
+                                    <p:set>
+                                      <p:cBhvr>
+                                        <p:cTn id="6" dur="1" fill="hold">
+                                          <p:stCondLst>
+                                            <p:cond delay="0"/>
+                                          </p:stCondLst>
+                                        </p:cTn>
+                                        <p:tgtEl>
+                                          <p:spTgt spid="3">
+                                            <p:txEl>
+                                              <p:pRg st="0" end="0"/>
+                                            </p:txEl>
+                                          </p:spTgt>
+                                        </p:tgtEl>
+                                        <p:attrNameLst>
+                                          <p:attrName>style.visibility</p:attrName>
+                                        </p:attrNameLst>
+                                      </p:cBhvr>
+                                      <p:to>
+                                        <p:strVal val="visible"/>
+                                      </p:to>
+                                    </p:set>
+                                  </p:childTnLst>
+                                </p:cTn>
+                              </p:par>
+                              <p:par>
+                                <p:cTn id="7" presetID="1" presetClass="entr" presetSubtype="0" fill="hold" nodeType="withEffect">
+                                  <p:stCondLst>
+                                    <p:cond delay="0"/>
+                                  </p:stCondLst>
+                                  <p:childTnLst>
+                                    <p:set>
+                                      <p:cBhvr>
+                                        <p:cTn id="8" dur="1" fill="hold">
+                                          <p:stCondLst>
+                                            <p:cond delay="0"/>
+                                          </p:stCondLst>
+                                        </p:cTn>
+                                        <p:tgtEl>
+                                          <p:spTgt spid="3">
+                                            <p:txEl>
+                                              <p:pRg st="1" end="1"/>
+                                            </p:txEl>
+                                          </p:spTgt>
+                                        </p:tgtEl>
+                                        <p:attrNameLst>
+                                          <p:attrName>style.visibility</p:attrName>
+                                        </p:attrNameLst>
+                                      </p:cBhvr>
+                                      <p:to>
+                                        <p:strVal val="visible"/>
+                                      </p:to>
+                                    </p:set>
+                                  </p:childTnLst>
+                                </p:cTn>
+                              </p:par>
+                            </p:childTnLst>
+                          </p:cTn>
+                        </p:par>
+                      </p:childTnLst>
+                    </p:cTn>
+                  </p:par>
+                  <p:par>
+                    <p:cTn id="9" fill="hold">
+                      <p:stCondLst>
+                        <p:cond delay="indefinite"/>
+                      </p:stCondLst>
+                      <p:childTnLst>
+                        <p:par>
+                          <p:cTn id="10" fill="hold">
+                            <p:stCondLst>
+                              <p:cond delay="0"/>
+                            </p:stCondLst>
+                            <p:childTnLst>
+                              <p:par>
+                                <p:cTn id="11" presetID="1" presetClass="entr" presetSubtype="0" fill="hold" nodeType="clickEffect">
+                                  <p:stCondLst>
+                                    <p:cond delay="0"/>
+                                  </p:stCondLst>
+                                  <p:childTnLst>
+                                    <p:set>
+                                      <p:cBhvr>
+                                        <p:cTn id="12" dur="1" fill="hold">
+                                          <p:stCondLst>
+                                            <p:cond delay="0"/>
+                                          </p:stCondLst>
+                                        </p:cTn>
+                                        <p:tgtEl>
+                                          <p:spTgt spid="4"/>
+                                        </p:tgtEl>
+                                        <p:attrNameLst>
+                                          <p:attrName>style.visibility</p:attrName>
+                                        </p:attrNameLst>
+                                      </p:cBhvr>
+                                      <p:to>
+                                        <p:strVal val="visible"/>
+                                      </p:to>
+                                    </p:set>
+                                  </p:childTnLst>
+                                </p:cTn>
+                              </p:par>
+                            </p:childTnLst>
+                          </p:cTn>
+                        </p:par>
+                      </p:childTnLst>
+                    </p:cTn>
+                  </p:par>
+                  <p:par>
+                    <p:cTn id="13" fill="hold">
+                      <p:stCondLst>
+                        <p:cond delay="indefinite"/>
+                      </p:stCondLst>
+                      <p:childTnLst>
+                        <p:par>
+                          <p:cTn id="14" fill="hold">
+                            <p:stCondLst>
+                              <p:cond delay="0"/>
+                            </p:stCondLst>
+                            <p:childTnLst>
+                              <p:par>
+                                <p:cTn id="15" presetID="1" presetClass="entr" presetSubtype="0" fill="hold" nodeType="clickEffect">
+                                  <p:stCondLst>
+                                    <p:cond delay="0"/>
+                                  </p:stCondLst>
+                                  <p:childTnLst>
+                                    <p:set>
+                                      <p:cBhvr>
+                                        <p:cTn id="16" dur="1" fill="hold">
+                                          <p:stCondLst>
+                                            <p:cond delay="0"/>
+                                          </p:stCondLst>
+                                        </p:cTn>
+                                        <p:tgtEl>
+                                          <p:spTgt spid="3">
+                                            <p:txEl>
+                                              <p:pRg st="3" end="3"/>
+                                            </p:txEl>
+                                          </p:spTgt>
+                                        </p:tgtEl>
+                                        <p:attrNameLst>
+                                          <p:attrName>style.visibility</p:attrName>
+                                        </p:attrNameLst>
+                                      </p:cBhvr>
+                                      <p:to>
+                                        <p:strVal val="visible"/>
+                                      </p:to>
+                                    </p:set>
+                                  </p:childTnLst>
+                                </p:cTn>
+                              </p:par>
+                              <p:par>
+                                <p:cTn id="17" presetID="1" presetClass="entr" presetSubtype="0" fill="hold" nodeType="withEffect">
+                                  <p:stCondLst>
+                                    <p:cond delay="0"/>
+                                  </p:stCondLst>
+                                  <p:childTnLst>
+                                    <p:set>
+                                      <p:cBhvr>
+                                        <p:cTn id="18" dur="1" fill="hold">
+                                          <p:stCondLst>
+                                            <p:cond delay="0"/>
+                                          </p:stCondLst>
+                                        </p:cTn>
+                                        <p:tgtEl>
+                                          <p:spTgt spid="3">
+                                            <p:txEl>
+                                              <p:pRg st="4" end="4"/>
+                                            </p:txEl>
+                                          </p:spTgt>
+                                        </p:tgtEl>
+                                        <p:attrNameLst>
+                                          <p:attrName>style.visibility</p:attrName>
+                                        </p:attrNameLst>
+                                      </p:cBhvr>
+                                      <p:to>
+                                        <p:strVal val="visible"/>
+                                      </p:to>
+                                    </p:set>
+                                  </p:childTnLst>
+                                </p:cTn>
+                              </p:par>
+                            </p:childTnLst>
+                          </p:cTn>
+                        </p:par>
+                      </p:childTnLst>
+                    </p:cTn>
+                  </p:par>
+                  <p:par>
+                    <p:cTn id="19" fill="hold">
+                      <p:stCondLst>
+                        <p:cond delay="indefinite"/>
+                      </p:stCondLst>
+                      <p:childTnLst>
+                        <p:par>
+                          <p:cTn id="20" fill="hold">
+                            <p:stCondLst>
+                              <p:cond delay="0"/>
+                            </p:stCondLst>
+                            <p:childTnLst>
+                              <p:par>
+                                <p:cTn id="21" presetID="1" presetClass="entr" presetSubtype="0" fill="hold" nodeType="clickEffect">
+                                  <p:stCondLst>
+                                    <p:cond delay="0"/>
+                                  </p:stCondLst>
+                                  <p:childTnLst>
+                                    <p:set>
+                                      <p:cBhvr>
+                                        <p:cTn id="22" dur="1" fill="hold">
+                                          <p:stCondLst>
+                                            <p:cond delay="0"/>
+                                          </p:stCondLst>
+                                        </p:cTn>
+                                        <p:tgtEl>
+                                          <p:spTgt spid="3">
+                                            <p:txEl>
+                                              <p:pRg st="5" end="5"/>
+                                            </p:txEl>
+                                          </p:spTgt>
+                                        </p:tgtEl>
+                                        <p:attrNameLst>
+                                          <p:attrName>style.visibility</p:attrName>
+                                        </p:attrNameLst>
+                                      </p:cBhvr>
+                                      <p:to>
+                                        <p:strVal val="visible"/>
+                                      </p:to>
+                                    </p:set>
+                                  </p:childTnLst>
+                                </p:cTn>
+                              </p:par>
+                              <p:par>
+                                <p:cTn id="23" presetID="1" presetClass="entr" presetSubtype="0" fill="hold" nodeType="withEffect">
+                                  <p:stCondLst>
+                                    <p:cond delay="0"/>
+                                  </p:stCondLst>
+                                  <p:childTnLst>
+                                    <p:set>
+                                      <p:cBhvr>
+                                        <p:cTn id="24" dur="1" fill="hold">
+                                          <p:stCondLst>
+                                            <p:cond delay="0"/>
+                                          </p:stCondLst>
+                                        </p:cTn>
+                                        <p:tgtEl>
+                                          <p:spTgt spid="3">
+                                            <p:txEl>
+                                              <p:pRg st="6" end="6"/>
+                                            </p:txEl>
+                                          </p:spTgt>
+                                        </p:tgtEl>
+                                        <p:attrNameLst>
+                                          <p:attrName>style.visibility</p:attrName>
+                                        </p:attrNameLst>
+                                      </p:cBhvr>
+                                      <p:to>
+                                        <p:strVal val="visible"/>
+                                      </p:to>
+                                    </p:set>
+                                  </p:childTnLst>
+                                </p:cTn>
+                              </p:par>
+                              <p:par>
+                                <p:cTn id="25" presetID="1" presetClass="entr" presetSubtype="0" fill="hold" nodeType="withEffect">
+                                  <p:stCondLst>
+                                    <p:cond delay="0"/>
+                                  </p:stCondLst>
+                                  <p:childTnLst>
+                                    <p:set>
+                                      <p:cBhvr>
+                                        <p:cTn id="26" dur="1" fill="hold">
+                                          <p:stCondLst>
+                                            <p:cond delay="0"/>
+                                          </p:stCondLst>
+                                        </p:cTn>
+                                        <p:tgtEl>
+                                          <p:spTgt spid="3">
+                                            <p:txEl>
+                                              <p:pRg st="7" end="7"/>
+                                            </p:txEl>
+                                          </p:spTgt>
+                                        </p:tgtEl>
+                                        <p:attrNameLst>
+                                          <p:attrName>style.visibility</p:attrName>
+                                        </p:attrNameLst>
+                                      </p:cBhvr>
+                                      <p:to>
+                                        <p:strVal val="visible"/>
+                                      </p:to>
+                                    </p:set>
+                                  </p:childTnLst>
+                                </p:cTn>
+                              </p:par>
+                            </p:childTnLst>
+                          </p:cTn>
+                        </p:par>
+                      </p:childTnLst>
+                    </p:cTn>
+                  </p:par>
+                </p:childTnLst>
+              </p:cTn>
+              <p:prevCondLst>
+                <p:cond evt="onPrev" delay="0">
+                  <p:tgtEl>
+                    <p:sldTgt/>
+                  </p:tgtEl>
+                </p:cond>
+              </p:prevCondLst>
+              <p:nextCondLst>
+                <p:cond evt="onNext" delay="0">
+                  <p:tgtEl>
+                    <p:sldTgt/>
+                  </p:tgtEl>
+                </p:cond>
+              </p:nextCondLst>
+            </p:seq>
+          </p:childTnLst>
+        </p:cTn>
+      </p:par>
+    </p:tnLst>
+  </p:timing>
 </p:sld>
 </file>
 
@@ -10768,6 +12568,413 @@
   <p:clrMapOvr>
     <a:masterClrMapping/>
   </p:clrMapOvr>
+  <p:timing>
+    <p:tnLst>
+      <p:par>
+        <p:cTn id="1" dur="indefinite" restart="never" nodeType="tmRoot">
+          <p:childTnLst>
+            <p:seq concurrent="1" nextAc="seek">
+              <p:cTn id="2" dur="indefinite" nodeType="mainSeq">
+                <p:childTnLst>
+                  <p:par>
+                    <p:cTn id="3" fill="hold">
+                      <p:stCondLst>
+                        <p:cond delay="indefinite"/>
+                      </p:stCondLst>
+                      <p:childTnLst>
+                        <p:par>
+                          <p:cTn id="4" fill="hold">
+                            <p:stCondLst>
+                              <p:cond delay="0"/>
+                            </p:stCondLst>
+                            <p:childTnLst>
+                              <p:par>
+                                <p:cTn id="5" presetID="1" presetClass="entr" presetSubtype="0" fill="hold" nodeType="clickEffect">
+                                  <p:stCondLst>
+                                    <p:cond delay="0"/>
+                                  </p:stCondLst>
+                                  <p:childTnLst>
+                                    <p:set>
+                                      <p:cBhvr>
+                                        <p:cTn id="6" dur="1" fill="hold">
+                                          <p:stCondLst>
+                                            <p:cond delay="0"/>
+                                          </p:stCondLst>
+                                        </p:cTn>
+                                        <p:tgtEl>
+                                          <p:spTgt spid="8">
+                                            <p:txEl>
+                                              <p:pRg st="0" end="0"/>
+                                            </p:txEl>
+                                          </p:spTgt>
+                                        </p:tgtEl>
+                                        <p:attrNameLst>
+                                          <p:attrName>style.visibility</p:attrName>
+                                        </p:attrNameLst>
+                                      </p:cBhvr>
+                                      <p:to>
+                                        <p:strVal val="visible"/>
+                                      </p:to>
+                                    </p:set>
+                                  </p:childTnLst>
+                                </p:cTn>
+                              </p:par>
+                              <p:par>
+                                <p:cTn id="7" presetID="1" presetClass="entr" presetSubtype="0" fill="hold" nodeType="withEffect">
+                                  <p:stCondLst>
+                                    <p:cond delay="0"/>
+                                  </p:stCondLst>
+                                  <p:childTnLst>
+                                    <p:set>
+                                      <p:cBhvr>
+                                        <p:cTn id="8" dur="1" fill="hold">
+                                          <p:stCondLst>
+                                            <p:cond delay="0"/>
+                                          </p:stCondLst>
+                                        </p:cTn>
+                                        <p:tgtEl>
+                                          <p:spTgt spid="8">
+                                            <p:txEl>
+                                              <p:pRg st="1" end="1"/>
+                                            </p:txEl>
+                                          </p:spTgt>
+                                        </p:tgtEl>
+                                        <p:attrNameLst>
+                                          <p:attrName>style.visibility</p:attrName>
+                                        </p:attrNameLst>
+                                      </p:cBhvr>
+                                      <p:to>
+                                        <p:strVal val="visible"/>
+                                      </p:to>
+                                    </p:set>
+                                  </p:childTnLst>
+                                </p:cTn>
+                              </p:par>
+                              <p:par>
+                                <p:cTn id="9" presetID="1" presetClass="entr" presetSubtype="0" fill="hold" nodeType="withEffect">
+                                  <p:stCondLst>
+                                    <p:cond delay="0"/>
+                                  </p:stCondLst>
+                                  <p:childTnLst>
+                                    <p:set>
+                                      <p:cBhvr>
+                                        <p:cTn id="10" dur="1" fill="hold">
+                                          <p:stCondLst>
+                                            <p:cond delay="0"/>
+                                          </p:stCondLst>
+                                        </p:cTn>
+                                        <p:tgtEl>
+                                          <p:spTgt spid="8">
+                                            <p:txEl>
+                                              <p:pRg st="2" end="2"/>
+                                            </p:txEl>
+                                          </p:spTgt>
+                                        </p:tgtEl>
+                                        <p:attrNameLst>
+                                          <p:attrName>style.visibility</p:attrName>
+                                        </p:attrNameLst>
+                                      </p:cBhvr>
+                                      <p:to>
+                                        <p:strVal val="visible"/>
+                                      </p:to>
+                                    </p:set>
+                                  </p:childTnLst>
+                                </p:cTn>
+                              </p:par>
+                              <p:par>
+                                <p:cTn id="11" presetID="1" presetClass="entr" presetSubtype="0" fill="hold" nodeType="withEffect">
+                                  <p:stCondLst>
+                                    <p:cond delay="0"/>
+                                  </p:stCondLst>
+                                  <p:childTnLst>
+                                    <p:set>
+                                      <p:cBhvr>
+                                        <p:cTn id="12" dur="1" fill="hold">
+                                          <p:stCondLst>
+                                            <p:cond delay="0"/>
+                                          </p:stCondLst>
+                                        </p:cTn>
+                                        <p:tgtEl>
+                                          <p:spTgt spid="8">
+                                            <p:txEl>
+                                              <p:pRg st="3" end="3"/>
+                                            </p:txEl>
+                                          </p:spTgt>
+                                        </p:tgtEl>
+                                        <p:attrNameLst>
+                                          <p:attrName>style.visibility</p:attrName>
+                                        </p:attrNameLst>
+                                      </p:cBhvr>
+                                      <p:to>
+                                        <p:strVal val="visible"/>
+                                      </p:to>
+                                    </p:set>
+                                  </p:childTnLst>
+                                </p:cTn>
+                              </p:par>
+                              <p:par>
+                                <p:cTn id="13" presetID="1" presetClass="entr" presetSubtype="0" fill="hold" nodeType="withEffect">
+                                  <p:stCondLst>
+                                    <p:cond delay="0"/>
+                                  </p:stCondLst>
+                                  <p:childTnLst>
+                                    <p:set>
+                                      <p:cBhvr>
+                                        <p:cTn id="14" dur="1" fill="hold">
+                                          <p:stCondLst>
+                                            <p:cond delay="0"/>
+                                          </p:stCondLst>
+                                        </p:cTn>
+                                        <p:tgtEl>
+                                          <p:spTgt spid="8">
+                                            <p:txEl>
+                                              <p:pRg st="4" end="4"/>
+                                            </p:txEl>
+                                          </p:spTgt>
+                                        </p:tgtEl>
+                                        <p:attrNameLst>
+                                          <p:attrName>style.visibility</p:attrName>
+                                        </p:attrNameLst>
+                                      </p:cBhvr>
+                                      <p:to>
+                                        <p:strVal val="visible"/>
+                                      </p:to>
+                                    </p:set>
+                                  </p:childTnLst>
+                                </p:cTn>
+                              </p:par>
+                              <p:par>
+                                <p:cTn id="15" presetID="1" presetClass="entr" presetSubtype="0" fill="hold" nodeType="withEffect">
+                                  <p:stCondLst>
+                                    <p:cond delay="0"/>
+                                  </p:stCondLst>
+                                  <p:childTnLst>
+                                    <p:set>
+                                      <p:cBhvr>
+                                        <p:cTn id="16" dur="1" fill="hold">
+                                          <p:stCondLst>
+                                            <p:cond delay="0"/>
+                                          </p:stCondLst>
+                                        </p:cTn>
+                                        <p:tgtEl>
+                                          <p:spTgt spid="8">
+                                            <p:txEl>
+                                              <p:pRg st="5" end="5"/>
+                                            </p:txEl>
+                                          </p:spTgt>
+                                        </p:tgtEl>
+                                        <p:attrNameLst>
+                                          <p:attrName>style.visibility</p:attrName>
+                                        </p:attrNameLst>
+                                      </p:cBhvr>
+                                      <p:to>
+                                        <p:strVal val="visible"/>
+                                      </p:to>
+                                    </p:set>
+                                  </p:childTnLst>
+                                </p:cTn>
+                              </p:par>
+                              <p:par>
+                                <p:cTn id="17" presetID="1" presetClass="entr" presetSubtype="0" fill="hold" nodeType="withEffect">
+                                  <p:stCondLst>
+                                    <p:cond delay="0"/>
+                                  </p:stCondLst>
+                                  <p:childTnLst>
+                                    <p:set>
+                                      <p:cBhvr>
+                                        <p:cTn id="18" dur="1" fill="hold">
+                                          <p:stCondLst>
+                                            <p:cond delay="0"/>
+                                          </p:stCondLst>
+                                        </p:cTn>
+                                        <p:tgtEl>
+                                          <p:spTgt spid="8">
+                                            <p:txEl>
+                                              <p:pRg st="6" end="6"/>
+                                            </p:txEl>
+                                          </p:spTgt>
+                                        </p:tgtEl>
+                                        <p:attrNameLst>
+                                          <p:attrName>style.visibility</p:attrName>
+                                        </p:attrNameLst>
+                                      </p:cBhvr>
+                                      <p:to>
+                                        <p:strVal val="visible"/>
+                                      </p:to>
+                                    </p:set>
+                                  </p:childTnLst>
+                                </p:cTn>
+                              </p:par>
+                            </p:childTnLst>
+                          </p:cTn>
+                        </p:par>
+                      </p:childTnLst>
+                    </p:cTn>
+                  </p:par>
+                  <p:par>
+                    <p:cTn id="19" fill="hold">
+                      <p:stCondLst>
+                        <p:cond delay="indefinite"/>
+                      </p:stCondLst>
+                      <p:childTnLst>
+                        <p:par>
+                          <p:cTn id="20" fill="hold">
+                            <p:stCondLst>
+                              <p:cond delay="0"/>
+                            </p:stCondLst>
+                            <p:childTnLst>
+                              <p:par>
+                                <p:cTn id="21" presetID="1" presetClass="entr" presetSubtype="0" fill="hold" nodeType="clickEffect">
+                                  <p:stCondLst>
+                                    <p:cond delay="0"/>
+                                  </p:stCondLst>
+                                  <p:childTnLst>
+                                    <p:set>
+                                      <p:cBhvr>
+                                        <p:cTn id="22" dur="1" fill="hold">
+                                          <p:stCondLst>
+                                            <p:cond delay="0"/>
+                                          </p:stCondLst>
+                                        </p:cTn>
+                                        <p:tgtEl>
+                                          <p:spTgt spid="8">
+                                            <p:txEl>
+                                              <p:pRg st="7" end="7"/>
+                                            </p:txEl>
+                                          </p:spTgt>
+                                        </p:tgtEl>
+                                        <p:attrNameLst>
+                                          <p:attrName>style.visibility</p:attrName>
+                                        </p:attrNameLst>
+                                      </p:cBhvr>
+                                      <p:to>
+                                        <p:strVal val="visible"/>
+                                      </p:to>
+                                    </p:set>
+                                  </p:childTnLst>
+                                </p:cTn>
+                              </p:par>
+                              <p:par>
+                                <p:cTn id="23" presetID="1" presetClass="entr" presetSubtype="0" fill="hold" nodeType="withEffect">
+                                  <p:stCondLst>
+                                    <p:cond delay="0"/>
+                                  </p:stCondLst>
+                                  <p:childTnLst>
+                                    <p:set>
+                                      <p:cBhvr>
+                                        <p:cTn id="24" dur="1" fill="hold">
+                                          <p:stCondLst>
+                                            <p:cond delay="0"/>
+                                          </p:stCondLst>
+                                        </p:cTn>
+                                        <p:tgtEl>
+                                          <p:spTgt spid="8">
+                                            <p:txEl>
+                                              <p:pRg st="8" end="8"/>
+                                            </p:txEl>
+                                          </p:spTgt>
+                                        </p:tgtEl>
+                                        <p:attrNameLst>
+                                          <p:attrName>style.visibility</p:attrName>
+                                        </p:attrNameLst>
+                                      </p:cBhvr>
+                                      <p:to>
+                                        <p:strVal val="visible"/>
+                                      </p:to>
+                                    </p:set>
+                                  </p:childTnLst>
+                                </p:cTn>
+                              </p:par>
+                              <p:par>
+                                <p:cTn id="25" presetID="1" presetClass="entr" presetSubtype="0" fill="hold" nodeType="withEffect">
+                                  <p:stCondLst>
+                                    <p:cond delay="0"/>
+                                  </p:stCondLst>
+                                  <p:childTnLst>
+                                    <p:set>
+                                      <p:cBhvr>
+                                        <p:cTn id="26" dur="1" fill="hold">
+                                          <p:stCondLst>
+                                            <p:cond delay="0"/>
+                                          </p:stCondLst>
+                                        </p:cTn>
+                                        <p:tgtEl>
+                                          <p:spTgt spid="8">
+                                            <p:txEl>
+                                              <p:pRg st="9" end="9"/>
+                                            </p:txEl>
+                                          </p:spTgt>
+                                        </p:tgtEl>
+                                        <p:attrNameLst>
+                                          <p:attrName>style.visibility</p:attrName>
+                                        </p:attrNameLst>
+                                      </p:cBhvr>
+                                      <p:to>
+                                        <p:strVal val="visible"/>
+                                      </p:to>
+                                    </p:set>
+                                  </p:childTnLst>
+                                </p:cTn>
+                              </p:par>
+                              <p:par>
+                                <p:cTn id="27" presetID="1" presetClass="entr" presetSubtype="0" fill="hold" nodeType="withEffect">
+                                  <p:stCondLst>
+                                    <p:cond delay="0"/>
+                                  </p:stCondLst>
+                                  <p:childTnLst>
+                                    <p:set>
+                                      <p:cBhvr>
+                                        <p:cTn id="28" dur="1" fill="hold">
+                                          <p:stCondLst>
+                                            <p:cond delay="0"/>
+                                          </p:stCondLst>
+                                        </p:cTn>
+                                        <p:tgtEl>
+                                          <p:spTgt spid="8">
+                                            <p:txEl>
+                                              <p:pRg st="10" end="10"/>
+                                            </p:txEl>
+                                          </p:spTgt>
+                                        </p:tgtEl>
+                                        <p:attrNameLst>
+                                          <p:attrName>style.visibility</p:attrName>
+                                        </p:attrNameLst>
+                                      </p:cBhvr>
+                                      <p:to>
+                                        <p:strVal val="visible"/>
+                                      </p:to>
+                                    </p:set>
+                                  </p:childTnLst>
+                                </p:cTn>
+                              </p:par>
+                            </p:childTnLst>
+                          </p:cTn>
+                        </p:par>
+                      </p:childTnLst>
+                    </p:cTn>
+                  </p:par>
+                </p:childTnLst>
+              </p:cTn>
+              <p:prevCondLst>
+                <p:cond evt="onPrev" delay="0">
+                  <p:tgtEl>
+                    <p:sldTgt/>
+                  </p:tgtEl>
+                </p:cond>
+              </p:prevCondLst>
+              <p:nextCondLst>
+                <p:cond evt="onNext" delay="0">
+                  <p:tgtEl>
+                    <p:sldTgt/>
+                  </p:tgtEl>
+                </p:cond>
+              </p:nextCondLst>
+            </p:seq>
+          </p:childTnLst>
+        </p:cTn>
+      </p:par>
+    </p:tnLst>
+  </p:timing>
 </p:sld>
 </file>
 
@@ -10895,7 +13102,252 @@
   <p:timing>
     <p:tnLst>
       <p:par>
-        <p:cTn id="1" dur="indefinite" restart="never" nodeType="tmRoot"/>
+        <p:cTn id="1" dur="indefinite" restart="never" nodeType="tmRoot">
+          <p:childTnLst>
+            <p:seq concurrent="1" nextAc="seek">
+              <p:cTn id="2" dur="indefinite" nodeType="mainSeq">
+                <p:childTnLst>
+                  <p:par>
+                    <p:cTn id="3" fill="hold">
+                      <p:stCondLst>
+                        <p:cond delay="indefinite"/>
+                      </p:stCondLst>
+                      <p:childTnLst>
+                        <p:par>
+                          <p:cTn id="4" fill="hold">
+                            <p:stCondLst>
+                              <p:cond delay="0"/>
+                            </p:stCondLst>
+                            <p:childTnLst>
+                              <p:par>
+                                <p:cTn id="5" presetID="1" presetClass="entr" presetSubtype="0" fill="hold" nodeType="clickEffect">
+                                  <p:stCondLst>
+                                    <p:cond delay="0"/>
+                                  </p:stCondLst>
+                                  <p:childTnLst>
+                                    <p:set>
+                                      <p:cBhvr>
+                                        <p:cTn id="6" dur="1" fill="hold">
+                                          <p:stCondLst>
+                                            <p:cond delay="0"/>
+                                          </p:stCondLst>
+                                        </p:cTn>
+                                        <p:tgtEl>
+                                          <p:spTgt spid="3">
+                                            <p:txEl>
+                                              <p:pRg st="0" end="0"/>
+                                            </p:txEl>
+                                          </p:spTgt>
+                                        </p:tgtEl>
+                                        <p:attrNameLst>
+                                          <p:attrName>style.visibility</p:attrName>
+                                        </p:attrNameLst>
+                                      </p:cBhvr>
+                                      <p:to>
+                                        <p:strVal val="visible"/>
+                                      </p:to>
+                                    </p:set>
+                                  </p:childTnLst>
+                                </p:cTn>
+                              </p:par>
+                              <p:par>
+                                <p:cTn id="7" presetID="1" presetClass="entr" presetSubtype="0" fill="hold" nodeType="withEffect">
+                                  <p:stCondLst>
+                                    <p:cond delay="0"/>
+                                  </p:stCondLst>
+                                  <p:childTnLst>
+                                    <p:set>
+                                      <p:cBhvr>
+                                        <p:cTn id="8" dur="1" fill="hold">
+                                          <p:stCondLst>
+                                            <p:cond delay="0"/>
+                                          </p:stCondLst>
+                                        </p:cTn>
+                                        <p:tgtEl>
+                                          <p:spTgt spid="3">
+                                            <p:txEl>
+                                              <p:pRg st="1" end="1"/>
+                                            </p:txEl>
+                                          </p:spTgt>
+                                        </p:tgtEl>
+                                        <p:attrNameLst>
+                                          <p:attrName>style.visibility</p:attrName>
+                                        </p:attrNameLst>
+                                      </p:cBhvr>
+                                      <p:to>
+                                        <p:strVal val="visible"/>
+                                      </p:to>
+                                    </p:set>
+                                  </p:childTnLst>
+                                </p:cTn>
+                              </p:par>
+                              <p:par>
+                                <p:cTn id="9" presetID="1" presetClass="entr" presetSubtype="0" fill="hold" nodeType="withEffect">
+                                  <p:stCondLst>
+                                    <p:cond delay="0"/>
+                                  </p:stCondLst>
+                                  <p:childTnLst>
+                                    <p:set>
+                                      <p:cBhvr>
+                                        <p:cTn id="10" dur="1" fill="hold">
+                                          <p:stCondLst>
+                                            <p:cond delay="0"/>
+                                          </p:stCondLst>
+                                        </p:cTn>
+                                        <p:tgtEl>
+                                          <p:spTgt spid="3">
+                                            <p:txEl>
+                                              <p:pRg st="2" end="2"/>
+                                            </p:txEl>
+                                          </p:spTgt>
+                                        </p:tgtEl>
+                                        <p:attrNameLst>
+                                          <p:attrName>style.visibility</p:attrName>
+                                        </p:attrNameLst>
+                                      </p:cBhvr>
+                                      <p:to>
+                                        <p:strVal val="visible"/>
+                                      </p:to>
+                                    </p:set>
+                                  </p:childTnLst>
+                                </p:cTn>
+                              </p:par>
+                            </p:childTnLst>
+                          </p:cTn>
+                        </p:par>
+                      </p:childTnLst>
+                    </p:cTn>
+                  </p:par>
+                  <p:par>
+                    <p:cTn id="11" fill="hold">
+                      <p:stCondLst>
+                        <p:cond delay="indefinite"/>
+                      </p:stCondLst>
+                      <p:childTnLst>
+                        <p:par>
+                          <p:cTn id="12" fill="hold">
+                            <p:stCondLst>
+                              <p:cond delay="0"/>
+                            </p:stCondLst>
+                            <p:childTnLst>
+                              <p:par>
+                                <p:cTn id="13" presetID="1" presetClass="entr" presetSubtype="0" fill="hold" nodeType="clickEffect">
+                                  <p:stCondLst>
+                                    <p:cond delay="0"/>
+                                  </p:stCondLst>
+                                  <p:childTnLst>
+                                    <p:set>
+                                      <p:cBhvr>
+                                        <p:cTn id="14" dur="1" fill="hold">
+                                          <p:stCondLst>
+                                            <p:cond delay="0"/>
+                                          </p:stCondLst>
+                                        </p:cTn>
+                                        <p:tgtEl>
+                                          <p:spTgt spid="3">
+                                            <p:txEl>
+                                              <p:pRg st="3" end="3"/>
+                                            </p:txEl>
+                                          </p:spTgt>
+                                        </p:tgtEl>
+                                        <p:attrNameLst>
+                                          <p:attrName>style.visibility</p:attrName>
+                                        </p:attrNameLst>
+                                      </p:cBhvr>
+                                      <p:to>
+                                        <p:strVal val="visible"/>
+                                      </p:to>
+                                    </p:set>
+                                  </p:childTnLst>
+                                </p:cTn>
+                              </p:par>
+                              <p:par>
+                                <p:cTn id="15" presetID="1" presetClass="entr" presetSubtype="0" fill="hold" nodeType="withEffect">
+                                  <p:stCondLst>
+                                    <p:cond delay="0"/>
+                                  </p:stCondLst>
+                                  <p:childTnLst>
+                                    <p:set>
+                                      <p:cBhvr>
+                                        <p:cTn id="16" dur="1" fill="hold">
+                                          <p:stCondLst>
+                                            <p:cond delay="0"/>
+                                          </p:stCondLst>
+                                        </p:cTn>
+                                        <p:tgtEl>
+                                          <p:spTgt spid="3">
+                                            <p:txEl>
+                                              <p:pRg st="4" end="4"/>
+                                            </p:txEl>
+                                          </p:spTgt>
+                                        </p:tgtEl>
+                                        <p:attrNameLst>
+                                          <p:attrName>style.visibility</p:attrName>
+                                        </p:attrNameLst>
+                                      </p:cBhvr>
+                                      <p:to>
+                                        <p:strVal val="visible"/>
+                                      </p:to>
+                                    </p:set>
+                                  </p:childTnLst>
+                                </p:cTn>
+                              </p:par>
+                              <p:par>
+                                <p:cTn id="17" presetID="1" presetClass="entr" presetSubtype="0" fill="hold" nodeType="withEffect">
+                                  <p:stCondLst>
+                                    <p:cond delay="0"/>
+                                  </p:stCondLst>
+                                  <p:childTnLst>
+                                    <p:set>
+                                      <p:cBhvr>
+                                        <p:cTn id="18" dur="1" fill="hold">
+                                          <p:stCondLst>
+                                            <p:cond delay="0"/>
+                                          </p:stCondLst>
+                                        </p:cTn>
+                                        <p:tgtEl>
+                                          <p:spTgt spid="3">
+                                            <p:txEl>
+                                              <p:pRg st="5" end="5"/>
+                                            </p:txEl>
+                                          </p:spTgt>
+                                        </p:tgtEl>
+                                        <p:attrNameLst>
+                                          <p:attrName>style.visibility</p:attrName>
+                                        </p:attrNameLst>
+                                      </p:cBhvr>
+                                      <p:to>
+                                        <p:strVal val="visible"/>
+                                      </p:to>
+                                    </p:set>
+                                  </p:childTnLst>
+                                </p:cTn>
+                              </p:par>
+                            </p:childTnLst>
+                          </p:cTn>
+                        </p:par>
+                      </p:childTnLst>
+                    </p:cTn>
+                  </p:par>
+                </p:childTnLst>
+              </p:cTn>
+              <p:prevCondLst>
+                <p:cond evt="onPrev" delay="0">
+                  <p:tgtEl>
+                    <p:sldTgt/>
+                  </p:tgtEl>
+                </p:cond>
+              </p:prevCondLst>
+              <p:nextCondLst>
+                <p:cond evt="onNext" delay="0">
+                  <p:tgtEl>
+                    <p:sldTgt/>
+                  </p:tgtEl>
+                </p:cond>
+              </p:nextCondLst>
+            </p:seq>
+          </p:childTnLst>
+        </p:cTn>
       </p:par>
     </p:tnLst>
   </p:timing>

--- a/Prac2/Part 2/Presentation.pptx
+++ b/Prac2/Part 2/Presentation.pptx
@@ -207,7 +207,7 @@
           <a:p>
             <a:fld id="{C2F80297-43EF-4C39-A7B6-3EC643194714}" type="datetimeFigureOut">
               <a:rPr lang="es-NI" smtClean="0"/>
-              <a:t>19/9/2019</a:t>
+              <a:t>20/9/2019</a:t>
             </a:fld>
             <a:endParaRPr lang="es-NI"/>
           </a:p>
@@ -867,7 +867,7 @@
           <a:p>
             <a:fld id="{F1A8E312-5357-423D-9805-2C398908D092}" type="datetimeFigureOut">
               <a:rPr lang="en-ZA" smtClean="0"/>
-              <a:t>2019/09/19</a:t>
+              <a:t>2019/09/20</a:t>
             </a:fld>
             <a:endParaRPr lang="en-ZA"/>
           </a:p>
@@ -1205,7 +1205,7 @@
           <a:p>
             <a:fld id="{F1A8E312-5357-423D-9805-2C398908D092}" type="datetimeFigureOut">
               <a:rPr lang="en-ZA" smtClean="0"/>
-              <a:t>2019/09/19</a:t>
+              <a:t>2019/09/20</a:t>
             </a:fld>
             <a:endParaRPr lang="en-ZA"/>
           </a:p>
@@ -1606,7 +1606,7 @@
           <a:p>
             <a:fld id="{F1A8E312-5357-423D-9805-2C398908D092}" type="datetimeFigureOut">
               <a:rPr lang="en-ZA" smtClean="0"/>
-              <a:t>2019/09/19</a:t>
+              <a:t>2019/09/20</a:t>
             </a:fld>
             <a:endParaRPr lang="en-ZA"/>
           </a:p>
@@ -1942,7 +1942,7 @@
           <a:p>
             <a:fld id="{F1A8E312-5357-423D-9805-2C398908D092}" type="datetimeFigureOut">
               <a:rPr lang="en-ZA" smtClean="0"/>
-              <a:t>2019/09/19</a:t>
+              <a:t>2019/09/20</a:t>
             </a:fld>
             <a:endParaRPr lang="en-ZA"/>
           </a:p>
@@ -2262,7 +2262,7 @@
           <a:p>
             <a:fld id="{F1A8E312-5357-423D-9805-2C398908D092}" type="datetimeFigureOut">
               <a:rPr lang="en-ZA" smtClean="0"/>
-              <a:t>2019/09/19</a:t>
+              <a:t>2019/09/20</a:t>
             </a:fld>
             <a:endParaRPr lang="en-ZA"/>
           </a:p>
@@ -2658,7 +2658,7 @@
           <a:p>
             <a:fld id="{F1A8E312-5357-423D-9805-2C398908D092}" type="datetimeFigureOut">
               <a:rPr lang="en-ZA" smtClean="0"/>
-              <a:t>2019/09/19</a:t>
+              <a:t>2019/09/20</a:t>
             </a:fld>
             <a:endParaRPr lang="en-ZA"/>
           </a:p>
@@ -2915,7 +2915,7 @@
           <a:p>
             <a:fld id="{F1A8E312-5357-423D-9805-2C398908D092}" type="datetimeFigureOut">
               <a:rPr lang="en-ZA" smtClean="0"/>
-              <a:t>2019/09/19</a:t>
+              <a:t>2019/09/20</a:t>
             </a:fld>
             <a:endParaRPr lang="en-ZA"/>
           </a:p>
@@ -3177,7 +3177,7 @@
           <a:p>
             <a:fld id="{F1A8E312-5357-423D-9805-2C398908D092}" type="datetimeFigureOut">
               <a:rPr lang="en-ZA" smtClean="0"/>
-              <a:t>2019/09/19</a:t>
+              <a:t>2019/09/20</a:t>
             </a:fld>
             <a:endParaRPr lang="en-ZA"/>
           </a:p>
@@ -3439,7 +3439,7 @@
           <a:p>
             <a:fld id="{F1A8E312-5357-423D-9805-2C398908D092}" type="datetimeFigureOut">
               <a:rPr lang="en-ZA" smtClean="0"/>
-              <a:t>2019/09/19</a:t>
+              <a:t>2019/09/20</a:t>
             </a:fld>
             <a:endParaRPr lang="en-ZA"/>
           </a:p>
@@ -3768,7 +3768,7 @@
           <a:p>
             <a:fld id="{F1A8E312-5357-423D-9805-2C398908D092}" type="datetimeFigureOut">
               <a:rPr lang="en-ZA" smtClean="0"/>
-              <a:t>2019/09/19</a:t>
+              <a:t>2019/09/20</a:t>
             </a:fld>
             <a:endParaRPr lang="en-ZA"/>
           </a:p>
@@ -4091,7 +4091,7 @@
           <a:p>
             <a:fld id="{F1A8E312-5357-423D-9805-2C398908D092}" type="datetimeFigureOut">
               <a:rPr lang="en-ZA" smtClean="0"/>
-              <a:t>2019/09/19</a:t>
+              <a:t>2019/09/20</a:t>
             </a:fld>
             <a:endParaRPr lang="en-ZA"/>
           </a:p>
@@ -4548,7 +4548,7 @@
           <a:p>
             <a:fld id="{F1A8E312-5357-423D-9805-2C398908D092}" type="datetimeFigureOut">
               <a:rPr lang="en-ZA" smtClean="0"/>
-              <a:t>2019/09/19</a:t>
+              <a:t>2019/09/20</a:t>
             </a:fld>
             <a:endParaRPr lang="en-ZA"/>
           </a:p>
@@ -4753,7 +4753,7 @@
           <a:p>
             <a:fld id="{F1A8E312-5357-423D-9805-2C398908D092}" type="datetimeFigureOut">
               <a:rPr lang="en-ZA" smtClean="0"/>
-              <a:t>2019/09/19</a:t>
+              <a:t>2019/09/20</a:t>
             </a:fld>
             <a:endParaRPr lang="en-ZA"/>
           </a:p>
@@ -4930,7 +4930,7 @@
           <a:p>
             <a:fld id="{F1A8E312-5357-423D-9805-2C398908D092}" type="datetimeFigureOut">
               <a:rPr lang="en-ZA" smtClean="0"/>
-              <a:t>2019/09/19</a:t>
+              <a:t>2019/09/20</a:t>
             </a:fld>
             <a:endParaRPr lang="en-ZA"/>
           </a:p>
@@ -5263,7 +5263,7 @@
           <a:p>
             <a:fld id="{F1A8E312-5357-423D-9805-2C398908D092}" type="datetimeFigureOut">
               <a:rPr lang="en-ZA" smtClean="0"/>
-              <a:t>2019/09/19</a:t>
+              <a:t>2019/09/20</a:t>
             </a:fld>
             <a:endParaRPr lang="en-ZA"/>
           </a:p>
@@ -5608,7 +5608,7 @@
           <a:p>
             <a:fld id="{F1A8E312-5357-423D-9805-2C398908D092}" type="datetimeFigureOut">
               <a:rPr lang="en-ZA" smtClean="0"/>
-              <a:t>2019/09/19</a:t>
+              <a:t>2019/09/20</a:t>
             </a:fld>
             <a:endParaRPr lang="en-ZA"/>
           </a:p>
@@ -7725,7 +7725,7 @@
           <a:p>
             <a:fld id="{F1A8E312-5357-423D-9805-2C398908D092}" type="datetimeFigureOut">
               <a:rPr lang="en-ZA" smtClean="0"/>
-              <a:t>2019/09/19</a:t>
+              <a:t>2019/09/20</a:t>
             </a:fld>
             <a:endParaRPr lang="en-ZA"/>
           </a:p>
@@ -8327,11 +8327,11 @@
   <p:clrMapOvr>
     <a:masterClrMapping/>
   </p:clrMapOvr>
-  <mc:AlternateContent xmlns:mc="http://schemas.openxmlformats.org/markup-compatibility/2006">
-    <mc:Choice xmlns:p14="http://schemas.microsoft.com/office/powerpoint/2010/main" Requires="p14">
+  <mc:AlternateContent xmlns:mc="http://schemas.openxmlformats.org/markup-compatibility/2006" xmlns:p14="http://schemas.microsoft.com/office/powerpoint/2010/main">
+    <mc:Choice Requires="p14">
       <p:transition p14:dur="10"/>
     </mc:Choice>
-    <mc:Fallback>
+    <mc:Fallback xmlns="">
       <p:transition/>
     </mc:Fallback>
   </mc:AlternateContent>
@@ -8804,13 +8804,13 @@
   <p:clrMapOvr>
     <a:masterClrMapping/>
   </p:clrMapOvr>
-  <mc:AlternateContent xmlns:mc="http://schemas.openxmlformats.org/markup-compatibility/2006">
-    <mc:Choice xmlns:p15="http://schemas.microsoft.com/office/powerpoint/2012/main" Requires="p15">
+  <mc:AlternateContent xmlns:mc="http://schemas.openxmlformats.org/markup-compatibility/2006" xmlns:p15="http://schemas.microsoft.com/office/powerpoint/2012/main">
+    <mc:Choice Requires="p15">
       <p:transition xmlns:p14="http://schemas.microsoft.com/office/powerpoint/2010/main" spd="slow" p14:dur="2000">
         <p15:prstTrans prst="prestige"/>
       </p:transition>
     </mc:Choice>
-    <mc:Fallback>
+    <mc:Fallback xmlns="">
       <p:transition spd="slow">
         <p:fade/>
       </p:transition>
@@ -10069,7 +10069,6 @@
               <a:rPr lang="en-ZA" dirty="0" smtClean="0"/>
               <a:t>System model 			-    M/M/s</a:t>
             </a:r>
-            <a:endParaRPr lang="en-ZA" dirty="0" smtClean="0"/>
           </a:p>
         </p:txBody>
       </p:sp>
@@ -11836,7 +11835,7 @@
           <p:nvPr>
             <p:extLst>
               <p:ext uri="{D42A27DB-BD31-4B8C-83A1-F6EECF244321}">
-                <p14:modId xmlns:p14="http://schemas.microsoft.com/office/powerpoint/2010/main" val="1921720872"/>
+                <p14:modId xmlns:p14="http://schemas.microsoft.com/office/powerpoint/2010/main" val="1601310942"/>
               </p:ext>
             </p:extLst>
           </p:nvPr>
@@ -11875,7 +11874,11 @@
                     <a:p>
                       <a:r>
                         <a:rPr lang="en-US" dirty="0" smtClean="0"/>
-                        <a:t>Peak hours</a:t>
+                        <a:t>Off-peak</a:t>
+                      </a:r>
+                      <a:r>
+                        <a:rPr lang="en-US" baseline="0" dirty="0" smtClean="0"/>
+                        <a:t> hours</a:t>
                       </a:r>
                       <a:endParaRPr lang="es-NI" dirty="0"/>
                     </a:p>
@@ -11889,7 +11892,11 @@
                     <a:p>
                       <a:r>
                         <a:rPr lang="en-US" dirty="0" smtClean="0"/>
-                        <a:t>Off-peak hours</a:t>
+                        <a:t>Peak </a:t>
+                      </a:r>
+                      <a:r>
+                        <a:rPr lang="en-US" dirty="0" smtClean="0"/>
+                        <a:t>hours</a:t>
                       </a:r>
                       <a:endParaRPr lang="es-NI" dirty="0"/>
                     </a:p>
